--- a/monday/What_is_Bioinformatics.pptx
+++ b/monday/What_is_Bioinformatics.pptx
@@ -5,45 +5,43 @@
     <p:sldMasterId id="2147483660" r:id="rId1"/>
   </p:sldMasterIdLst>
   <p:notesMasterIdLst>
-    <p:notesMasterId r:id="rId38"/>
+    <p:notesMasterId r:id="rId36"/>
   </p:notesMasterIdLst>
   <p:sldIdLst>
     <p:sldId id="257" r:id="rId2"/>
     <p:sldId id="258" r:id="rId3"/>
-    <p:sldId id="259" r:id="rId4"/>
-    <p:sldId id="260" r:id="rId5"/>
-    <p:sldId id="261" r:id="rId6"/>
-    <p:sldId id="262" r:id="rId7"/>
-    <p:sldId id="297" r:id="rId8"/>
-    <p:sldId id="263" r:id="rId9"/>
-    <p:sldId id="264" r:id="rId10"/>
-    <p:sldId id="265" r:id="rId11"/>
-    <p:sldId id="266" r:id="rId12"/>
-    <p:sldId id="267" r:id="rId13"/>
-    <p:sldId id="299" r:id="rId14"/>
-    <p:sldId id="298" r:id="rId15"/>
-    <p:sldId id="270" r:id="rId16"/>
-    <p:sldId id="271" r:id="rId17"/>
-    <p:sldId id="272" r:id="rId18"/>
-    <p:sldId id="273" r:id="rId19"/>
-    <p:sldId id="274" r:id="rId20"/>
-    <p:sldId id="275" r:id="rId21"/>
-    <p:sldId id="276" r:id="rId22"/>
-    <p:sldId id="277" r:id="rId23"/>
-    <p:sldId id="278" r:id="rId24"/>
-    <p:sldId id="279" r:id="rId25"/>
-    <p:sldId id="280" r:id="rId26"/>
-    <p:sldId id="281" r:id="rId27"/>
-    <p:sldId id="282" r:id="rId28"/>
-    <p:sldId id="283" r:id="rId29"/>
-    <p:sldId id="284" r:id="rId30"/>
-    <p:sldId id="285" r:id="rId31"/>
-    <p:sldId id="286" r:id="rId32"/>
-    <p:sldId id="289" r:id="rId33"/>
-    <p:sldId id="290" r:id="rId34"/>
-    <p:sldId id="287" r:id="rId35"/>
-    <p:sldId id="288" r:id="rId36"/>
-    <p:sldId id="294" r:id="rId37"/>
+    <p:sldId id="297" r:id="rId4"/>
+    <p:sldId id="263" r:id="rId5"/>
+    <p:sldId id="264" r:id="rId6"/>
+    <p:sldId id="265" r:id="rId7"/>
+    <p:sldId id="266" r:id="rId8"/>
+    <p:sldId id="267" r:id="rId9"/>
+    <p:sldId id="299" r:id="rId10"/>
+    <p:sldId id="298" r:id="rId11"/>
+    <p:sldId id="270" r:id="rId12"/>
+    <p:sldId id="381" r:id="rId13"/>
+    <p:sldId id="272" r:id="rId14"/>
+    <p:sldId id="380" r:id="rId15"/>
+    <p:sldId id="260" r:id="rId16"/>
+    <p:sldId id="275" r:id="rId17"/>
+    <p:sldId id="273" r:id="rId18"/>
+    <p:sldId id="274" r:id="rId19"/>
+    <p:sldId id="276" r:id="rId20"/>
+    <p:sldId id="277" r:id="rId21"/>
+    <p:sldId id="278" r:id="rId22"/>
+    <p:sldId id="279" r:id="rId23"/>
+    <p:sldId id="280" r:id="rId24"/>
+    <p:sldId id="281" r:id="rId25"/>
+    <p:sldId id="282" r:id="rId26"/>
+    <p:sldId id="283" r:id="rId27"/>
+    <p:sldId id="284" r:id="rId28"/>
+    <p:sldId id="285" r:id="rId29"/>
+    <p:sldId id="286" r:id="rId30"/>
+    <p:sldId id="289" r:id="rId31"/>
+    <p:sldId id="290" r:id="rId32"/>
+    <p:sldId id="287" r:id="rId33"/>
+    <p:sldId id="288" r:id="rId34"/>
+    <p:sldId id="294" r:id="rId35"/>
   </p:sldIdLst>
   <p:sldSz cx="12192000" cy="6858000"/>
   <p:notesSz cx="6858000" cy="9144000"/>
@@ -232,7 +230,7 @@
           <a:p>
             <a:fld id="{7BF5E2D9-BC91-8643-972A-980AA9DDDE8D}" type="datetimeFigureOut">
               <a:rPr lang="en-US" smtClean="0"/>
-              <a:t>9/4/17</a:t>
+              <a:t>5/23/18</a:t>
             </a:fld>
             <a:endParaRPr lang="en-US"/>
           </a:p>
@@ -296,38 +294,37 @@
           <a:p>
             <a:pPr lvl="0"/>
             <a:r>
-              <a:rPr lang="en-US" smtClean="0"/>
+              <a:rPr lang="en-US"/>
               <a:t>Click to edit Master text styles</a:t>
             </a:r>
           </a:p>
           <a:p>
             <a:pPr lvl="1"/>
             <a:r>
-              <a:rPr lang="en-US" smtClean="0"/>
+              <a:rPr lang="en-US"/>
               <a:t>Second level</a:t>
             </a:r>
           </a:p>
           <a:p>
             <a:pPr lvl="2"/>
             <a:r>
-              <a:rPr lang="en-US" smtClean="0"/>
+              <a:rPr lang="en-US"/>
               <a:t>Third level</a:t>
             </a:r>
           </a:p>
           <a:p>
             <a:pPr lvl="3"/>
             <a:r>
-              <a:rPr lang="en-US" smtClean="0"/>
+              <a:rPr lang="en-US"/>
               <a:t>Fourth level</a:t>
             </a:r>
           </a:p>
           <a:p>
             <a:pPr lvl="4"/>
             <a:r>
-              <a:rPr lang="en-US" smtClean="0"/>
+              <a:rPr lang="en-US"/>
               <a:t>Fifth level</a:t>
             </a:r>
-            <a:endParaRPr lang="en-US"/>
           </a:p>
         </p:txBody>
       </p:sp>
@@ -569,24 +566,24 @@
               <a:defRPr/>
             </a:pPr>
             <a:r>
-              <a:rPr lang="en-US" sz="1200" b="1" i="1" kern="3000" dirty="0" smtClean="0"/>
+              <a:rPr lang="en-US" sz="1200" b="1" i="1" kern="3000" dirty="0"/>
               <a:t>Big data</a:t>
             </a:r>
             <a:r>
-              <a:rPr lang="en-US" sz="1200" i="1" kern="3000" dirty="0" smtClean="0"/>
+              <a:rPr lang="en-US" sz="1200" i="1" kern="3000" dirty="0"/>
               <a:t> is an evolving term that describes any voluminous amount of structured, semi-structured and unstructured data that has the potential to be mined for information.</a:t>
             </a:r>
           </a:p>
           <a:p>
-            <a:endParaRPr lang="en-US" dirty="0" smtClean="0"/>
-          </a:p>
-          <a:p>
-            <a:r>
-              <a:rPr lang="en-US" dirty="0" smtClean="0"/>
+            <a:endParaRPr lang="en-US" dirty="0"/>
+          </a:p>
+          <a:p>
+            <a:r>
+              <a:rPr lang="en-US" dirty="0"/>
               <a:t>The Cloud</a:t>
             </a:r>
             <a:r>
-              <a:rPr lang="en-US" baseline="0" dirty="0" smtClean="0"/>
+              <a:rPr lang="en-US" baseline="0" dirty="0"/>
               <a:t> is just a rebranding of </a:t>
             </a:r>
             <a:endParaRPr lang="en-US" dirty="0"/>
@@ -611,7 +608,7 @@
             <a:fld id="{B890B3C6-2E59-9E46-B671-384F9E302B09}" type="slidenum">
               <a:rPr lang="en-CA" smtClean="0"/>
               <a:pPr/>
-              <a:t>21</a:t>
+              <a:t>19</a:t>
             </a:fld>
             <a:endParaRPr lang="en-CA"/>
           </a:p>
@@ -680,11 +677,11 @@
           <a:lstStyle/>
           <a:p>
             <a:r>
-              <a:rPr lang="en-US" dirty="0" smtClean="0"/>
+              <a:rPr lang="en-US" dirty="0"/>
               <a:t>Kirk</a:t>
             </a:r>
             <a:r>
-              <a:rPr lang="en-US" baseline="0" dirty="0" smtClean="0"/>
+              <a:rPr lang="en-US" baseline="0" dirty="0"/>
               <a:t> Borne – George Mason University</a:t>
             </a:r>
             <a:endParaRPr lang="en-US" dirty="0"/>
@@ -709,7 +706,7 @@
             <a:fld id="{B890B3C6-2E59-9E46-B671-384F9E302B09}" type="slidenum">
               <a:rPr lang="en-CA" smtClean="0"/>
               <a:pPr/>
-              <a:t>22</a:t>
+              <a:t>20</a:t>
             </a:fld>
             <a:endParaRPr lang="en-CA"/>
           </a:p>
@@ -799,7 +796,7 @@
             <a:fld id="{B890B3C6-2E59-9E46-B671-384F9E302B09}" type="slidenum">
               <a:rPr lang="en-CA" smtClean="0"/>
               <a:pPr/>
-              <a:t>23</a:t>
+              <a:t>21</a:t>
             </a:fld>
             <a:endParaRPr lang="en-CA"/>
           </a:p>
@@ -889,7 +886,7 @@
             <a:fld id="{B890B3C6-2E59-9E46-B671-384F9E302B09}" type="slidenum">
               <a:rPr lang="en-CA" smtClean="0"/>
               <a:pPr/>
-              <a:t>26</a:t>
+              <a:t>24</a:t>
             </a:fld>
             <a:endParaRPr lang="en-CA"/>
           </a:p>
@@ -958,19 +955,19 @@
           <a:lstStyle/>
           <a:p>
             <a:r>
-              <a:rPr lang="en-US" dirty="0" smtClean="0"/>
+              <a:rPr lang="en-US" dirty="0"/>
               <a:t>How-To:</a:t>
             </a:r>
             <a:r>
-              <a:rPr lang="en-US" baseline="0" dirty="0" smtClean="0"/>
+              <a:rPr lang="en-US" baseline="0" dirty="0"/>
               <a:t> </a:t>
             </a:r>
             <a:r>
-              <a:rPr lang="en-US" dirty="0" smtClean="0"/>
+              <a:rPr lang="en-US" dirty="0"/>
               <a:t>Workshops</a:t>
             </a:r>
             <a:r>
-              <a:rPr lang="en-US" baseline="0" dirty="0" smtClean="0"/>
+              <a:rPr lang="en-US" baseline="0" dirty="0"/>
               <a:t> are by and large unaffected</a:t>
             </a:r>
             <a:endParaRPr lang="en-US" dirty="0"/>
@@ -995,7 +992,7 @@
             <a:fld id="{B890B3C6-2E59-9E46-B671-384F9E302B09}" type="slidenum">
               <a:rPr lang="en-CA" smtClean="0"/>
               <a:pPr/>
-              <a:t>30</a:t>
+              <a:t>28</a:t>
             </a:fld>
             <a:endParaRPr lang="en-CA"/>
           </a:p>
@@ -1056,10 +1053,9 @@
           </a:lstStyle>
           <a:p>
             <a:r>
-              <a:rPr lang="en-US" smtClean="0"/>
+              <a:rPr lang="en-US"/>
               <a:t>Click to edit Master title style</a:t>
             </a:r>
-            <a:endParaRPr lang="en-US"/>
           </a:p>
         </p:txBody>
       </p:sp>
@@ -1121,10 +1117,9 @@
           </a:lstStyle>
           <a:p>
             <a:r>
-              <a:rPr lang="en-US" smtClean="0"/>
+              <a:rPr lang="en-US"/>
               <a:t>Click to edit Master subtitle style</a:t>
             </a:r>
-            <a:endParaRPr lang="en-US"/>
           </a:p>
         </p:txBody>
       </p:sp>
@@ -1145,7 +1140,7 @@
           <a:p>
             <a:fld id="{3C7ED0E6-7BA8-1C4C-B47E-9DE2F9DD3776}" type="datetimeFigureOut">
               <a:rPr lang="en-US" smtClean="0"/>
-              <a:t>9/4/17</a:t>
+              <a:t>5/23/18</a:t>
             </a:fld>
             <a:endParaRPr lang="en-US"/>
           </a:p>
@@ -1235,10 +1230,9 @@
           <a:lstStyle/>
           <a:p>
             <a:r>
-              <a:rPr lang="en-US" smtClean="0"/>
+              <a:rPr lang="en-US"/>
               <a:t>Click to edit Master title style</a:t>
             </a:r>
-            <a:endParaRPr lang="en-US"/>
           </a:p>
         </p:txBody>
       </p:sp>
@@ -1259,38 +1253,37 @@
           <a:p>
             <a:pPr lvl="0"/>
             <a:r>
-              <a:rPr lang="en-US" smtClean="0"/>
+              <a:rPr lang="en-US"/>
               <a:t>Click to edit Master text styles</a:t>
             </a:r>
           </a:p>
           <a:p>
             <a:pPr lvl="1"/>
             <a:r>
-              <a:rPr lang="en-US" smtClean="0"/>
+              <a:rPr lang="en-US"/>
               <a:t>Second level</a:t>
             </a:r>
           </a:p>
           <a:p>
             <a:pPr lvl="2"/>
             <a:r>
-              <a:rPr lang="en-US" smtClean="0"/>
+              <a:rPr lang="en-US"/>
               <a:t>Third level</a:t>
             </a:r>
           </a:p>
           <a:p>
             <a:pPr lvl="3"/>
             <a:r>
-              <a:rPr lang="en-US" smtClean="0"/>
+              <a:rPr lang="en-US"/>
               <a:t>Fourth level</a:t>
             </a:r>
           </a:p>
           <a:p>
             <a:pPr lvl="4"/>
             <a:r>
-              <a:rPr lang="en-US" smtClean="0"/>
+              <a:rPr lang="en-US"/>
               <a:t>Fifth level</a:t>
             </a:r>
-            <a:endParaRPr lang="en-US"/>
           </a:p>
         </p:txBody>
       </p:sp>
@@ -1311,7 +1304,7 @@
           <a:p>
             <a:fld id="{3C7ED0E6-7BA8-1C4C-B47E-9DE2F9DD3776}" type="datetimeFigureOut">
               <a:rPr lang="en-US" smtClean="0"/>
-              <a:t>9/4/17</a:t>
+              <a:t>5/23/18</a:t>
             </a:fld>
             <a:endParaRPr lang="en-US"/>
           </a:p>
@@ -1406,10 +1399,9 @@
           <a:lstStyle/>
           <a:p>
             <a:r>
-              <a:rPr lang="en-US" smtClean="0"/>
+              <a:rPr lang="en-US"/>
               <a:t>Click to edit Master title style</a:t>
             </a:r>
-            <a:endParaRPr lang="en-US"/>
           </a:p>
         </p:txBody>
       </p:sp>
@@ -1435,38 +1427,37 @@
           <a:p>
             <a:pPr lvl="0"/>
             <a:r>
-              <a:rPr lang="en-US" smtClean="0"/>
+              <a:rPr lang="en-US"/>
               <a:t>Click to edit Master text styles</a:t>
             </a:r>
           </a:p>
           <a:p>
             <a:pPr lvl="1"/>
             <a:r>
-              <a:rPr lang="en-US" smtClean="0"/>
+              <a:rPr lang="en-US"/>
               <a:t>Second level</a:t>
             </a:r>
           </a:p>
           <a:p>
             <a:pPr lvl="2"/>
             <a:r>
-              <a:rPr lang="en-US" smtClean="0"/>
+              <a:rPr lang="en-US"/>
               <a:t>Third level</a:t>
             </a:r>
           </a:p>
           <a:p>
             <a:pPr lvl="3"/>
             <a:r>
-              <a:rPr lang="en-US" smtClean="0"/>
+              <a:rPr lang="en-US"/>
               <a:t>Fourth level</a:t>
             </a:r>
           </a:p>
           <a:p>
             <a:pPr lvl="4"/>
             <a:r>
-              <a:rPr lang="en-US" smtClean="0"/>
+              <a:rPr lang="en-US"/>
               <a:t>Fifth level</a:t>
             </a:r>
-            <a:endParaRPr lang="en-US"/>
           </a:p>
         </p:txBody>
       </p:sp>
@@ -1487,7 +1478,7 @@
           <a:p>
             <a:fld id="{3C7ED0E6-7BA8-1C4C-B47E-9DE2F9DD3776}" type="datetimeFigureOut">
               <a:rPr lang="en-US" smtClean="0"/>
-              <a:t>9/4/17</a:t>
+              <a:t>5/23/18</a:t>
             </a:fld>
             <a:endParaRPr lang="en-US"/>
           </a:p>
@@ -1582,10 +1573,9 @@
           <a:lstStyle/>
           <a:p>
             <a:r>
-              <a:rPr lang="en-US" smtClean="0"/>
+              <a:rPr lang="en-US"/>
               <a:t>Click to edit Master title style</a:t>
             </a:r>
-            <a:endParaRPr lang="en-US"/>
           </a:p>
         </p:txBody>
       </p:sp>
@@ -1721,10 +1711,9 @@
           <a:lstStyle/>
           <a:p>
             <a:r>
-              <a:rPr lang="en-US" smtClean="0"/>
+              <a:rPr lang="en-US"/>
               <a:t>Click to edit Master title style</a:t>
             </a:r>
-            <a:endParaRPr lang="en-US"/>
           </a:p>
         </p:txBody>
       </p:sp>
@@ -1745,38 +1734,37 @@
           <a:p>
             <a:pPr lvl="0"/>
             <a:r>
-              <a:rPr lang="en-US" smtClean="0"/>
+              <a:rPr lang="en-US"/>
               <a:t>Click to edit Master text styles</a:t>
             </a:r>
           </a:p>
           <a:p>
             <a:pPr lvl="1"/>
             <a:r>
-              <a:rPr lang="en-US" smtClean="0"/>
+              <a:rPr lang="en-US"/>
               <a:t>Second level</a:t>
             </a:r>
           </a:p>
           <a:p>
             <a:pPr lvl="2"/>
             <a:r>
-              <a:rPr lang="en-US" smtClean="0"/>
+              <a:rPr lang="en-US"/>
               <a:t>Third level</a:t>
             </a:r>
           </a:p>
           <a:p>
             <a:pPr lvl="3"/>
             <a:r>
-              <a:rPr lang="en-US" smtClean="0"/>
+              <a:rPr lang="en-US"/>
               <a:t>Fourth level</a:t>
             </a:r>
           </a:p>
           <a:p>
             <a:pPr lvl="4"/>
             <a:r>
-              <a:rPr lang="en-US" smtClean="0"/>
+              <a:rPr lang="en-US"/>
               <a:t>Fifth level</a:t>
             </a:r>
-            <a:endParaRPr lang="en-US"/>
           </a:p>
         </p:txBody>
       </p:sp>
@@ -1797,7 +1785,7 @@
           <a:p>
             <a:fld id="{3C7ED0E6-7BA8-1C4C-B47E-9DE2F9DD3776}" type="datetimeFigureOut">
               <a:rPr lang="en-US" smtClean="0"/>
-              <a:t>9/4/17</a:t>
+              <a:t>5/23/18</a:t>
             </a:fld>
             <a:endParaRPr lang="en-US"/>
           </a:p>
@@ -1896,10 +1884,9 @@
           </a:lstStyle>
           <a:p>
             <a:r>
-              <a:rPr lang="en-US" smtClean="0"/>
+              <a:rPr lang="en-US"/>
               <a:t>Click to edit Master title style</a:t>
             </a:r>
-            <a:endParaRPr lang="en-US"/>
           </a:p>
         </p:txBody>
       </p:sp>
@@ -2016,7 +2003,7 @@
           <a:p>
             <a:pPr lvl="0"/>
             <a:r>
-              <a:rPr lang="en-US" smtClean="0"/>
+              <a:rPr lang="en-US"/>
               <a:t>Click to edit Master text styles</a:t>
             </a:r>
           </a:p>
@@ -2039,7 +2026,7 @@
           <a:p>
             <a:fld id="{3C7ED0E6-7BA8-1C4C-B47E-9DE2F9DD3776}" type="datetimeFigureOut">
               <a:rPr lang="en-US" smtClean="0"/>
-              <a:t>9/4/17</a:t>
+              <a:t>5/23/18</a:t>
             </a:fld>
             <a:endParaRPr lang="en-US"/>
           </a:p>
@@ -2129,10 +2116,9 @@
           <a:lstStyle/>
           <a:p>
             <a:r>
-              <a:rPr lang="en-US" smtClean="0"/>
+              <a:rPr lang="en-US"/>
               <a:t>Click to edit Master title style</a:t>
             </a:r>
-            <a:endParaRPr lang="en-US"/>
           </a:p>
         </p:txBody>
       </p:sp>
@@ -2158,38 +2144,37 @@
           <a:p>
             <a:pPr lvl="0"/>
             <a:r>
-              <a:rPr lang="en-US" smtClean="0"/>
+              <a:rPr lang="en-US"/>
               <a:t>Click to edit Master text styles</a:t>
             </a:r>
           </a:p>
           <a:p>
             <a:pPr lvl="1"/>
             <a:r>
-              <a:rPr lang="en-US" smtClean="0"/>
+              <a:rPr lang="en-US"/>
               <a:t>Second level</a:t>
             </a:r>
           </a:p>
           <a:p>
             <a:pPr lvl="2"/>
             <a:r>
-              <a:rPr lang="en-US" smtClean="0"/>
+              <a:rPr lang="en-US"/>
               <a:t>Third level</a:t>
             </a:r>
           </a:p>
           <a:p>
             <a:pPr lvl="3"/>
             <a:r>
-              <a:rPr lang="en-US" smtClean="0"/>
+              <a:rPr lang="en-US"/>
               <a:t>Fourth level</a:t>
             </a:r>
           </a:p>
           <a:p>
             <a:pPr lvl="4"/>
             <a:r>
-              <a:rPr lang="en-US" smtClean="0"/>
+              <a:rPr lang="en-US"/>
               <a:t>Fifth level</a:t>
             </a:r>
-            <a:endParaRPr lang="en-US"/>
           </a:p>
         </p:txBody>
       </p:sp>
@@ -2215,38 +2200,37 @@
           <a:p>
             <a:pPr lvl="0"/>
             <a:r>
-              <a:rPr lang="en-US" smtClean="0"/>
+              <a:rPr lang="en-US"/>
               <a:t>Click to edit Master text styles</a:t>
             </a:r>
           </a:p>
           <a:p>
             <a:pPr lvl="1"/>
             <a:r>
-              <a:rPr lang="en-US" smtClean="0"/>
+              <a:rPr lang="en-US"/>
               <a:t>Second level</a:t>
             </a:r>
           </a:p>
           <a:p>
             <a:pPr lvl="2"/>
             <a:r>
-              <a:rPr lang="en-US" smtClean="0"/>
+              <a:rPr lang="en-US"/>
               <a:t>Third level</a:t>
             </a:r>
           </a:p>
           <a:p>
             <a:pPr lvl="3"/>
             <a:r>
-              <a:rPr lang="en-US" smtClean="0"/>
+              <a:rPr lang="en-US"/>
               <a:t>Fourth level</a:t>
             </a:r>
           </a:p>
           <a:p>
             <a:pPr lvl="4"/>
             <a:r>
-              <a:rPr lang="en-US" smtClean="0"/>
+              <a:rPr lang="en-US"/>
               <a:t>Fifth level</a:t>
             </a:r>
-            <a:endParaRPr lang="en-US"/>
           </a:p>
         </p:txBody>
       </p:sp>
@@ -2267,7 +2251,7 @@
           <a:p>
             <a:fld id="{3C7ED0E6-7BA8-1C4C-B47E-9DE2F9DD3776}" type="datetimeFigureOut">
               <a:rPr lang="en-US" smtClean="0"/>
-              <a:t>9/4/17</a:t>
+              <a:t>5/23/18</a:t>
             </a:fld>
             <a:endParaRPr lang="en-US"/>
           </a:p>
@@ -2362,10 +2346,9 @@
           <a:lstStyle/>
           <a:p>
             <a:r>
-              <a:rPr lang="en-US" smtClean="0"/>
+              <a:rPr lang="en-US"/>
               <a:t>Click to edit Master title style</a:t>
             </a:r>
-            <a:endParaRPr lang="en-US"/>
           </a:p>
         </p:txBody>
       </p:sp>
@@ -2428,7 +2411,7 @@
           <a:p>
             <a:pPr lvl="0"/>
             <a:r>
-              <a:rPr lang="en-US" smtClean="0"/>
+              <a:rPr lang="en-US"/>
               <a:t>Click to edit Master text styles</a:t>
             </a:r>
           </a:p>
@@ -2456,38 +2439,37 @@
           <a:p>
             <a:pPr lvl="0"/>
             <a:r>
-              <a:rPr lang="en-US" smtClean="0"/>
+              <a:rPr lang="en-US"/>
               <a:t>Click to edit Master text styles</a:t>
             </a:r>
           </a:p>
           <a:p>
             <a:pPr lvl="1"/>
             <a:r>
-              <a:rPr lang="en-US" smtClean="0"/>
+              <a:rPr lang="en-US"/>
               <a:t>Second level</a:t>
             </a:r>
           </a:p>
           <a:p>
             <a:pPr lvl="2"/>
             <a:r>
-              <a:rPr lang="en-US" smtClean="0"/>
+              <a:rPr lang="en-US"/>
               <a:t>Third level</a:t>
             </a:r>
           </a:p>
           <a:p>
             <a:pPr lvl="3"/>
             <a:r>
-              <a:rPr lang="en-US" smtClean="0"/>
+              <a:rPr lang="en-US"/>
               <a:t>Fourth level</a:t>
             </a:r>
           </a:p>
           <a:p>
             <a:pPr lvl="4"/>
             <a:r>
-              <a:rPr lang="en-US" smtClean="0"/>
+              <a:rPr lang="en-US"/>
               <a:t>Fifth level</a:t>
             </a:r>
-            <a:endParaRPr lang="en-US"/>
           </a:p>
         </p:txBody>
       </p:sp>
@@ -2550,7 +2532,7 @@
           <a:p>
             <a:pPr lvl="0"/>
             <a:r>
-              <a:rPr lang="en-US" smtClean="0"/>
+              <a:rPr lang="en-US"/>
               <a:t>Click to edit Master text styles</a:t>
             </a:r>
           </a:p>
@@ -2578,38 +2560,37 @@
           <a:p>
             <a:pPr lvl="0"/>
             <a:r>
-              <a:rPr lang="en-US" smtClean="0"/>
+              <a:rPr lang="en-US"/>
               <a:t>Click to edit Master text styles</a:t>
             </a:r>
           </a:p>
           <a:p>
             <a:pPr lvl="1"/>
             <a:r>
-              <a:rPr lang="en-US" smtClean="0"/>
+              <a:rPr lang="en-US"/>
               <a:t>Second level</a:t>
             </a:r>
           </a:p>
           <a:p>
             <a:pPr lvl="2"/>
             <a:r>
-              <a:rPr lang="en-US" smtClean="0"/>
+              <a:rPr lang="en-US"/>
               <a:t>Third level</a:t>
             </a:r>
           </a:p>
           <a:p>
             <a:pPr lvl="3"/>
             <a:r>
-              <a:rPr lang="en-US" smtClean="0"/>
+              <a:rPr lang="en-US"/>
               <a:t>Fourth level</a:t>
             </a:r>
           </a:p>
           <a:p>
             <a:pPr lvl="4"/>
             <a:r>
-              <a:rPr lang="en-US" smtClean="0"/>
+              <a:rPr lang="en-US"/>
               <a:t>Fifth level</a:t>
             </a:r>
-            <a:endParaRPr lang="en-US"/>
           </a:p>
         </p:txBody>
       </p:sp>
@@ -2630,7 +2611,7 @@
           <a:p>
             <a:fld id="{3C7ED0E6-7BA8-1C4C-B47E-9DE2F9DD3776}" type="datetimeFigureOut">
               <a:rPr lang="en-US" smtClean="0"/>
-              <a:t>9/4/17</a:t>
+              <a:t>5/23/18</a:t>
             </a:fld>
             <a:endParaRPr lang="en-US"/>
           </a:p>
@@ -2720,10 +2701,9 @@
           <a:lstStyle/>
           <a:p>
             <a:r>
-              <a:rPr lang="en-US" smtClean="0"/>
+              <a:rPr lang="en-US"/>
               <a:t>Click to edit Master title style</a:t>
             </a:r>
-            <a:endParaRPr lang="en-US"/>
           </a:p>
         </p:txBody>
       </p:sp>
@@ -2744,7 +2724,7 @@
           <a:p>
             <a:fld id="{3C7ED0E6-7BA8-1C4C-B47E-9DE2F9DD3776}" type="datetimeFigureOut">
               <a:rPr lang="en-US" smtClean="0"/>
-              <a:t>9/4/17</a:t>
+              <a:t>5/23/18</a:t>
             </a:fld>
             <a:endParaRPr lang="en-US"/>
           </a:p>
@@ -2835,7 +2815,7 @@
           <a:p>
             <a:fld id="{3C7ED0E6-7BA8-1C4C-B47E-9DE2F9DD3776}" type="datetimeFigureOut">
               <a:rPr lang="en-US" smtClean="0"/>
-              <a:t>9/4/17</a:t>
+              <a:t>5/23/18</a:t>
             </a:fld>
             <a:endParaRPr lang="en-US"/>
           </a:p>
@@ -2934,10 +2914,9 @@
           </a:lstStyle>
           <a:p>
             <a:r>
-              <a:rPr lang="en-US" smtClean="0"/>
+              <a:rPr lang="en-US"/>
               <a:t>Click to edit Master title style</a:t>
             </a:r>
-            <a:endParaRPr lang="en-US"/>
           </a:p>
         </p:txBody>
       </p:sp>
@@ -2991,38 +2970,37 @@
           <a:p>
             <a:pPr lvl="0"/>
             <a:r>
-              <a:rPr lang="en-US" smtClean="0"/>
+              <a:rPr lang="en-US"/>
               <a:t>Click to edit Master text styles</a:t>
             </a:r>
           </a:p>
           <a:p>
             <a:pPr lvl="1"/>
             <a:r>
-              <a:rPr lang="en-US" smtClean="0"/>
+              <a:rPr lang="en-US"/>
               <a:t>Second level</a:t>
             </a:r>
           </a:p>
           <a:p>
             <a:pPr lvl="2"/>
             <a:r>
-              <a:rPr lang="en-US" smtClean="0"/>
+              <a:rPr lang="en-US"/>
               <a:t>Third level</a:t>
             </a:r>
           </a:p>
           <a:p>
             <a:pPr lvl="3"/>
             <a:r>
-              <a:rPr lang="en-US" smtClean="0"/>
+              <a:rPr lang="en-US"/>
               <a:t>Fourth level</a:t>
             </a:r>
           </a:p>
           <a:p>
             <a:pPr lvl="4"/>
             <a:r>
-              <a:rPr lang="en-US" smtClean="0"/>
+              <a:rPr lang="en-US"/>
               <a:t>Fifth level</a:t>
             </a:r>
-            <a:endParaRPr lang="en-US"/>
           </a:p>
         </p:txBody>
       </p:sp>
@@ -3085,7 +3063,7 @@
           <a:p>
             <a:pPr lvl="0"/>
             <a:r>
-              <a:rPr lang="en-US" smtClean="0"/>
+              <a:rPr lang="en-US"/>
               <a:t>Click to edit Master text styles</a:t>
             </a:r>
           </a:p>
@@ -3108,7 +3086,7 @@
           <a:p>
             <a:fld id="{3C7ED0E6-7BA8-1C4C-B47E-9DE2F9DD3776}" type="datetimeFigureOut">
               <a:rPr lang="en-US" smtClean="0"/>
-              <a:t>9/4/17</a:t>
+              <a:t>5/23/18</a:t>
             </a:fld>
             <a:endParaRPr lang="en-US"/>
           </a:p>
@@ -3207,10 +3185,9 @@
           </a:lstStyle>
           <a:p>
             <a:r>
-              <a:rPr lang="en-US" smtClean="0"/>
+              <a:rPr lang="en-US"/>
               <a:t>Click to edit Master title style</a:t>
             </a:r>
-            <a:endParaRPr lang="en-US"/>
           </a:p>
         </p:txBody>
       </p:sp>
@@ -3272,10 +3249,9 @@
           </a:lstStyle>
           <a:p>
             <a:r>
-              <a:rPr lang="en-US" smtClean="0"/>
+              <a:rPr lang="en-US"/>
               <a:t>Drag picture to placeholder or click icon to add</a:t>
             </a:r>
-            <a:endParaRPr lang="en-US"/>
           </a:p>
         </p:txBody>
       </p:sp>
@@ -3338,7 +3314,7 @@
           <a:p>
             <a:pPr lvl="0"/>
             <a:r>
-              <a:rPr lang="en-US" smtClean="0"/>
+              <a:rPr lang="en-US"/>
               <a:t>Click to edit Master text styles</a:t>
             </a:r>
           </a:p>
@@ -3361,7 +3337,7 @@
           <a:p>
             <a:fld id="{3C7ED0E6-7BA8-1C4C-B47E-9DE2F9DD3776}" type="datetimeFigureOut">
               <a:rPr lang="en-US" smtClean="0"/>
-              <a:t>9/4/17</a:t>
+              <a:t>5/23/18</a:t>
             </a:fld>
             <a:endParaRPr lang="en-US"/>
           </a:p>
@@ -3466,10 +3442,9 @@
           <a:lstStyle/>
           <a:p>
             <a:r>
-              <a:rPr lang="en-US" smtClean="0"/>
+              <a:rPr lang="en-US"/>
               <a:t>Click to edit Master title style</a:t>
             </a:r>
-            <a:endParaRPr lang="en-US"/>
           </a:p>
         </p:txBody>
       </p:sp>
@@ -3500,35 +3475,35 @@
           <a:p>
             <a:pPr lvl="0"/>
             <a:r>
-              <a:rPr lang="en-US" smtClean="0"/>
+              <a:rPr lang="en-US"/>
               <a:t>Click to edit Master text styles</a:t>
             </a:r>
           </a:p>
           <a:p>
             <a:pPr lvl="1"/>
             <a:r>
-              <a:rPr lang="en-US" smtClean="0"/>
+              <a:rPr lang="en-US"/>
               <a:t>Second level</a:t>
             </a:r>
           </a:p>
           <a:p>
             <a:pPr lvl="2"/>
             <a:r>
-              <a:rPr lang="en-US" smtClean="0"/>
+              <a:rPr lang="en-US"/>
               <a:t>Third level</a:t>
             </a:r>
           </a:p>
           <a:p>
             <a:pPr lvl="3"/>
             <a:r>
-              <a:rPr lang="en-US" smtClean="0"/>
+              <a:rPr lang="en-US"/>
               <a:t>Fourth level</a:t>
             </a:r>
           </a:p>
           <a:p>
             <a:pPr lvl="4"/>
             <a:r>
-              <a:rPr lang="en-US" smtClean="0"/>
+              <a:rPr lang="en-US"/>
               <a:t>Fifth level</a:t>
             </a:r>
             <a:endParaRPr lang="en-US" dirty="0"/>
@@ -3570,7 +3545,7 @@
           <a:p>
             <a:fld id="{3C7ED0E6-7BA8-1C4C-B47E-9DE2F9DD3776}" type="datetimeFigureOut">
               <a:rPr lang="en-US" smtClean="0"/>
-              <a:t>9/4/17</a:t>
+              <a:t>5/23/18</a:t>
             </a:fld>
             <a:endParaRPr lang="en-US"/>
           </a:p>
@@ -4069,17 +4044,17 @@
           </a:ln>
           <a:extLst>
             <a:ext uri="{FAA26D3D-D897-4be2-8F04-BA451C77F1D7}">
-              <ma14:placeholderFlag xmlns:ma14="http://schemas.microsoft.com/office/mac/drawingml/2011/main" val="1"/>
+              <ma14:placeholderFlag xmlns:ma14="http://schemas.microsoft.com/office/mac/drawingml/2011/main" xmlns="" val="1"/>
             </a:ext>
             <a:ext uri="{909E8E84-426E-40dd-AFC4-6F175D3DCCD1}">
-              <a14:hiddenFill xmlns:a14="http://schemas.microsoft.com/office/drawing/2010/main" xmlns="">
+              <a14:hiddenFill xmlns="" xmlns:a14="http://schemas.microsoft.com/office/drawing/2010/main">
                 <a:solidFill>
                   <a:srgbClr val="FFFFFF"/>
                 </a:solidFill>
               </a14:hiddenFill>
             </a:ext>
             <a:ext uri="{91240B29-F687-4f45-9708-019B960494DF}">
-              <a14:hiddenLine xmlns:a14="http://schemas.microsoft.com/office/drawing/2010/main" xmlns="" w="9525">
+              <a14:hiddenLine xmlns="" xmlns:a14="http://schemas.microsoft.com/office/drawing/2010/main" w="9525">
                 <a:solidFill>
                   <a:srgbClr val="000000"/>
                 </a:solidFill>
@@ -4545,13 +4520,6 @@
   <p:clrMapOvr>
     <a:masterClrMapping/>
   </p:clrMapOvr>
-  <p:timing>
-    <p:tnLst>
-      <p:par>
-        <p:cTn id="1" dur="indefinite" restart="never" nodeType="tmRoot"/>
-      </p:par>
-    </p:tnLst>
-  </p:timing>
 </p:sld>
 </file>
 
@@ -4590,10 +4558,9 @@
           <a:lstStyle/>
           <a:p>
             <a:r>
-              <a:rPr lang="en-US" sz="4355" dirty="0" err="1"/>
-              <a:t>Illumina</a:t>
-            </a:r>
-            <a:endParaRPr lang="en-US" sz="4355" dirty="0"/>
+              <a:rPr lang="en-US" sz="4355" dirty="0"/>
+              <a:t>Oxford Nanopore</a:t>
+            </a:r>
           </a:p>
         </p:txBody>
       </p:sp>
@@ -4613,980 +4580,41 @@
           <a:lstStyle/>
           <a:p>
             <a:r>
-              <a:rPr lang="en-US" sz="2540" dirty="0"/>
-              <a:t>2006 – The second ‘Next Generation Sequencing’ platform was </a:t>
-            </a:r>
-            <a:r>
-              <a:rPr lang="en-US" sz="2540" dirty="0" err="1"/>
-              <a:t>Solexa</a:t>
-            </a:r>
-            <a:r>
-              <a:rPr lang="en-US" sz="2540" dirty="0"/>
-              <a:t> (later acquired by </a:t>
-            </a:r>
-            <a:r>
-              <a:rPr lang="en-US" sz="2540" dirty="0" err="1"/>
-              <a:t>Illumina</a:t>
-            </a:r>
-            <a:r>
-              <a:rPr lang="en-US" sz="2540" dirty="0"/>
-              <a:t>). Now the dominant platform with 75% market share of sequencer and and estimated &gt;90% of all bases sequenced are from an </a:t>
-            </a:r>
-            <a:r>
-              <a:rPr lang="en-US" sz="2540" dirty="0" err="1"/>
-              <a:t>Illumina</a:t>
-            </a:r>
-            <a:r>
-              <a:rPr lang="en-US" sz="2540" dirty="0"/>
-              <a:t> machine, Sequencing by Synthesis &gt; 200Gb/day.</a:t>
-            </a:r>
-          </a:p>
-        </p:txBody>
-      </p:sp>
-      <p:pic>
-        <p:nvPicPr>
-          <p:cNvPr id="4" name="Picture 3" descr="imgres.jpg"/>
-          <p:cNvPicPr>
-            <a:picLocks noChangeAspect="1"/>
-          </p:cNvPicPr>
-          <p:nvPr/>
-        </p:nvPicPr>
-        <p:blipFill>
-          <a:blip r:embed="rId2">
-            <a:extLst>
-              <a:ext uri="{28A0092B-C50C-407E-A947-70E740481C1C}">
-                <a14:useLocalDpi xmlns:a14="http://schemas.microsoft.com/office/drawing/2010/main" val="0"/>
-              </a:ext>
-            </a:extLst>
-          </a:blip>
-          <a:stretch>
-            <a:fillRect/>
-          </a:stretch>
-        </p:blipFill>
-        <p:spPr>
-          <a:xfrm>
-            <a:off x="5266473" y="3705509"/>
-            <a:ext cx="4493272" cy="3457713"/>
-          </a:xfrm>
-          <a:prstGeom prst="rect">
-            <a:avLst/>
-          </a:prstGeom>
-        </p:spPr>
-      </p:pic>
-      <p:pic>
-        <p:nvPicPr>
-          <p:cNvPr id="5" name="Picture 4"/>
-          <p:cNvPicPr>
-            <a:picLocks noChangeAspect="1"/>
-          </p:cNvPicPr>
-          <p:nvPr/>
-        </p:nvPicPr>
-        <p:blipFill>
-          <a:blip r:embed="rId3"/>
-          <a:stretch>
-            <a:fillRect/>
-          </a:stretch>
-        </p:blipFill>
-        <p:spPr>
-          <a:xfrm>
-            <a:off x="2531957" y="3876488"/>
-            <a:ext cx="2857500" cy="2857500"/>
-          </a:xfrm>
-          <a:prstGeom prst="rect">
-            <a:avLst/>
-          </a:prstGeom>
-        </p:spPr>
-      </p:pic>
-      <p:sp>
-        <p:nvSpPr>
-          <p:cNvPr id="6" name="TextBox 5"/>
-          <p:cNvSpPr txBox="1"/>
-          <p:nvPr/>
-        </p:nvSpPr>
-        <p:spPr>
-          <a:xfrm>
-            <a:off x="1160357" y="5129143"/>
-            <a:ext cx="1371600" cy="646331"/>
-          </a:xfrm>
-          <a:prstGeom prst="rect">
-            <a:avLst/>
-          </a:prstGeom>
-          <a:noFill/>
-        </p:spPr>
-        <p:txBody>
-          <a:bodyPr wrap="square" rtlCol="0">
-            <a:spAutoFit/>
-          </a:bodyPr>
-          <a:lstStyle/>
-          <a:p>
-            <a:r>
-              <a:rPr lang="en-US" dirty="0" smtClean="0"/>
-              <a:t>New </a:t>
-            </a:r>
-            <a:r>
-              <a:rPr lang="en-US" dirty="0" err="1" smtClean="0"/>
-              <a:t>NovaSeq</a:t>
-            </a:r>
-            <a:endParaRPr lang="en-US" dirty="0" smtClean="0"/>
-          </a:p>
-        </p:txBody>
-      </p:sp>
-    </p:spTree>
-    <p:extLst>
-      <p:ext uri="{BB962C8B-B14F-4D97-AF65-F5344CB8AC3E}">
-        <p14:creationId xmlns:p14="http://schemas.microsoft.com/office/powerpoint/2010/main" val="997389397"/>
-      </p:ext>
-    </p:extLst>
-  </p:cSld>
-  <p:clrMapOvr>
-    <a:masterClrMapping/>
-  </p:clrMapOvr>
-  <p:timing>
-    <p:tnLst>
-      <p:par>
-        <p:cTn id="1" dur="indefinite" restart="never" nodeType="tmRoot"/>
-      </p:par>
-    </p:tnLst>
-  </p:timing>
-</p:sld>
-</file>
-
-<file path=ppt/slides/slide11.xml><?xml version="1.0" encoding="utf-8"?>
-<p:sld xmlns:a="http://schemas.openxmlformats.org/drawingml/2006/main" xmlns:r="http://schemas.openxmlformats.org/officeDocument/2006/relationships" xmlns:p="http://schemas.openxmlformats.org/presentationml/2006/main">
-  <p:cSld>
-    <p:spTree>
-      <p:nvGrpSpPr>
-        <p:cNvPr id="1" name=""/>
-        <p:cNvGrpSpPr/>
-        <p:nvPr/>
-      </p:nvGrpSpPr>
-      <p:grpSpPr>
-        <a:xfrm>
-          <a:off x="0" y="0"/>
-          <a:ext cx="0" cy="0"/>
-          <a:chOff x="0" y="0"/>
-          <a:chExt cx="0" cy="0"/>
-        </a:xfrm>
-      </p:grpSpPr>
-      <p:sp>
-        <p:nvSpPr>
-          <p:cNvPr id="2" name="Title 1"/>
-          <p:cNvSpPr>
-            <a:spLocks noGrp="1"/>
-          </p:cNvSpPr>
-          <p:nvPr>
-            <p:ph type="title"/>
-          </p:nvPr>
-        </p:nvSpPr>
-        <p:spPr/>
-        <p:txBody>
-          <a:bodyPr>
-            <a:normAutofit/>
-          </a:bodyPr>
-          <a:lstStyle/>
-          <a:p>
-            <a:r>
-              <a:rPr lang="en-US" sz="4355" dirty="0"/>
-              <a:t>Complete Genomics</a:t>
-            </a:r>
-          </a:p>
-        </p:txBody>
-      </p:sp>
-      <p:sp>
-        <p:nvSpPr>
-          <p:cNvPr id="3" name="Content Placeholder 2"/>
-          <p:cNvSpPr>
-            <a:spLocks noGrp="1"/>
-          </p:cNvSpPr>
-          <p:nvPr>
-            <p:ph idx="1"/>
-          </p:nvPr>
-        </p:nvSpPr>
-        <p:spPr/>
-        <p:txBody>
-          <a:bodyPr/>
-          <a:lstStyle/>
-          <a:p>
-            <a:r>
-              <a:rPr lang="en-US" sz="2540" dirty="0"/>
-              <a:t>2006 – Using DNA </a:t>
-            </a:r>
-            <a:r>
-              <a:rPr lang="en-US" sz="2540" dirty="0" err="1"/>
-              <a:t>nanoball</a:t>
-            </a:r>
-            <a:r>
-              <a:rPr lang="en-US" sz="2540" dirty="0"/>
-              <a:t> sequencing, has been a leader in Human genome resequencing, having sequenced over 20,000 genomes to date. In 2013 purchased by BGI and is now set to release their first commercial sequencer, the </a:t>
-            </a:r>
-            <a:r>
-              <a:rPr lang="en-US" sz="2540" dirty="0" err="1"/>
-              <a:t>Revolocity</a:t>
-            </a:r>
-            <a:r>
-              <a:rPr lang="en-US" sz="2540" dirty="0"/>
-              <a:t>. Throughput on par with </a:t>
-            </a:r>
-            <a:r>
-              <a:rPr lang="en-US" sz="2540" dirty="0" err="1"/>
-              <a:t>HiSeq</a:t>
-            </a:r>
-            <a:endParaRPr lang="en-US" sz="2540" dirty="0"/>
-          </a:p>
-        </p:txBody>
-      </p:sp>
-      <p:pic>
-        <p:nvPicPr>
-          <p:cNvPr id="4" name="Picture 3" descr="imgres.jpg"/>
-          <p:cNvPicPr>
-            <a:picLocks noChangeAspect="1"/>
-          </p:cNvPicPr>
-          <p:nvPr/>
-        </p:nvPicPr>
-        <p:blipFill rotWithShape="1">
-          <a:blip r:embed="rId2">
-            <a:extLst>
-              <a:ext uri="{28A0092B-C50C-407E-A947-70E740481C1C}">
-                <a14:useLocalDpi xmlns:a14="http://schemas.microsoft.com/office/drawing/2010/main" val="0"/>
-              </a:ext>
-            </a:extLst>
-          </a:blip>
-          <a:srcRect l="12439" r="17555"/>
-          <a:stretch/>
-        </p:blipFill>
-        <p:spPr>
-          <a:xfrm>
-            <a:off x="5971571" y="3705509"/>
-            <a:ext cx="4064683" cy="2795548"/>
-          </a:xfrm>
-          <a:prstGeom prst="rect">
-            <a:avLst/>
-          </a:prstGeom>
-        </p:spPr>
-      </p:pic>
-      <p:sp>
-        <p:nvSpPr>
-          <p:cNvPr id="5" name="TextBox 4"/>
-          <p:cNvSpPr txBox="1"/>
-          <p:nvPr/>
-        </p:nvSpPr>
-        <p:spPr>
-          <a:xfrm>
-            <a:off x="2164387" y="5809046"/>
-            <a:ext cx="3732872" cy="846194"/>
-          </a:xfrm>
-          <a:prstGeom prst="rect">
-            <a:avLst/>
-          </a:prstGeom>
-          <a:noFill/>
-        </p:spPr>
-        <p:txBody>
-          <a:bodyPr wrap="square" rtlCol="0">
-            <a:spAutoFit/>
-          </a:bodyPr>
-          <a:lstStyle/>
-          <a:p>
-            <a:r>
-              <a:rPr lang="en-US" sz="1633" dirty="0"/>
-              <a:t>Human </a:t>
-            </a:r>
-            <a:r>
-              <a:rPr lang="en-US" sz="1633"/>
-              <a:t>genome/</a:t>
-            </a:r>
-            <a:r>
-              <a:rPr lang="en-US" sz="1633" dirty="0" err="1"/>
-              <a:t>exomes</a:t>
-            </a:r>
-            <a:r>
-              <a:rPr lang="en-US" sz="1633" dirty="0"/>
-              <a:t> only.</a:t>
-            </a:r>
-          </a:p>
-          <a:p>
-            <a:endParaRPr lang="en-US" sz="1633" dirty="0"/>
-          </a:p>
-          <a:p>
-            <a:r>
-              <a:rPr lang="en-US" sz="1633" dirty="0"/>
-              <a:t>10,000 Human Genomes per year</a:t>
-            </a:r>
-          </a:p>
-        </p:txBody>
-      </p:sp>
-      <p:sp>
-        <p:nvSpPr>
-          <p:cNvPr id="6" name="TextBox 5"/>
-          <p:cNvSpPr txBox="1"/>
-          <p:nvPr/>
-        </p:nvSpPr>
-        <p:spPr>
-          <a:xfrm rot="2112267">
-            <a:off x="2812455" y="4985032"/>
-            <a:ext cx="4493272" cy="539058"/>
-          </a:xfrm>
-          <a:prstGeom prst="rect">
-            <a:avLst/>
-          </a:prstGeom>
-          <a:noFill/>
-        </p:spPr>
-        <p:txBody>
-          <a:bodyPr wrap="square" rtlCol="0">
-            <a:spAutoFit/>
-          </a:bodyPr>
-          <a:lstStyle/>
-          <a:p>
-            <a:r>
-              <a:rPr lang="en-US" sz="2903" dirty="0">
-                <a:solidFill>
-                  <a:srgbClr val="FF0000"/>
-                </a:solidFill>
-              </a:rPr>
-              <a:t>NOW DEFUNCT</a:t>
-            </a:r>
-          </a:p>
-        </p:txBody>
-      </p:sp>
-    </p:spTree>
-    <p:extLst>
-      <p:ext uri="{BB962C8B-B14F-4D97-AF65-F5344CB8AC3E}">
-        <p14:creationId xmlns:p14="http://schemas.microsoft.com/office/powerpoint/2010/main" val="2013730544"/>
-      </p:ext>
-    </p:extLst>
-  </p:cSld>
-  <p:clrMapOvr>
-    <a:masterClrMapping/>
-  </p:clrMapOvr>
-  <p:timing>
-    <p:tnLst>
-      <p:par>
-        <p:cTn id="1" dur="indefinite" restart="never" nodeType="tmRoot"/>
-      </p:par>
-    </p:tnLst>
-  </p:timing>
-</p:sld>
-</file>
-
-<file path=ppt/slides/slide12.xml><?xml version="1.0" encoding="utf-8"?>
-<p:sld xmlns:a="http://schemas.openxmlformats.org/drawingml/2006/main" xmlns:r="http://schemas.openxmlformats.org/officeDocument/2006/relationships" xmlns:p="http://schemas.openxmlformats.org/presentationml/2006/main">
-  <p:cSld>
-    <p:spTree>
-      <p:nvGrpSpPr>
-        <p:cNvPr id="1" name=""/>
-        <p:cNvGrpSpPr/>
-        <p:nvPr/>
-      </p:nvGrpSpPr>
-      <p:grpSpPr>
-        <a:xfrm>
-          <a:off x="0" y="0"/>
-          <a:ext cx="0" cy="0"/>
-          <a:chOff x="0" y="0"/>
-          <a:chExt cx="0" cy="0"/>
-        </a:xfrm>
-      </p:grpSpPr>
-      <p:sp>
-        <p:nvSpPr>
-          <p:cNvPr id="2" name="Title 1"/>
-          <p:cNvSpPr>
-            <a:spLocks noGrp="1"/>
-          </p:cNvSpPr>
-          <p:nvPr>
-            <p:ph type="title"/>
-          </p:nvPr>
-        </p:nvSpPr>
-        <p:spPr/>
-        <p:txBody>
-          <a:bodyPr>
-            <a:normAutofit/>
-          </a:bodyPr>
-          <a:lstStyle/>
-          <a:p>
-            <a:r>
-              <a:rPr lang="en-US" sz="4355" dirty="0"/>
-              <a:t>Bench top Sequencers</a:t>
-            </a:r>
-          </a:p>
-        </p:txBody>
-      </p:sp>
-      <p:sp>
-        <p:nvSpPr>
-          <p:cNvPr id="3" name="Content Placeholder 2"/>
-          <p:cNvSpPr>
-            <a:spLocks noGrp="1"/>
-          </p:cNvSpPr>
-          <p:nvPr>
-            <p:ph idx="1"/>
-          </p:nvPr>
-        </p:nvSpPr>
-        <p:spPr>
-          <a:xfrm>
-            <a:off x="2177350" y="1633133"/>
-            <a:ext cx="4056905" cy="4733777"/>
-          </a:xfrm>
-        </p:spPr>
-        <p:txBody>
-          <a:bodyPr/>
-          <a:lstStyle/>
-          <a:p>
-            <a:endParaRPr lang="en-US" dirty="0" smtClean="0"/>
-          </a:p>
-          <a:p>
-            <a:r>
-              <a:rPr lang="en-US" dirty="0" smtClean="0"/>
-              <a:t>Roche 454 Junior</a:t>
-            </a:r>
-          </a:p>
-          <a:p>
-            <a:endParaRPr lang="en-US" dirty="0" smtClean="0"/>
-          </a:p>
-          <a:p>
-            <a:r>
-              <a:rPr lang="en-US" dirty="0" smtClean="0"/>
-              <a:t>Life Technologies</a:t>
-            </a:r>
-          </a:p>
-          <a:p>
-            <a:r>
               <a:rPr lang="en-US" dirty="0"/>
-              <a:t>	</a:t>
-            </a:r>
-            <a:r>
-              <a:rPr lang="en-US" dirty="0" smtClean="0"/>
-              <a:t>Ion Torrent</a:t>
-            </a:r>
-          </a:p>
-          <a:p>
+              <a:t>2015 – Another 3</a:t>
+            </a:r>
+            <a:r>
+              <a:rPr lang="en-US" baseline="30000" dirty="0"/>
+              <a:t>rd</a:t>
+            </a:r>
             <a:r>
               <a:rPr lang="en-US" dirty="0"/>
-              <a:t>	</a:t>
-            </a:r>
-            <a:r>
-              <a:rPr lang="en-US" dirty="0" smtClean="0"/>
-              <a:t>Ion Proton</a:t>
-            </a:r>
-          </a:p>
-          <a:p>
-            <a:endParaRPr lang="en-US" dirty="0"/>
-          </a:p>
-          <a:p>
-            <a:r>
-              <a:rPr lang="en-US" dirty="0" err="1" smtClean="0"/>
-              <a:t>Illumina</a:t>
-            </a:r>
-            <a:r>
-              <a:rPr lang="en-US" dirty="0" smtClean="0"/>
-              <a:t> </a:t>
-            </a:r>
-            <a:r>
-              <a:rPr lang="en-US" dirty="0" err="1" smtClean="0"/>
-              <a:t>MiSeq</a:t>
-            </a:r>
-            <a:endParaRPr lang="en-US" dirty="0" smtClean="0"/>
-          </a:p>
-        </p:txBody>
-      </p:sp>
-      <p:pic>
-        <p:nvPicPr>
-          <p:cNvPr id="4" name="Picture 3" descr="imgres.jpg"/>
-          <p:cNvPicPr>
-            <a:picLocks noChangeAspect="1"/>
-          </p:cNvPicPr>
-          <p:nvPr/>
-        </p:nvPicPr>
-        <p:blipFill>
-          <a:blip r:embed="rId2">
-            <a:extLst>
-              <a:ext uri="{28A0092B-C50C-407E-A947-70E740481C1C}">
-                <a14:useLocalDpi xmlns:a14="http://schemas.microsoft.com/office/drawing/2010/main" val="0"/>
-              </a:ext>
-            </a:extLst>
-          </a:blip>
-          <a:stretch>
-            <a:fillRect/>
-          </a:stretch>
-        </p:blipFill>
-        <p:spPr>
-          <a:xfrm>
-            <a:off x="7478545" y="1493437"/>
-            <a:ext cx="2928584" cy="1948840"/>
-          </a:xfrm>
-          <a:prstGeom prst="rect">
-            <a:avLst/>
-          </a:prstGeom>
-        </p:spPr>
-      </p:pic>
-      <p:pic>
-        <p:nvPicPr>
-          <p:cNvPr id="5" name="Picture 4" descr="imgres.jpg"/>
-          <p:cNvPicPr>
-            <a:picLocks noChangeAspect="1"/>
-          </p:cNvPicPr>
-          <p:nvPr/>
-        </p:nvPicPr>
-        <p:blipFill>
-          <a:blip r:embed="rId3">
-            <a:extLst>
-              <a:ext uri="{28A0092B-C50C-407E-A947-70E740481C1C}">
-                <a14:useLocalDpi xmlns:a14="http://schemas.microsoft.com/office/drawing/2010/main" val="0"/>
-              </a:ext>
-            </a:extLst>
-          </a:blip>
-          <a:stretch>
-            <a:fillRect/>
-          </a:stretch>
-        </p:blipFill>
-        <p:spPr>
-          <a:xfrm>
-            <a:off x="6510764" y="3287828"/>
-            <a:ext cx="2295830" cy="1855030"/>
-          </a:xfrm>
-          <a:prstGeom prst="rect">
-            <a:avLst/>
-          </a:prstGeom>
-        </p:spPr>
-      </p:pic>
-      <p:pic>
-        <p:nvPicPr>
-          <p:cNvPr id="6" name="Picture 5" descr="imgres.jpg"/>
-          <p:cNvPicPr>
-            <a:picLocks noChangeAspect="1"/>
-          </p:cNvPicPr>
-          <p:nvPr/>
-        </p:nvPicPr>
-        <p:blipFill>
-          <a:blip r:embed="rId4">
-            <a:extLst>
-              <a:ext uri="{28A0092B-C50C-407E-A947-70E740481C1C}">
-                <a14:useLocalDpi xmlns:a14="http://schemas.microsoft.com/office/drawing/2010/main" val="0"/>
-              </a:ext>
-            </a:extLst>
-          </a:blip>
-          <a:stretch>
-            <a:fillRect/>
-          </a:stretch>
-        </p:blipFill>
-        <p:spPr>
-          <a:xfrm>
-            <a:off x="8743816" y="3356955"/>
-            <a:ext cx="1924665" cy="1800226"/>
-          </a:xfrm>
-          <a:prstGeom prst="rect">
-            <a:avLst/>
-          </a:prstGeom>
-        </p:spPr>
-      </p:pic>
-      <p:pic>
-        <p:nvPicPr>
-          <p:cNvPr id="7" name="Picture 6" descr="imgres.jpg"/>
-          <p:cNvPicPr>
-            <a:picLocks noChangeAspect="1"/>
-          </p:cNvPicPr>
-          <p:nvPr/>
-        </p:nvPicPr>
-        <p:blipFill>
-          <a:blip r:embed="rId5">
-            <a:extLst>
-              <a:ext uri="{28A0092B-C50C-407E-A947-70E740481C1C}">
-                <a14:useLocalDpi xmlns:a14="http://schemas.microsoft.com/office/drawing/2010/main" val="0"/>
-              </a:ext>
-            </a:extLst>
-          </a:blip>
-          <a:stretch>
-            <a:fillRect/>
-          </a:stretch>
-        </p:blipFill>
-        <p:spPr>
-          <a:xfrm>
-            <a:off x="7132908" y="5212275"/>
-            <a:ext cx="3030798" cy="1603961"/>
-          </a:xfrm>
-          <a:prstGeom prst="rect">
-            <a:avLst/>
-          </a:prstGeom>
-        </p:spPr>
-      </p:pic>
-    </p:spTree>
-    <p:extLst>
-      <p:ext uri="{BB962C8B-B14F-4D97-AF65-F5344CB8AC3E}">
-        <p14:creationId xmlns:p14="http://schemas.microsoft.com/office/powerpoint/2010/main" val="426976288"/>
-      </p:ext>
-    </p:extLst>
-  </p:cSld>
-  <p:clrMapOvr>
-    <a:masterClrMapping/>
-  </p:clrMapOvr>
-  <p:timing>
-    <p:tnLst>
-      <p:par>
-        <p:cTn id="1" dur="indefinite" restart="never" nodeType="tmRoot"/>
-      </p:par>
-    </p:tnLst>
-  </p:timing>
-</p:sld>
-</file>
-
-<file path=ppt/slides/slide13.xml><?xml version="1.0" encoding="utf-8"?>
-<p:sld xmlns:a="http://schemas.openxmlformats.org/drawingml/2006/main" xmlns:r="http://schemas.openxmlformats.org/officeDocument/2006/relationships" xmlns:p="http://schemas.openxmlformats.org/presentationml/2006/main">
-  <p:cSld>
-    <p:spTree>
-      <p:nvGrpSpPr>
-        <p:cNvPr id="1" name=""/>
-        <p:cNvGrpSpPr/>
-        <p:nvPr/>
-      </p:nvGrpSpPr>
-      <p:grpSpPr>
-        <a:xfrm>
-          <a:off x="0" y="0"/>
-          <a:ext cx="0" cy="0"/>
-          <a:chOff x="0" y="0"/>
-          <a:chExt cx="0" cy="0"/>
-        </a:xfrm>
-      </p:grpSpPr>
-      <p:sp>
-        <p:nvSpPr>
-          <p:cNvPr id="2" name="Title 1"/>
-          <p:cNvSpPr>
-            <a:spLocks noGrp="1"/>
-          </p:cNvSpPr>
-          <p:nvPr>
-            <p:ph type="title"/>
-          </p:nvPr>
-        </p:nvSpPr>
-        <p:spPr/>
-        <p:txBody>
-          <a:bodyPr>
-            <a:normAutofit/>
-          </a:bodyPr>
-          <a:lstStyle/>
-          <a:p>
-            <a:r>
-              <a:rPr lang="en-US" sz="3992" dirty="0"/>
-              <a:t>The ‘</a:t>
-            </a:r>
-            <a:r>
-              <a:rPr lang="en-US" sz="3992" dirty="0" smtClean="0"/>
-              <a:t>Next, </a:t>
-            </a:r>
-            <a:r>
-              <a:rPr lang="en-US" sz="3992" dirty="0"/>
-              <a:t>Next’ </a:t>
-            </a:r>
-            <a:r>
-              <a:rPr lang="en-US" sz="3992" dirty="0" smtClean="0"/>
-              <a:t>Generation Sequencers</a:t>
-            </a:r>
-            <a:br>
-              <a:rPr lang="en-US" sz="3992" dirty="0" smtClean="0"/>
-            </a:br>
-            <a:r>
-              <a:rPr lang="en-US" sz="3992" dirty="0" smtClean="0"/>
-              <a:t>	(3</a:t>
-            </a:r>
-            <a:r>
-              <a:rPr lang="en-US" sz="3992" baseline="30000" dirty="0" smtClean="0"/>
-              <a:t>rd</a:t>
-            </a:r>
-            <a:r>
-              <a:rPr lang="en-US" sz="3992" dirty="0" smtClean="0"/>
-              <a:t> Generation)</a:t>
-            </a:r>
-            <a:endParaRPr lang="en-US" sz="3992" dirty="0"/>
-          </a:p>
-        </p:txBody>
-      </p:sp>
-      <p:sp>
-        <p:nvSpPr>
-          <p:cNvPr id="3" name="Content Placeholder 2"/>
-          <p:cNvSpPr>
-            <a:spLocks noGrp="1"/>
-          </p:cNvSpPr>
-          <p:nvPr>
-            <p:ph idx="1"/>
-          </p:nvPr>
-        </p:nvSpPr>
-        <p:spPr/>
-        <p:txBody>
-          <a:bodyPr/>
-          <a:lstStyle/>
-          <a:p>
-            <a:r>
-              <a:rPr lang="en-US" sz="2540" dirty="0"/>
-              <a:t>2009 – Single Molecule Read Time sequencing by Pacific Biosystems, most successful third generation sequencing platforms, </a:t>
-            </a:r>
-            <a:r>
-              <a:rPr lang="en-US" sz="2540" dirty="0" smtClean="0"/>
-              <a:t>RSII ~2Gb/day</a:t>
-            </a:r>
-            <a:r>
-              <a:rPr lang="en-US" sz="2540" dirty="0"/>
-              <a:t>, </a:t>
-            </a:r>
-            <a:r>
-              <a:rPr lang="en-US" sz="2540" dirty="0" smtClean="0"/>
-              <a:t>newer </a:t>
-            </a:r>
-            <a:r>
-              <a:rPr lang="en-US" sz="2540" dirty="0"/>
-              <a:t>Pac Bio </a:t>
-            </a:r>
-            <a:r>
-              <a:rPr lang="en-US" sz="2540" dirty="0" smtClean="0"/>
-              <a:t>Sequel </a:t>
-            </a:r>
-            <a:r>
-              <a:rPr lang="en-US" sz="2540" dirty="0"/>
-              <a:t>~</a:t>
-            </a:r>
-            <a:r>
-              <a:rPr lang="en-US" sz="2540" dirty="0" smtClean="0"/>
-              <a:t>14Gb/day, near 100Kb reads.</a:t>
-            </a:r>
-            <a:endParaRPr lang="en-US" sz="2540" dirty="0"/>
-          </a:p>
-        </p:txBody>
-      </p:sp>
-      <p:pic>
-        <p:nvPicPr>
-          <p:cNvPr id="4" name="Picture 3" descr="imgres.jpg"/>
-          <p:cNvPicPr>
-            <a:picLocks noChangeAspect="1"/>
-          </p:cNvPicPr>
-          <p:nvPr/>
-        </p:nvPicPr>
-        <p:blipFill>
-          <a:blip r:embed="rId2">
-            <a:extLst>
-              <a:ext uri="{28A0092B-C50C-407E-A947-70E740481C1C}">
-                <a14:useLocalDpi xmlns:a14="http://schemas.microsoft.com/office/drawing/2010/main" val="0"/>
-              </a:ext>
-            </a:extLst>
-          </a:blip>
-          <a:stretch>
-            <a:fillRect/>
-          </a:stretch>
-        </p:blipFill>
-        <p:spPr>
-          <a:xfrm>
-            <a:off x="4367818" y="3221618"/>
-            <a:ext cx="4734497" cy="3456363"/>
-          </a:xfrm>
-          <a:prstGeom prst="rect">
-            <a:avLst/>
-          </a:prstGeom>
-        </p:spPr>
-      </p:pic>
-      <p:sp>
-        <p:nvSpPr>
-          <p:cNvPr id="5" name="Rectangle 4"/>
-          <p:cNvSpPr/>
-          <p:nvPr/>
-        </p:nvSpPr>
-        <p:spPr>
-          <a:xfrm>
-            <a:off x="2561632" y="6029158"/>
-            <a:ext cx="7067997" cy="551329"/>
-          </a:xfrm>
-          <a:prstGeom prst="rect">
-            <a:avLst/>
-          </a:prstGeom>
-          <a:solidFill>
-            <a:schemeClr val="accent6">
-              <a:lumMod val="40000"/>
-              <a:lumOff val="60000"/>
-            </a:schemeClr>
-          </a:solidFill>
-          <a:ln>
-            <a:solidFill>
-              <a:schemeClr val="accent6">
-                <a:lumMod val="60000"/>
-                <a:lumOff val="40000"/>
-              </a:schemeClr>
-            </a:solidFill>
-          </a:ln>
-        </p:spPr>
-        <p:style>
-          <a:lnRef idx="1">
-            <a:schemeClr val="accent1"/>
-          </a:lnRef>
-          <a:fillRef idx="3">
-            <a:schemeClr val="accent1"/>
-          </a:fillRef>
-          <a:effectRef idx="2">
-            <a:schemeClr val="accent1"/>
-          </a:effectRef>
-          <a:fontRef idx="minor">
-            <a:schemeClr val="lt1"/>
-          </a:fontRef>
-        </p:style>
-        <p:txBody>
-          <a:bodyPr rtlCol="0" anchor="ctr"/>
-          <a:lstStyle/>
-          <a:p>
-            <a:pPr algn="ctr"/>
-            <a:r>
-              <a:rPr lang="en-US" sz="2000" dirty="0" err="1">
-                <a:solidFill>
-                  <a:srgbClr val="FF0000"/>
-                </a:solidFill>
-              </a:rPr>
-              <a:t>Iso-seq</a:t>
-            </a:r>
-            <a:r>
-              <a:rPr lang="en-US" sz="2000" dirty="0">
-                <a:solidFill>
-                  <a:srgbClr val="FF0000"/>
-                </a:solidFill>
-              </a:rPr>
-              <a:t> on Pac Bio possible, transcriptome without ‘assembly’</a:t>
-            </a:r>
-          </a:p>
-        </p:txBody>
-      </p:sp>
-      <p:sp>
-        <p:nvSpPr>
-          <p:cNvPr id="6" name="TextBox 5"/>
-          <p:cNvSpPr txBox="1"/>
-          <p:nvPr/>
-        </p:nvSpPr>
-        <p:spPr>
-          <a:xfrm>
-            <a:off x="1290918" y="3657600"/>
-            <a:ext cx="1922929" cy="369332"/>
-          </a:xfrm>
-          <a:prstGeom prst="rect">
-            <a:avLst/>
-          </a:prstGeom>
-          <a:noFill/>
-        </p:spPr>
-        <p:txBody>
-          <a:bodyPr wrap="square" rtlCol="0">
-            <a:spAutoFit/>
-          </a:bodyPr>
-          <a:lstStyle/>
-          <a:p>
-            <a:r>
-              <a:rPr lang="en-US" dirty="0" smtClean="0">
-                <a:hlinkClick r:id="rId3"/>
-              </a:rPr>
-              <a:t>SMRT Sequencing</a:t>
-            </a:r>
-            <a:endParaRPr lang="en-US" dirty="0"/>
-          </a:p>
-        </p:txBody>
-      </p:sp>
-    </p:spTree>
-    <p:extLst>
-      <p:ext uri="{BB962C8B-B14F-4D97-AF65-F5344CB8AC3E}">
-        <p14:creationId xmlns:p14="http://schemas.microsoft.com/office/powerpoint/2010/main" val="234729026"/>
-      </p:ext>
-    </p:extLst>
-  </p:cSld>
-  <p:clrMapOvr>
-    <a:masterClrMapping/>
-  </p:clrMapOvr>
-  <p:timing>
-    <p:tnLst>
-      <p:par>
-        <p:cTn id="1" dur="indefinite" restart="never" nodeType="tmRoot"/>
-      </p:par>
-    </p:tnLst>
-  </p:timing>
-</p:sld>
-</file>
-
-<file path=ppt/slides/slide14.xml><?xml version="1.0" encoding="utf-8"?>
-<p:sld xmlns:a="http://schemas.openxmlformats.org/drawingml/2006/main" xmlns:r="http://schemas.openxmlformats.org/officeDocument/2006/relationships" xmlns:p="http://schemas.openxmlformats.org/presentationml/2006/main">
-  <p:cSld>
-    <p:spTree>
-      <p:nvGrpSpPr>
-        <p:cNvPr id="1" name=""/>
-        <p:cNvGrpSpPr/>
-        <p:nvPr/>
-      </p:nvGrpSpPr>
-      <p:grpSpPr>
-        <a:xfrm>
-          <a:off x="0" y="0"/>
-          <a:ext cx="0" cy="0"/>
-          <a:chOff x="0" y="0"/>
-          <a:chExt cx="0" cy="0"/>
-        </a:xfrm>
-      </p:grpSpPr>
-      <p:sp>
-        <p:nvSpPr>
-          <p:cNvPr id="2" name="Title 1"/>
-          <p:cNvSpPr>
-            <a:spLocks noGrp="1"/>
-          </p:cNvSpPr>
-          <p:nvPr>
-            <p:ph type="title"/>
-          </p:nvPr>
-        </p:nvSpPr>
-        <p:spPr/>
-        <p:txBody>
-          <a:bodyPr>
-            <a:normAutofit/>
-          </a:bodyPr>
-          <a:lstStyle/>
-          <a:p>
-            <a:r>
-              <a:rPr lang="en-US" sz="4355" dirty="0"/>
-              <a:t>Oxford Nanopore</a:t>
-            </a:r>
-          </a:p>
-        </p:txBody>
-      </p:sp>
-      <p:sp>
-        <p:nvSpPr>
-          <p:cNvPr id="3" name="Content Placeholder 2"/>
-          <p:cNvSpPr>
-            <a:spLocks noGrp="1"/>
-          </p:cNvSpPr>
-          <p:nvPr>
-            <p:ph idx="1"/>
-          </p:nvPr>
-        </p:nvSpPr>
-        <p:spPr/>
-        <p:txBody>
-          <a:bodyPr/>
-          <a:lstStyle/>
-          <a:p>
-            <a:r>
-              <a:rPr lang="en-US" dirty="0" smtClean="0"/>
-              <a:t>2015 – Another 3</a:t>
-            </a:r>
-            <a:r>
-              <a:rPr lang="en-US" baseline="30000" dirty="0" smtClean="0"/>
-              <a:t>rd</a:t>
-            </a:r>
-            <a:r>
-              <a:rPr lang="en-US" dirty="0" smtClean="0"/>
               <a:t> generation sequencer, founded in 2005 and currently in beta testing. The sequencer uses </a:t>
             </a:r>
             <a:r>
-              <a:rPr lang="en-US" dirty="0" err="1" smtClean="0"/>
+              <a:rPr lang="en-US" dirty="0" err="1"/>
               <a:t>nanopore</a:t>
             </a:r>
             <a:r>
-              <a:rPr lang="en-US" dirty="0" smtClean="0"/>
+              <a:rPr lang="en-US" dirty="0"/>
               <a:t> technology developed in the 90’s to sequence single molecules. Throughput is about 500Mb per </a:t>
             </a:r>
             <a:r>
-              <a:rPr lang="en-US" dirty="0" err="1" smtClean="0"/>
+              <a:rPr lang="en-US" dirty="0" err="1"/>
               <a:t>flowcell</a:t>
             </a:r>
             <a:r>
-              <a:rPr lang="en-US" dirty="0" smtClean="0"/>
+              <a:rPr lang="en-US" dirty="0"/>
               <a:t>, capable </a:t>
             </a:r>
             <a:r>
-              <a:rPr lang="en-US" dirty="0" err="1" smtClean="0"/>
+              <a:rPr lang="en-US" dirty="0" err="1"/>
               <a:t>ofnear</a:t>
             </a:r>
             <a:r>
-              <a:rPr lang="en-US" dirty="0" smtClean="0"/>
+              <a:rPr lang="en-US" dirty="0"/>
               <a:t> 200kb reads.</a:t>
             </a:r>
-            <a:endParaRPr lang="en-US" dirty="0"/>
           </a:p>
         </p:txBody>
       </p:sp>
@@ -5812,12 +4840,12 @@
           <a:lstStyle/>
           <a:p>
             <a:r>
-              <a:rPr lang="en-US" dirty="0" smtClean="0">
+              <a:rPr lang="en-US" dirty="0">
                 <a:hlinkClick r:id="rId4"/>
               </a:rPr>
               <a:t>Nanopore Sequencing</a:t>
             </a:r>
-            <a:endParaRPr lang="en-US" dirty="0" smtClean="0"/>
+            <a:endParaRPr lang="en-US" dirty="0"/>
           </a:p>
         </p:txBody>
       </p:sp>
@@ -5831,17 +4859,10 @@
   <p:clrMapOvr>
     <a:masterClrMapping/>
   </p:clrMapOvr>
-  <p:timing>
-    <p:tnLst>
-      <p:par>
-        <p:cTn id="1" dur="indefinite" restart="never" nodeType="tmRoot"/>
-      </p:par>
-    </p:tnLst>
-  </p:timing>
 </p:sld>
 </file>
 
-<file path=ppt/slides/slide15.xml><?xml version="1.0" encoding="utf-8"?>
+<file path=ppt/slides/slide11.xml><?xml version="1.0" encoding="utf-8"?>
 <p:sld xmlns:a="http://schemas.openxmlformats.org/drawingml/2006/main" xmlns:r="http://schemas.openxmlformats.org/officeDocument/2006/relationships" xmlns:p="http://schemas.openxmlformats.org/presentationml/2006/main">
   <p:cSld>
     <p:spTree>
@@ -7699,17 +6720,10 @@
   <p:clrMapOvr>
     <a:masterClrMapping/>
   </p:clrMapOvr>
-  <p:timing>
-    <p:tnLst>
-      <p:par>
-        <p:cTn id="1" dur="indefinite" restart="never" nodeType="tmRoot"/>
-      </p:par>
-    </p:tnLst>
-  </p:timing>
 </p:sld>
 </file>
 
-<file path=ppt/slides/slide16.xml><?xml version="1.0" encoding="utf-8"?>
+<file path=ppt/slides/slide12.xml><?xml version="1.0" encoding="utf-8"?>
 <p:sld xmlns:a="http://schemas.openxmlformats.org/drawingml/2006/main" xmlns:r="http://schemas.openxmlformats.org/officeDocument/2006/relationships" xmlns:p="http://schemas.openxmlformats.org/presentationml/2006/main">
   <p:cSld>
     <p:spTree>
@@ -7750,8 +6764,13 @@
           <a:p>
             <a:r>
               <a:rPr lang="en-US" sz="4355" dirty="0"/>
-              <a:t>Sequencing Libraries</a:t>
-            </a:r>
+              <a:t>Sequencing Libraries : MLA-</a:t>
+            </a:r>
+            <a:r>
+              <a:rPr lang="en-US" sz="4355" dirty="0" err="1"/>
+              <a:t>seq</a:t>
+            </a:r>
+            <a:endParaRPr lang="en-US" sz="4355" dirty="0"/>
           </a:p>
         </p:txBody>
       </p:sp>
@@ -7767,8 +6786,8 @@
         </p:nvSpPr>
         <p:spPr>
           <a:xfrm>
-            <a:off x="2177349" y="1633133"/>
-            <a:ext cx="2259597" cy="4733777"/>
+            <a:off x="1720149" y="1469848"/>
+            <a:ext cx="2259597" cy="3907696"/>
           </a:xfrm>
         </p:spPr>
         <p:txBody>
@@ -7777,6 +6796,9 @@
           </a:bodyPr>
           <a:lstStyle/>
           <a:p>
+            <a:pPr marL="0" indent="0">
+              <a:buNone/>
+            </a:pPr>
             <a:r>
               <a:rPr lang="en-US" sz="2903" dirty="0"/>
               <a:t>DNA-</a:t>
@@ -7788,6 +6810,9 @@
             <a:endParaRPr lang="en-US" sz="2903" dirty="0"/>
           </a:p>
           <a:p>
+            <a:pPr marL="0" indent="0">
+              <a:buNone/>
+            </a:pPr>
             <a:r>
               <a:rPr lang="en-US" sz="2903" dirty="0"/>
               <a:t>RNA-</a:t>
@@ -7799,6 +6824,9 @@
             <a:endParaRPr lang="en-US" sz="2903" dirty="0"/>
           </a:p>
           <a:p>
+            <a:pPr marL="0" indent="0">
+              <a:buNone/>
+            </a:pPr>
             <a:r>
               <a:rPr lang="en-US" sz="2903" dirty="0" err="1"/>
               <a:t>Amplicons</a:t>
@@ -7806,6 +6834,9 @@
             <a:endParaRPr lang="en-US" sz="2903" dirty="0"/>
           </a:p>
           <a:p>
+            <a:pPr marL="0" indent="0">
+              <a:buNone/>
+            </a:pPr>
             <a:r>
               <a:rPr lang="en-US" sz="2903" dirty="0" err="1"/>
               <a:t>CHiP-seq</a:t>
@@ -7813,6 +6844,9 @@
             <a:endParaRPr lang="en-US" sz="2903" dirty="0"/>
           </a:p>
           <a:p>
+            <a:pPr marL="0" indent="0">
+              <a:buNone/>
+            </a:pPr>
             <a:r>
               <a:rPr lang="en-US" sz="2903" dirty="0" err="1"/>
               <a:t>MeDiP-seq</a:t>
@@ -7820,6 +6854,9 @@
             <a:endParaRPr lang="en-US" sz="2903" dirty="0"/>
           </a:p>
           <a:p>
+            <a:pPr marL="0" indent="0">
+              <a:buNone/>
+            </a:pPr>
             <a:r>
               <a:rPr lang="en-US" sz="2903" dirty="0"/>
               <a:t>RAD-</a:t>
@@ -7831,27 +6868,12 @@
             <a:endParaRPr lang="en-US" sz="2903" dirty="0"/>
           </a:p>
           <a:p>
+            <a:pPr marL="0" indent="0">
+              <a:buNone/>
+            </a:pPr>
             <a:r>
               <a:rPr lang="en-US" sz="2903" dirty="0" err="1"/>
               <a:t>ddRAD-seq</a:t>
-            </a:r>
-            <a:endParaRPr lang="en-US" sz="2903" dirty="0"/>
-          </a:p>
-          <a:p>
-            <a:r>
-              <a:rPr lang="en-US" sz="2903" dirty="0"/>
-              <a:t>Pool-</a:t>
-            </a:r>
-            <a:r>
-              <a:rPr lang="en-US" sz="2903" dirty="0" err="1"/>
-              <a:t>seq</a:t>
-            </a:r>
-            <a:endParaRPr lang="en-US" sz="2903" dirty="0"/>
-          </a:p>
-          <a:p>
-            <a:r>
-              <a:rPr lang="en-US" sz="2903" dirty="0" err="1"/>
-              <a:t>EnD-seq</a:t>
             </a:r>
             <a:endParaRPr lang="en-US" sz="2903" dirty="0"/>
           </a:p>
@@ -7867,8 +6889,8 @@
         </p:nvSpPr>
         <p:spPr bwMode="auto">
           <a:xfrm>
-            <a:off x="5128219" y="1667695"/>
-            <a:ext cx="2259597" cy="4733777"/>
+            <a:off x="3791422" y="1469847"/>
+            <a:ext cx="2259597" cy="5190305"/>
           </a:xfrm>
           <a:prstGeom prst="rect">
             <a:avLst/>
@@ -7879,7 +6901,7 @@
           </a:ln>
           <a:extLst>
             <a:ext uri="{FAA26D3D-D897-4be2-8F04-BA451C77F1D7}">
-              <ma14:placeholderFlag xmlns:ma14="http://schemas.microsoft.com/office/mac/drawingml/2011/main" val="1"/>
+              <ma14:placeholderFlag xmlns="" xmlns:ma14="http://schemas.microsoft.com/office/mac/drawingml/2011/main" val="1"/>
             </a:ext>
             <a:ext uri="{909E8E84-426E-40dd-AFC4-6F175D3DCCD1}">
               <a14:hiddenFill xmlns:a14="http://schemas.microsoft.com/office/drawing/2010/main" xmlns="">
@@ -8182,35 +7204,6 @@
             </a:r>
             <a:endParaRPr lang="en-US" sz="2903" dirty="0"/>
           </a:p>
-          <a:p>
-            <a:r>
-              <a:rPr lang="en-US" sz="2903" dirty="0"/>
-              <a:t>mRNA-</a:t>
-            </a:r>
-            <a:r>
-              <a:rPr lang="en-US" sz="2903" dirty="0" err="1"/>
-              <a:t>seq</a:t>
-            </a:r>
-            <a:endParaRPr lang="en-US" sz="2903" dirty="0"/>
-          </a:p>
-          <a:p>
-            <a:r>
-              <a:rPr lang="en-US" sz="2903" dirty="0" err="1"/>
-              <a:t>Tn-seq</a:t>
-            </a:r>
-            <a:endParaRPr lang="en-US" sz="2903" dirty="0"/>
-          </a:p>
-          <a:p>
-            <a:r>
-              <a:rPr lang="en-US" sz="2903" dirty="0"/>
-              <a:t>QTL-</a:t>
-            </a:r>
-            <a:r>
-              <a:rPr lang="en-US" sz="2903" dirty="0" err="1"/>
-              <a:t>seq</a:t>
-            </a:r>
-            <a:endParaRPr lang="en-US" sz="2903" dirty="0"/>
-          </a:p>
         </p:txBody>
       </p:sp>
       <p:sp>
@@ -8223,7 +7216,7 @@
         </p:nvSpPr>
         <p:spPr bwMode="auto">
           <a:xfrm>
-            <a:off x="8122294" y="1631692"/>
+            <a:off x="5862695" y="1469845"/>
             <a:ext cx="2259597" cy="4733777"/>
           </a:xfrm>
           <a:prstGeom prst="rect">
@@ -8235,7 +7228,7 @@
           </a:ln>
           <a:extLst>
             <a:ext uri="{FAA26D3D-D897-4be2-8F04-BA451C77F1D7}">
-              <ma14:placeholderFlag xmlns:ma14="http://schemas.microsoft.com/office/mac/drawingml/2011/main" val="1"/>
+              <ma14:placeholderFlag xmlns="" xmlns:ma14="http://schemas.microsoft.com/office/mac/drawingml/2011/main" val="1"/>
             </a:ext>
             <a:ext uri="{909E8E84-426E-40dd-AFC4-6F175D3DCCD1}">
               <a14:hiddenFill xmlns:a14="http://schemas.microsoft.com/office/drawing/2010/main" xmlns="">
@@ -8546,6 +7539,355 @@
             </a:r>
             <a:endParaRPr lang="en-US" sz="2903" dirty="0"/>
           </a:p>
+        </p:txBody>
+      </p:sp>
+      <p:pic>
+        <p:nvPicPr>
+          <p:cNvPr id="7" name="Picture 6">
+            <a:extLst>
+              <a:ext uri="{FF2B5EF4-FFF2-40B4-BE49-F238E27FC236}">
+                <a16:creationId xmlns:a16="http://schemas.microsoft.com/office/drawing/2014/main" id="{E60AB59B-B9CB-A147-82E9-B3A275C779BB}"/>
+              </a:ext>
+            </a:extLst>
+          </p:cNvPr>
+          <p:cNvPicPr>
+            <a:picLocks noChangeAspect="1"/>
+          </p:cNvPicPr>
+          <p:nvPr/>
+        </p:nvPicPr>
+        <p:blipFill>
+          <a:blip r:embed="rId2"/>
+          <a:stretch>
+            <a:fillRect/>
+          </a:stretch>
+        </p:blipFill>
+        <p:spPr>
+          <a:xfrm>
+            <a:off x="1768149" y="5417915"/>
+            <a:ext cx="8705929" cy="1116675"/>
+          </a:xfrm>
+          <a:prstGeom prst="rect">
+            <a:avLst/>
+          </a:prstGeom>
+        </p:spPr>
+      </p:pic>
+      <p:sp>
+        <p:nvSpPr>
+          <p:cNvPr id="8" name="Content Placeholder 2">
+            <a:extLst>
+              <a:ext uri="{FF2B5EF4-FFF2-40B4-BE49-F238E27FC236}">
+                <a16:creationId xmlns:a16="http://schemas.microsoft.com/office/drawing/2014/main" id="{D178A65D-5BA5-9644-A7EE-6E215C16E2C5}"/>
+              </a:ext>
+            </a:extLst>
+          </p:cNvPr>
+          <p:cNvSpPr txBox="1">
+            <a:spLocks/>
+          </p:cNvSpPr>
+          <p:nvPr/>
+        </p:nvSpPr>
+        <p:spPr bwMode="auto">
+          <a:xfrm>
+            <a:off x="8122292" y="1469844"/>
+            <a:ext cx="2259597" cy="4733777"/>
+          </a:xfrm>
+          <a:prstGeom prst="rect">
+            <a:avLst/>
+          </a:prstGeom>
+          <a:noFill/>
+          <a:ln>
+            <a:noFill/>
+          </a:ln>
+          <a:extLst>
+            <a:ext uri="{FAA26D3D-D897-4be2-8F04-BA451C77F1D7}">
+              <ma14:placeholderFlag xmlns="" xmlns:ma14="http://schemas.microsoft.com/office/mac/drawingml/2011/main" val="1"/>
+            </a:ext>
+            <a:ext uri="{909E8E84-426E-40dd-AFC4-6F175D3DCCD1}">
+              <a14:hiddenFill xmlns:a14="http://schemas.microsoft.com/office/drawing/2010/main" xmlns="">
+                <a:solidFill>
+                  <a:srgbClr val="FFFFFF"/>
+                </a:solidFill>
+              </a14:hiddenFill>
+            </a:ext>
+            <a:ext uri="{91240B29-F687-4f45-9708-019B960494DF}">
+              <a14:hiddenLine xmlns:a14="http://schemas.microsoft.com/office/drawing/2010/main" xmlns="" w="9525">
+                <a:solidFill>
+                  <a:srgbClr val="000000"/>
+                </a:solidFill>
+                <a:round/>
+                <a:headEnd/>
+                <a:tailEnd/>
+              </a14:hiddenLine>
+            </a:ext>
+          </a:extLst>
+        </p:spPr>
+        <p:txBody>
+          <a:bodyPr vert="horz" wrap="square" lIns="0" tIns="25604" rIns="0" bIns="0" numCol="1" anchor="t" anchorCtr="0" compatLnSpc="1">
+            <a:prstTxWarp prst="textNoShape">
+              <a:avLst/>
+            </a:prstTxWarp>
+          </a:bodyPr>
+          <a:lstStyle>
+            <a:lvl1pPr marL="342900" indent="-342900" algn="l" defTabSz="449263" rtl="0" eaLnBrk="0" fontAlgn="base" hangingPunct="0">
+              <a:lnSpc>
+                <a:spcPct val="93000"/>
+              </a:lnSpc>
+              <a:spcBef>
+                <a:spcPct val="0"/>
+              </a:spcBef>
+              <a:spcAft>
+                <a:spcPts val="1425"/>
+              </a:spcAft>
+              <a:buClr>
+                <a:srgbClr val="000000"/>
+              </a:buClr>
+              <a:buSzPct val="100000"/>
+              <a:buFont typeface="Times New Roman" charset="0"/>
+              <a:defRPr sz="3200">
+                <a:solidFill>
+                  <a:srgbClr val="000000"/>
+                </a:solidFill>
+                <a:latin typeface="+mn-lt"/>
+                <a:ea typeface="ＭＳ Ｐゴシック" charset="0"/>
+                <a:cs typeface="+mn-cs"/>
+              </a:defRPr>
+            </a:lvl1pPr>
+            <a:lvl2pPr marL="914400" indent="-457200" algn="l" defTabSz="449263" rtl="0" eaLnBrk="0" fontAlgn="base" hangingPunct="0">
+              <a:lnSpc>
+                <a:spcPct val="93000"/>
+              </a:lnSpc>
+              <a:spcBef>
+                <a:spcPct val="0"/>
+              </a:spcBef>
+              <a:spcAft>
+                <a:spcPts val="1138"/>
+              </a:spcAft>
+              <a:buClr>
+                <a:srgbClr val="152E55"/>
+              </a:buClr>
+              <a:buSzPct val="100000"/>
+              <a:buFont typeface="Wingdings" charset="2"/>
+              <a:buChar char="§"/>
+              <a:defRPr sz="2800">
+                <a:solidFill>
+                  <a:srgbClr val="000000"/>
+                </a:solidFill>
+                <a:latin typeface="+mn-lt"/>
+                <a:ea typeface="+mn-ea"/>
+                <a:cs typeface="+mn-cs"/>
+              </a:defRPr>
+            </a:lvl2pPr>
+            <a:lvl3pPr marL="1257300" indent="-342900" algn="l" defTabSz="449263" rtl="0" eaLnBrk="0" fontAlgn="base" hangingPunct="0">
+              <a:lnSpc>
+                <a:spcPct val="93000"/>
+              </a:lnSpc>
+              <a:spcBef>
+                <a:spcPct val="0"/>
+              </a:spcBef>
+              <a:spcAft>
+                <a:spcPts val="850"/>
+              </a:spcAft>
+              <a:buClr>
+                <a:srgbClr val="BC8609"/>
+              </a:buClr>
+              <a:buSzPct val="100000"/>
+              <a:buFont typeface="Arial"/>
+              <a:buChar char="•"/>
+              <a:defRPr sz="2400">
+                <a:solidFill>
+                  <a:srgbClr val="000000"/>
+                </a:solidFill>
+                <a:latin typeface="+mn-lt"/>
+                <a:ea typeface="+mn-ea"/>
+                <a:cs typeface="+mn-cs"/>
+              </a:defRPr>
+            </a:lvl3pPr>
+            <a:lvl4pPr marL="1714500" indent="-342900" algn="l" defTabSz="449263" rtl="0" eaLnBrk="0" fontAlgn="base" hangingPunct="0">
+              <a:lnSpc>
+                <a:spcPct val="93000"/>
+              </a:lnSpc>
+              <a:spcBef>
+                <a:spcPct val="0"/>
+              </a:spcBef>
+              <a:spcAft>
+                <a:spcPts val="575"/>
+              </a:spcAft>
+              <a:buClr>
+                <a:srgbClr val="152E55"/>
+              </a:buClr>
+              <a:buSzPct val="100000"/>
+              <a:buFont typeface="Wingdings" charset="2"/>
+              <a:buChar char="§"/>
+              <a:defRPr sz="2000">
+                <a:solidFill>
+                  <a:srgbClr val="000000"/>
+                </a:solidFill>
+                <a:latin typeface="+mn-lt"/>
+                <a:ea typeface="+mn-ea"/>
+                <a:cs typeface="+mn-cs"/>
+              </a:defRPr>
+            </a:lvl4pPr>
+            <a:lvl5pPr marL="2171700" indent="-342900" algn="l" defTabSz="449263" rtl="0" eaLnBrk="0" fontAlgn="base" hangingPunct="0">
+              <a:lnSpc>
+                <a:spcPct val="93000"/>
+              </a:lnSpc>
+              <a:spcBef>
+                <a:spcPct val="0"/>
+              </a:spcBef>
+              <a:spcAft>
+                <a:spcPts val="288"/>
+              </a:spcAft>
+              <a:buClr>
+                <a:srgbClr val="BC8609"/>
+              </a:buClr>
+              <a:buSzPct val="100000"/>
+              <a:buFont typeface="Arial"/>
+              <a:buChar char="•"/>
+              <a:defRPr sz="2000">
+                <a:solidFill>
+                  <a:srgbClr val="000000"/>
+                </a:solidFill>
+                <a:latin typeface="+mn-lt"/>
+                <a:ea typeface="+mn-ea"/>
+                <a:cs typeface="+mn-cs"/>
+              </a:defRPr>
+            </a:lvl5pPr>
+            <a:lvl6pPr marL="2514600" indent="-228600" algn="l" defTabSz="449263" rtl="0" fontAlgn="base" hangingPunct="0">
+              <a:lnSpc>
+                <a:spcPct val="93000"/>
+              </a:lnSpc>
+              <a:spcBef>
+                <a:spcPct val="0"/>
+              </a:spcBef>
+              <a:spcAft>
+                <a:spcPts val="288"/>
+              </a:spcAft>
+              <a:buClr>
+                <a:srgbClr val="000000"/>
+              </a:buClr>
+              <a:buSzPct val="100000"/>
+              <a:buFont typeface="Times New Roman" charset="0"/>
+              <a:defRPr sz="2000">
+                <a:solidFill>
+                  <a:srgbClr val="000000"/>
+                </a:solidFill>
+                <a:latin typeface="+mn-lt"/>
+                <a:ea typeface="+mn-ea"/>
+                <a:cs typeface="+mn-cs"/>
+              </a:defRPr>
+            </a:lvl6pPr>
+            <a:lvl7pPr marL="2971800" indent="-228600" algn="l" defTabSz="449263" rtl="0" fontAlgn="base" hangingPunct="0">
+              <a:lnSpc>
+                <a:spcPct val="93000"/>
+              </a:lnSpc>
+              <a:spcBef>
+                <a:spcPct val="0"/>
+              </a:spcBef>
+              <a:spcAft>
+                <a:spcPts val="288"/>
+              </a:spcAft>
+              <a:buClr>
+                <a:srgbClr val="000000"/>
+              </a:buClr>
+              <a:buSzPct val="100000"/>
+              <a:buFont typeface="Times New Roman" charset="0"/>
+              <a:defRPr sz="2000">
+                <a:solidFill>
+                  <a:srgbClr val="000000"/>
+                </a:solidFill>
+                <a:latin typeface="+mn-lt"/>
+                <a:ea typeface="+mn-ea"/>
+                <a:cs typeface="+mn-cs"/>
+              </a:defRPr>
+            </a:lvl7pPr>
+            <a:lvl8pPr marL="3429000" indent="-228600" algn="l" defTabSz="449263" rtl="0" fontAlgn="base" hangingPunct="0">
+              <a:lnSpc>
+                <a:spcPct val="93000"/>
+              </a:lnSpc>
+              <a:spcBef>
+                <a:spcPct val="0"/>
+              </a:spcBef>
+              <a:spcAft>
+                <a:spcPts val="288"/>
+              </a:spcAft>
+              <a:buClr>
+                <a:srgbClr val="000000"/>
+              </a:buClr>
+              <a:buSzPct val="100000"/>
+              <a:buFont typeface="Times New Roman" charset="0"/>
+              <a:defRPr sz="2000">
+                <a:solidFill>
+                  <a:srgbClr val="000000"/>
+                </a:solidFill>
+                <a:latin typeface="+mn-lt"/>
+                <a:ea typeface="+mn-ea"/>
+                <a:cs typeface="+mn-cs"/>
+              </a:defRPr>
+            </a:lvl8pPr>
+            <a:lvl9pPr marL="3886200" indent="-228600" algn="l" defTabSz="449263" rtl="0" fontAlgn="base" hangingPunct="0">
+              <a:lnSpc>
+                <a:spcPct val="93000"/>
+              </a:lnSpc>
+              <a:spcBef>
+                <a:spcPct val="0"/>
+              </a:spcBef>
+              <a:spcAft>
+                <a:spcPts val="288"/>
+              </a:spcAft>
+              <a:buClr>
+                <a:srgbClr val="000000"/>
+              </a:buClr>
+              <a:buSzPct val="100000"/>
+              <a:buFont typeface="Times New Roman" charset="0"/>
+              <a:defRPr sz="2000">
+                <a:solidFill>
+                  <a:srgbClr val="000000"/>
+                </a:solidFill>
+                <a:latin typeface="+mn-lt"/>
+                <a:ea typeface="+mn-ea"/>
+                <a:cs typeface="+mn-cs"/>
+              </a:defRPr>
+            </a:lvl9pPr>
+          </a:lstStyle>
+          <a:p>
+            <a:r>
+              <a:rPr lang="en-US" sz="2903" dirty="0" err="1"/>
+              <a:t>EnD-seq</a:t>
+            </a:r>
+            <a:endParaRPr lang="en-US" sz="2903" dirty="0"/>
+          </a:p>
+          <a:p>
+            <a:r>
+              <a:rPr lang="en-US" sz="2903" dirty="0"/>
+              <a:t>Pool-</a:t>
+            </a:r>
+            <a:r>
+              <a:rPr lang="en-US" sz="2903" dirty="0" err="1"/>
+              <a:t>seq</a:t>
+            </a:r>
+            <a:endParaRPr lang="en-US" sz="2903" dirty="0"/>
+          </a:p>
+          <a:p>
+            <a:r>
+              <a:rPr lang="en-US" sz="2903" dirty="0"/>
+              <a:t>G&amp;T-</a:t>
+            </a:r>
+            <a:r>
+              <a:rPr lang="en-US" sz="2903" dirty="0" err="1"/>
+              <a:t>seq</a:t>
+            </a:r>
+            <a:endParaRPr lang="en-US" sz="2903" dirty="0"/>
+          </a:p>
+          <a:p>
+            <a:r>
+              <a:rPr lang="en-US" sz="2903" dirty="0"/>
+              <a:t>Tn-</a:t>
+            </a:r>
+            <a:r>
+              <a:rPr lang="en-US" sz="2903" dirty="0" err="1"/>
+              <a:t>Seq</a:t>
+            </a:r>
+            <a:endParaRPr lang="en-US" sz="2903" dirty="0"/>
+          </a:p>
           <a:p>
             <a:r>
               <a:rPr lang="en-US" sz="2903" dirty="0" err="1"/>
@@ -8557,17 +7899,6 @@
             <a:r>
               <a:rPr lang="en-US" sz="2903" dirty="0"/>
               <a:t>SLAF-</a:t>
-            </a:r>
-            <a:r>
-              <a:rPr lang="en-US" sz="2903" dirty="0" err="1"/>
-              <a:t>seq</a:t>
-            </a:r>
-            <a:endParaRPr lang="en-US" sz="2903" dirty="0"/>
-          </a:p>
-          <a:p>
-            <a:r>
-              <a:rPr lang="en-US" sz="2903" dirty="0"/>
-              <a:t>G&amp;T-</a:t>
             </a:r>
             <a:r>
               <a:rPr lang="en-US" sz="2903" dirty="0" err="1"/>
@@ -8580,24 +7911,17 @@
     </p:spTree>
     <p:extLst>
       <p:ext uri="{BB962C8B-B14F-4D97-AF65-F5344CB8AC3E}">
-        <p14:creationId xmlns:p14="http://schemas.microsoft.com/office/powerpoint/2010/main" val="1759615194"/>
+        <p14:creationId xmlns:p14="http://schemas.microsoft.com/office/powerpoint/2010/main" val="3812382353"/>
       </p:ext>
     </p:extLst>
   </p:cSld>
   <p:clrMapOvr>
     <a:masterClrMapping/>
   </p:clrMapOvr>
-  <p:timing>
-    <p:tnLst>
-      <p:par>
-        <p:cTn id="1" dur="indefinite" restart="never" nodeType="tmRoot"/>
-      </p:par>
-    </p:tnLst>
-  </p:timing>
 </p:sld>
 </file>
 
-<file path=ppt/slides/slide17.xml><?xml version="1.0" encoding="utf-8"?>
+<file path=ppt/slides/slide13.xml><?xml version="1.0" encoding="utf-8"?>
 <p:sld xmlns:a="http://schemas.openxmlformats.org/drawingml/2006/main" xmlns:r="http://schemas.openxmlformats.org/officeDocument/2006/relationships" xmlns:p="http://schemas.openxmlformats.org/presentationml/2006/main">
   <p:cSld>
     <p:spTree>
@@ -8636,11 +7960,7 @@
           <a:p>
             <a:r>
               <a:rPr lang="en-US" dirty="0" err="1"/>
-              <a:t>o</a:t>
-            </a:r>
-            <a:r>
-              <a:rPr lang="en-US" dirty="0" err="1" smtClean="0"/>
-              <a:t>micsmaps.com</a:t>
+              <a:t>omicsmaps.com</a:t>
             </a:r>
             <a:endParaRPr lang="en-US" dirty="0"/>
           </a:p>
@@ -8685,17 +8005,10 @@
   <p:clrMapOvr>
     <a:masterClrMapping/>
   </p:clrMapOvr>
-  <p:timing>
-    <p:tnLst>
-      <p:par>
-        <p:cTn id="1" dur="indefinite" restart="never" nodeType="tmRoot"/>
-      </p:par>
-    </p:tnLst>
-  </p:timing>
 </p:sld>
 </file>
 
-<file path=ppt/slides/slide18.xml><?xml version="1.0" encoding="utf-8"?>
+<file path=ppt/slides/slide14.xml><?xml version="1.0" encoding="utf-8"?>
 <p:sld xmlns:a="http://schemas.openxmlformats.org/drawingml/2006/main" xmlns:r="http://schemas.openxmlformats.org/officeDocument/2006/relationships" xmlns:p="http://schemas.openxmlformats.org/presentationml/2006/main">
   <p:cSld>
     <p:spTree>
@@ -8712,194 +8025,9 @@
           <a:chExt cx="0" cy="0"/>
         </a:xfrm>
       </p:grpSpPr>
-      <p:sp>
-        <p:nvSpPr>
-          <p:cNvPr id="2" name="Title 1"/>
-          <p:cNvSpPr>
-            <a:spLocks noGrp="1"/>
-          </p:cNvSpPr>
-          <p:nvPr>
-            <p:ph type="title"/>
-          </p:nvPr>
-        </p:nvSpPr>
-        <p:spPr/>
-        <p:txBody>
-          <a:bodyPr>
-            <a:normAutofit/>
-          </a:bodyPr>
-          <a:lstStyle/>
-          <a:p>
-            <a:r>
-              <a:rPr lang="en-US" sz="4355" dirty="0"/>
-              <a:t>The data deluge</a:t>
-            </a:r>
-          </a:p>
-        </p:txBody>
-      </p:sp>
-      <p:sp>
-        <p:nvSpPr>
-          <p:cNvPr id="6" name="Content Placeholder 5"/>
-          <p:cNvSpPr txBox="1">
-            <a:spLocks noGrp="1"/>
-          </p:cNvSpPr>
-          <p:nvPr>
-            <p:ph idx="1"/>
-          </p:nvPr>
-        </p:nvSpPr>
-        <p:spPr>
-          <a:xfrm>
-            <a:off x="2177349" y="5986709"/>
-            <a:ext cx="8195901" cy="535531"/>
-          </a:xfrm>
-          <a:prstGeom prst="rect">
-            <a:avLst/>
-          </a:prstGeom>
-          <a:noFill/>
-        </p:spPr>
-        <p:txBody>
-          <a:bodyPr wrap="square" rtlCol="0">
-            <a:spAutoFit/>
-          </a:bodyPr>
-          <a:lstStyle/>
-          <a:p>
-            <a:pPr algn="ctr"/>
-            <a:r>
-              <a:rPr lang="en-US" sz="3200" dirty="0">
-                <a:solidFill>
-                  <a:srgbClr val="FF0000"/>
-                </a:solidFill>
-              </a:rPr>
-              <a:t>Plucking the biology from the Noise</a:t>
-            </a:r>
-          </a:p>
-        </p:txBody>
-      </p:sp>
       <p:pic>
         <p:nvPicPr>
-          <p:cNvPr id="5" name="Picture 4"/>
-          <p:cNvPicPr>
-            <a:picLocks noChangeAspect="1"/>
-          </p:cNvPicPr>
-          <p:nvPr/>
-        </p:nvPicPr>
-        <p:blipFill>
-          <a:blip r:embed="rId2"/>
-          <a:stretch>
-            <a:fillRect/>
-          </a:stretch>
-        </p:blipFill>
-        <p:spPr>
-          <a:xfrm>
-            <a:off x="2973752" y="1908200"/>
-            <a:ext cx="6855120" cy="3859605"/>
-          </a:xfrm>
-          <a:prstGeom prst="rect">
-            <a:avLst/>
-          </a:prstGeom>
-        </p:spPr>
-      </p:pic>
-    </p:spTree>
-    <p:extLst>
-      <p:ext uri="{BB962C8B-B14F-4D97-AF65-F5344CB8AC3E}">
-        <p14:creationId xmlns:p14="http://schemas.microsoft.com/office/powerpoint/2010/main" val="1292502476"/>
-      </p:ext>
-    </p:extLst>
-  </p:cSld>
-  <p:clrMapOvr>
-    <a:masterClrMapping/>
-  </p:clrMapOvr>
-  <p:timing>
-    <p:tnLst>
-      <p:par>
-        <p:cTn id="1" dur="indefinite" restart="never" nodeType="tmRoot"/>
-      </p:par>
-    </p:tnLst>
-  </p:timing>
-</p:sld>
-</file>
-
-<file path=ppt/slides/slide19.xml><?xml version="1.0" encoding="utf-8"?>
-<p:sld xmlns:a="http://schemas.openxmlformats.org/drawingml/2006/main" xmlns:r="http://schemas.openxmlformats.org/officeDocument/2006/relationships" xmlns:p="http://schemas.openxmlformats.org/presentationml/2006/main">
-  <p:cSld>
-    <p:spTree>
-      <p:nvGrpSpPr>
-        <p:cNvPr id="1" name=""/>
-        <p:cNvGrpSpPr/>
-        <p:nvPr/>
-      </p:nvGrpSpPr>
-      <p:grpSpPr>
-        <a:xfrm>
-          <a:off x="0" y="0"/>
-          <a:ext cx="0" cy="0"/>
-          <a:chOff x="0" y="0"/>
-          <a:chExt cx="0" cy="0"/>
-        </a:xfrm>
-      </p:grpSpPr>
-      <p:sp>
-        <p:nvSpPr>
-          <p:cNvPr id="2" name="Title 1"/>
-          <p:cNvSpPr>
-            <a:spLocks noGrp="1"/>
-          </p:cNvSpPr>
-          <p:nvPr>
-            <p:ph type="title"/>
-          </p:nvPr>
-        </p:nvSpPr>
-        <p:spPr/>
-        <p:txBody>
-          <a:bodyPr>
-            <a:normAutofit/>
-          </a:bodyPr>
-          <a:lstStyle/>
-          <a:p>
-            <a:r>
-              <a:rPr lang="en-US" sz="4355" dirty="0"/>
-              <a:t>Reality</a:t>
-            </a:r>
-          </a:p>
-        </p:txBody>
-      </p:sp>
-      <p:sp>
-        <p:nvSpPr>
-          <p:cNvPr id="5" name="Content Placeholder 5"/>
-          <p:cNvSpPr txBox="1">
-            <a:spLocks noGrp="1"/>
-          </p:cNvSpPr>
-          <p:nvPr>
-            <p:ph idx="1"/>
-          </p:nvPr>
-        </p:nvSpPr>
-        <p:spPr>
-          <a:xfrm>
-            <a:off x="2177349" y="5986709"/>
-            <a:ext cx="8195901" cy="535531"/>
-          </a:xfrm>
-          <a:prstGeom prst="rect">
-            <a:avLst/>
-          </a:prstGeom>
-          <a:noFill/>
-        </p:spPr>
-        <p:txBody>
-          <a:bodyPr wrap="square" rtlCol="0">
-            <a:spAutoFit/>
-          </a:bodyPr>
-          <a:lstStyle/>
-          <a:p>
-            <a:pPr algn="ctr"/>
-            <a:r>
-              <a:rPr lang="en-US" sz="3200" dirty="0">
-                <a:solidFill>
-                  <a:srgbClr val="FF0000"/>
-                </a:solidFill>
-              </a:rPr>
-              <a:t>Its much more difficult than we may first think</a:t>
-            </a:r>
-          </a:p>
-        </p:txBody>
-      </p:sp>
-      <p:pic>
-        <p:nvPicPr>
-          <p:cNvPr id="4" name="Picture 3" descr="AssemblyisHard.png"/>
+          <p:cNvPr id="6" name="Picture 5"/>
           <p:cNvPicPr>
             <a:picLocks noChangeAspect="1"/>
           </p:cNvPicPr>
@@ -8919,35 +8047,191 @@
         </p:blipFill>
         <p:spPr>
           <a:xfrm>
-            <a:off x="3160715" y="1562564"/>
-            <a:ext cx="6391649" cy="4305485"/>
+            <a:off x="1524000" y="1143000"/>
+            <a:ext cx="9144000" cy="4572000"/>
           </a:xfrm>
           <a:prstGeom prst="rect">
             <a:avLst/>
           </a:prstGeom>
         </p:spPr>
       </p:pic>
+      <p:sp>
+        <p:nvSpPr>
+          <p:cNvPr id="2" name="Title 1"/>
+          <p:cNvSpPr>
+            <a:spLocks noGrp="1"/>
+          </p:cNvSpPr>
+          <p:nvPr>
+            <p:ph type="title"/>
+          </p:nvPr>
+        </p:nvSpPr>
+        <p:spPr/>
+        <p:txBody>
+          <a:bodyPr>
+            <a:normAutofit/>
+          </a:bodyPr>
+          <a:lstStyle/>
+          <a:p>
+            <a:r>
+              <a:rPr lang="en-US" sz="4355" dirty="0"/>
+              <a:t>Sequencing Costs</a:t>
+            </a:r>
+          </a:p>
+        </p:txBody>
+      </p:sp>
+      <p:sp>
+        <p:nvSpPr>
+          <p:cNvPr id="3" name="Content Placeholder 2"/>
+          <p:cNvSpPr>
+            <a:spLocks noGrp="1"/>
+          </p:cNvSpPr>
+          <p:nvPr>
+            <p:ph idx="1"/>
+          </p:nvPr>
+        </p:nvSpPr>
+        <p:spPr>
+          <a:xfrm>
+            <a:off x="2177349" y="5566907"/>
+            <a:ext cx="8195901" cy="1244291"/>
+          </a:xfrm>
+        </p:spPr>
+        <p:txBody>
+          <a:bodyPr>
+            <a:normAutofit fontScale="92500" lnSpcReduction="10000"/>
+          </a:bodyPr>
+          <a:lstStyle/>
+          <a:p>
+            <a:r>
+              <a:rPr lang="en-US" sz="2177" dirty="0"/>
+              <a:t>Includes: labor, administration, management, utilities, reagents, consumables, instruments (amortized over 3 years), informatics related to sequence productions, submission, indirect costs.</a:t>
+            </a:r>
+          </a:p>
+          <a:p>
+            <a:r>
+              <a:rPr lang="en-US" sz="2177" dirty="0"/>
+              <a:t>http://</a:t>
+            </a:r>
+            <a:r>
+              <a:rPr lang="en-US" sz="2177" dirty="0" err="1"/>
+              <a:t>www.genome.gov</a:t>
+            </a:r>
+            <a:r>
+              <a:rPr lang="en-US" sz="2177" dirty="0"/>
+              <a:t>/</a:t>
+            </a:r>
+            <a:r>
+              <a:rPr lang="en-US" sz="2177" dirty="0" err="1"/>
+              <a:t>sequencingcosts</a:t>
+            </a:r>
+            <a:r>
+              <a:rPr lang="en-US" sz="2177" dirty="0"/>
+              <a:t>/</a:t>
+            </a:r>
+          </a:p>
+        </p:txBody>
+      </p:sp>
+      <p:sp>
+        <p:nvSpPr>
+          <p:cNvPr id="8" name="TextBox 7"/>
+          <p:cNvSpPr txBox="1"/>
+          <p:nvPr/>
+        </p:nvSpPr>
+        <p:spPr>
+          <a:xfrm>
+            <a:off x="4575200" y="1908200"/>
+            <a:ext cx="1382545" cy="343620"/>
+          </a:xfrm>
+          <a:prstGeom prst="rect">
+            <a:avLst/>
+          </a:prstGeom>
+          <a:noFill/>
+        </p:spPr>
+        <p:txBody>
+          <a:bodyPr wrap="square" rtlCol="0">
+            <a:spAutoFit/>
+          </a:bodyPr>
+          <a:lstStyle/>
+          <a:p>
+            <a:r>
+              <a:rPr lang="en-US" sz="1633" dirty="0"/>
+              <a:t>$0.012/Mb</a:t>
+            </a:r>
+          </a:p>
+        </p:txBody>
+      </p:sp>
+      <p:sp>
+        <p:nvSpPr>
+          <p:cNvPr id="9" name="TextBox 8"/>
+          <p:cNvSpPr txBox="1"/>
+          <p:nvPr/>
+        </p:nvSpPr>
+        <p:spPr>
+          <a:xfrm>
+            <a:off x="8515454" y="1908201"/>
+            <a:ext cx="1520800" cy="846194"/>
+          </a:xfrm>
+          <a:prstGeom prst="rect">
+            <a:avLst/>
+          </a:prstGeom>
+          <a:noFill/>
+        </p:spPr>
+        <p:txBody>
+          <a:bodyPr wrap="square" rtlCol="0">
+            <a:spAutoFit/>
+          </a:bodyPr>
+          <a:lstStyle/>
+          <a:p>
+            <a:pPr algn="r"/>
+            <a:r>
+              <a:rPr lang="en-US" sz="1633" dirty="0"/>
+              <a:t>$1,121 per Human sized (30x) genome</a:t>
+            </a:r>
+          </a:p>
+        </p:txBody>
+      </p:sp>
+      <p:sp>
+        <p:nvSpPr>
+          <p:cNvPr id="5" name="TextBox 4"/>
+          <p:cNvSpPr txBox="1"/>
+          <p:nvPr/>
+        </p:nvSpPr>
+        <p:spPr>
+          <a:xfrm>
+            <a:off x="8515454" y="668804"/>
+            <a:ext cx="2908853" cy="461665"/>
+          </a:xfrm>
+          <a:prstGeom prst="rect">
+            <a:avLst/>
+          </a:prstGeom>
+          <a:noFill/>
+        </p:spPr>
+        <p:txBody>
+          <a:bodyPr wrap="square" rtlCol="0">
+            <a:spAutoFit/>
+          </a:bodyPr>
+          <a:lstStyle/>
+          <a:p>
+            <a:r>
+              <a:rPr lang="en-US" sz="2400" dirty="0"/>
+              <a:t>July 2017</a:t>
+            </a:r>
+          </a:p>
+        </p:txBody>
+      </p:sp>
     </p:spTree>
     <p:extLst>
       <p:ext uri="{BB962C8B-B14F-4D97-AF65-F5344CB8AC3E}">
-        <p14:creationId xmlns:p14="http://schemas.microsoft.com/office/powerpoint/2010/main" val="1292024727"/>
+        <p14:creationId xmlns:p14="http://schemas.microsoft.com/office/powerpoint/2010/main" val="2401486215"/>
       </p:ext>
     </p:extLst>
   </p:cSld>
   <p:clrMapOvr>
     <a:masterClrMapping/>
   </p:clrMapOvr>
-  <p:timing>
-    <p:tnLst>
-      <p:par>
-        <p:cTn id="1" dur="indefinite" restart="never" nodeType="tmRoot"/>
-      </p:par>
-    </p:tnLst>
-  </p:timing>
 </p:sld>
 </file>
 
-<file path=ppt/slides/slide2.xml><?xml version="1.0" encoding="utf-8"?>
+<file path=ppt/slides/slide15.xml><?xml version="1.0" encoding="utf-8"?>
 <p:sld xmlns:a="http://schemas.openxmlformats.org/drawingml/2006/main" xmlns:r="http://schemas.openxmlformats.org/officeDocument/2006/relationships" xmlns:p="http://schemas.openxmlformats.org/presentationml/2006/main">
   <p:cSld>
     <p:spTree>
@@ -8966,7 +8250,7 @@
       </p:grpSpPr>
       <p:sp>
         <p:nvSpPr>
-          <p:cNvPr id="3" name="Title 2"/>
+          <p:cNvPr id="2" name="Title 1"/>
           <p:cNvSpPr>
             <a:spLocks noGrp="1"/>
           </p:cNvSpPr>
@@ -8983,14 +8267,14 @@
           <a:p>
             <a:r>
               <a:rPr lang="en-US" sz="4355" dirty="0"/>
-              <a:t>Outline</a:t>
-            </a:r>
-          </a:p>
-        </p:txBody>
-      </p:sp>
-      <p:sp>
-        <p:nvSpPr>
-          <p:cNvPr id="4" name="Content Placeholder 3"/>
+              <a:t>Growth in Public Sequence Database</a:t>
+            </a:r>
+          </a:p>
+        </p:txBody>
+      </p:sp>
+      <p:sp>
+        <p:nvSpPr>
+          <p:cNvPr id="3" name="Content Placeholder 2"/>
           <p:cNvSpPr>
             <a:spLocks noGrp="1"/>
           </p:cNvSpPr>
@@ -8998,78 +8282,226 @@
             <p:ph idx="1"/>
           </p:nvPr>
         </p:nvSpPr>
-        <p:spPr/>
-        <p:txBody>
-          <a:bodyPr>
-            <a:normAutofit/>
+        <p:spPr>
+          <a:xfrm>
+            <a:off x="5668718" y="4550386"/>
+            <a:ext cx="8195901" cy="933219"/>
+          </a:xfrm>
+        </p:spPr>
+        <p:txBody>
+          <a:bodyPr/>
+          <a:lstStyle/>
+          <a:p>
+            <a:r>
+              <a:rPr lang="en-US" sz="2177" dirty="0"/>
+              <a:t>http://www.ncbi.nlm.nih.gov/genbank/statistics</a:t>
+            </a:r>
+          </a:p>
+        </p:txBody>
+      </p:sp>
+      <p:sp>
+        <p:nvSpPr>
+          <p:cNvPr id="9" name="TextBox 8"/>
+          <p:cNvSpPr txBox="1"/>
+          <p:nvPr/>
+        </p:nvSpPr>
+        <p:spPr>
+          <a:xfrm>
+            <a:off x="5922803" y="2024924"/>
+            <a:ext cx="1866436" cy="287771"/>
+          </a:xfrm>
+          <a:prstGeom prst="rect">
+            <a:avLst/>
+          </a:prstGeom>
+          <a:noFill/>
+        </p:spPr>
+        <p:txBody>
+          <a:bodyPr wrap="square" rtlCol="0">
+            <a:spAutoFit/>
           </a:bodyPr>
           <a:lstStyle/>
           <a:p>
-            <a:pPr marL="414772" indent="-414772"/>
-            <a:r>
-              <a:rPr lang="en-US" sz="2903" dirty="0"/>
-              <a:t>The World we are presented with</a:t>
-            </a:r>
-          </a:p>
-          <a:p>
-            <a:pPr marL="414772" indent="-414772"/>
-            <a:r>
-              <a:rPr lang="en-US" sz="2903" dirty="0"/>
-              <a:t>Advances in DNA Sequencing</a:t>
-            </a:r>
-          </a:p>
-          <a:p>
-            <a:pPr marL="414772" indent="-414772"/>
-            <a:r>
-              <a:rPr lang="en-US" sz="2903" dirty="0"/>
-              <a:t>Bioinformatics as Data Science</a:t>
-            </a:r>
-          </a:p>
-          <a:p>
-            <a:pPr marL="414772" indent="-414772"/>
-            <a:r>
-              <a:rPr lang="en-US" sz="2903" dirty="0"/>
-              <a:t>Viewport into bioinformatics</a:t>
-            </a:r>
-          </a:p>
-          <a:p>
-            <a:pPr marL="414772" indent="-414772"/>
-            <a:r>
-              <a:rPr lang="en-US" sz="2903" dirty="0"/>
-              <a:t>Training</a:t>
-            </a:r>
-          </a:p>
-          <a:p>
-            <a:pPr marL="414772" indent="-414772"/>
-            <a:r>
-              <a:rPr lang="en-US" sz="2903" dirty="0" smtClean="0"/>
-              <a:t>The Bottom Line</a:t>
-            </a:r>
-            <a:endParaRPr lang="en-US" sz="2903" dirty="0"/>
+            <a:r>
+              <a:rPr lang="en-US" sz="1270" dirty="0"/>
+              <a:t>WGS &gt; 1 trillion </a:t>
+            </a:r>
+            <a:r>
+              <a:rPr lang="en-US" sz="1270" dirty="0" err="1"/>
+              <a:t>bp</a:t>
+            </a:r>
+            <a:endParaRPr lang="en-US" sz="1270" dirty="0"/>
+          </a:p>
+        </p:txBody>
+      </p:sp>
+      <p:pic>
+        <p:nvPicPr>
+          <p:cNvPr id="4" name="Picture 3"/>
+          <p:cNvPicPr>
+            <a:picLocks noChangeAspect="1"/>
+          </p:cNvPicPr>
+          <p:nvPr/>
+        </p:nvPicPr>
+        <p:blipFill>
+          <a:blip r:embed="rId2">
+            <a:extLst>
+              <a:ext uri="{28A0092B-C50C-407E-A947-70E740481C1C}">
+                <a14:useLocalDpi xmlns:a14="http://schemas.microsoft.com/office/drawing/2010/main" val="0"/>
+              </a:ext>
+            </a:extLst>
+          </a:blip>
+          <a:stretch>
+            <a:fillRect/>
+          </a:stretch>
+        </p:blipFill>
+        <p:spPr>
+          <a:xfrm>
+            <a:off x="5186333" y="1347982"/>
+            <a:ext cx="6305532" cy="3152766"/>
+          </a:xfrm>
+          <a:prstGeom prst="rect">
+            <a:avLst/>
+          </a:prstGeom>
+        </p:spPr>
+      </p:pic>
+      <p:pic>
+        <p:nvPicPr>
+          <p:cNvPr id="6" name="Content Placeholder 3">
+            <a:extLst>
+              <a:ext uri="{FF2B5EF4-FFF2-40B4-BE49-F238E27FC236}">
+                <a16:creationId xmlns:a16="http://schemas.microsoft.com/office/drawing/2014/main" id="{80E5055C-47B1-5241-8C66-0A7D7EEF9DC7}"/>
+              </a:ext>
+            </a:extLst>
+          </p:cNvPr>
+          <p:cNvPicPr>
+            <a:picLocks noChangeAspect="1"/>
+          </p:cNvPicPr>
+          <p:nvPr/>
+        </p:nvPicPr>
+        <p:blipFill>
+          <a:blip r:embed="rId3">
+            <a:extLst>
+              <a:ext uri="{28A0092B-C50C-407E-A947-70E740481C1C}">
+                <a14:useLocalDpi xmlns:a14="http://schemas.microsoft.com/office/drawing/2010/main" val="0"/>
+              </a:ext>
+            </a:extLst>
+          </a:blip>
+          <a:stretch>
+            <a:fillRect/>
+          </a:stretch>
+        </p:blipFill>
+        <p:spPr>
+          <a:xfrm>
+            <a:off x="838200" y="2673545"/>
+            <a:ext cx="4153921" cy="3323137"/>
+          </a:xfrm>
+          <a:prstGeom prst="rect">
+            <a:avLst/>
+          </a:prstGeom>
+        </p:spPr>
+      </p:pic>
+      <p:sp>
+        <p:nvSpPr>
+          <p:cNvPr id="7" name="Rectangle 6">
+            <a:extLst>
+              <a:ext uri="{FF2B5EF4-FFF2-40B4-BE49-F238E27FC236}">
+                <a16:creationId xmlns:a16="http://schemas.microsoft.com/office/drawing/2014/main" id="{75AD39E1-1F94-B04C-8C10-44847587BC89}"/>
+              </a:ext>
+            </a:extLst>
+          </p:cNvPr>
+          <p:cNvSpPr/>
+          <p:nvPr/>
+        </p:nvSpPr>
+        <p:spPr>
+          <a:xfrm>
+            <a:off x="1580350" y="3341892"/>
+            <a:ext cx="1680268" cy="343620"/>
+          </a:xfrm>
+          <a:prstGeom prst="rect">
+            <a:avLst/>
+          </a:prstGeom>
+        </p:spPr>
+        <p:txBody>
+          <a:bodyPr wrap="none">
+            <a:spAutoFit/>
+          </a:bodyPr>
+          <a:lstStyle/>
+          <a:p>
+            <a:r>
+              <a:rPr lang="en-US" sz="1633" dirty="0"/>
+              <a:t>&gt; 1 quadrillion </a:t>
+            </a:r>
+            <a:r>
+              <a:rPr lang="en-US" sz="1633" dirty="0" err="1"/>
+              <a:t>bp</a:t>
+            </a:r>
+            <a:endParaRPr lang="en-US" sz="1633" dirty="0"/>
+          </a:p>
+        </p:txBody>
+      </p:sp>
+      <p:sp>
+        <p:nvSpPr>
+          <p:cNvPr id="8" name="Rectangle 7">
+            <a:extLst>
+              <a:ext uri="{FF2B5EF4-FFF2-40B4-BE49-F238E27FC236}">
+                <a16:creationId xmlns:a16="http://schemas.microsoft.com/office/drawing/2014/main" id="{01034555-6BC8-9547-93B6-2CA065C3E838}"/>
+              </a:ext>
+            </a:extLst>
+          </p:cNvPr>
+          <p:cNvSpPr/>
+          <p:nvPr/>
+        </p:nvSpPr>
+        <p:spPr>
+          <a:xfrm>
+            <a:off x="1132684" y="5996682"/>
+            <a:ext cx="3683701" cy="343620"/>
+          </a:xfrm>
+          <a:prstGeom prst="rect">
+            <a:avLst/>
+          </a:prstGeom>
+        </p:spPr>
+        <p:txBody>
+          <a:bodyPr wrap="none">
+            <a:spAutoFit/>
+          </a:bodyPr>
+          <a:lstStyle/>
+          <a:p>
+            <a:r>
+              <a:rPr lang="en-US" sz="1633" dirty="0"/>
+              <a:t>http://</a:t>
+            </a:r>
+            <a:r>
+              <a:rPr lang="en-US" sz="1633" dirty="0" err="1"/>
+              <a:t>www.ncbi.nlm.nih.gov</a:t>
+            </a:r>
+            <a:r>
+              <a:rPr lang="en-US" sz="1633" dirty="0"/>
+              <a:t>/Traces/</a:t>
+            </a:r>
+            <a:r>
+              <a:rPr lang="en-US" sz="1633" dirty="0" err="1"/>
+              <a:t>sra</a:t>
+            </a:r>
+            <a:r>
+              <a:rPr lang="en-US" sz="1633" dirty="0"/>
+              <a:t>/</a:t>
+            </a:r>
           </a:p>
         </p:txBody>
       </p:sp>
     </p:spTree>
     <p:extLst>
       <p:ext uri="{BB962C8B-B14F-4D97-AF65-F5344CB8AC3E}">
-        <p14:creationId xmlns:p14="http://schemas.microsoft.com/office/powerpoint/2010/main" val="190373781"/>
+        <p14:creationId xmlns:p14="http://schemas.microsoft.com/office/powerpoint/2010/main" val="5333513"/>
       </p:ext>
     </p:extLst>
   </p:cSld>
   <p:clrMapOvr>
     <a:masterClrMapping/>
   </p:clrMapOvr>
-  <p:timing>
-    <p:tnLst>
-      <p:par>
-        <p:cTn id="1" dur="indefinite" restart="never" nodeType="tmRoot"/>
-      </p:par>
-    </p:tnLst>
-  </p:timing>
 </p:sld>
 </file>
 
-<file path=ppt/slides/slide20.xml><?xml version="1.0" encoding="utf-8"?>
+<file path=ppt/slides/slide16.xml><?xml version="1.0" encoding="utf-8"?>
 <p:sld xmlns:a="http://schemas.openxmlformats.org/drawingml/2006/main" xmlns:r="http://schemas.openxmlformats.org/officeDocument/2006/relationships" xmlns:p="http://schemas.openxmlformats.org/presentationml/2006/main">
   <p:cSld>
     <p:spTree>
@@ -9182,17 +8614,248 @@
   <p:clrMapOvr>
     <a:masterClrMapping/>
   </p:clrMapOvr>
-  <p:timing>
-    <p:tnLst>
-      <p:par>
-        <p:cTn id="1" dur="indefinite" restart="never" nodeType="tmRoot"/>
-      </p:par>
-    </p:tnLst>
-  </p:timing>
 </p:sld>
 </file>
 
-<file path=ppt/slides/slide21.xml><?xml version="1.0" encoding="utf-8"?>
+<file path=ppt/slides/slide17.xml><?xml version="1.0" encoding="utf-8"?>
+<p:sld xmlns:a="http://schemas.openxmlformats.org/drawingml/2006/main" xmlns:r="http://schemas.openxmlformats.org/officeDocument/2006/relationships" xmlns:p="http://schemas.openxmlformats.org/presentationml/2006/main">
+  <p:cSld>
+    <p:spTree>
+      <p:nvGrpSpPr>
+        <p:cNvPr id="1" name=""/>
+        <p:cNvGrpSpPr/>
+        <p:nvPr/>
+      </p:nvGrpSpPr>
+      <p:grpSpPr>
+        <a:xfrm>
+          <a:off x="0" y="0"/>
+          <a:ext cx="0" cy="0"/>
+          <a:chOff x="0" y="0"/>
+          <a:chExt cx="0" cy="0"/>
+        </a:xfrm>
+      </p:grpSpPr>
+      <p:sp>
+        <p:nvSpPr>
+          <p:cNvPr id="2" name="Title 1"/>
+          <p:cNvSpPr>
+            <a:spLocks noGrp="1"/>
+          </p:cNvSpPr>
+          <p:nvPr>
+            <p:ph type="title"/>
+          </p:nvPr>
+        </p:nvSpPr>
+        <p:spPr/>
+        <p:txBody>
+          <a:bodyPr>
+            <a:normAutofit/>
+          </a:bodyPr>
+          <a:lstStyle/>
+          <a:p>
+            <a:r>
+              <a:rPr lang="en-US" sz="4355" dirty="0"/>
+              <a:t>The data deluge</a:t>
+            </a:r>
+          </a:p>
+        </p:txBody>
+      </p:sp>
+      <p:sp>
+        <p:nvSpPr>
+          <p:cNvPr id="6" name="Content Placeholder 5"/>
+          <p:cNvSpPr txBox="1">
+            <a:spLocks noGrp="1"/>
+          </p:cNvSpPr>
+          <p:nvPr>
+            <p:ph idx="1"/>
+          </p:nvPr>
+        </p:nvSpPr>
+        <p:spPr>
+          <a:xfrm>
+            <a:off x="2177349" y="5986709"/>
+            <a:ext cx="8195901" cy="535531"/>
+          </a:xfrm>
+          <a:prstGeom prst="rect">
+            <a:avLst/>
+          </a:prstGeom>
+          <a:noFill/>
+        </p:spPr>
+        <p:txBody>
+          <a:bodyPr wrap="square" rtlCol="0">
+            <a:spAutoFit/>
+          </a:bodyPr>
+          <a:lstStyle/>
+          <a:p>
+            <a:pPr algn="ctr"/>
+            <a:r>
+              <a:rPr lang="en-US" sz="3200" dirty="0">
+                <a:solidFill>
+                  <a:srgbClr val="FF0000"/>
+                </a:solidFill>
+              </a:rPr>
+              <a:t>Plucking the biology from the Noise</a:t>
+            </a:r>
+          </a:p>
+        </p:txBody>
+      </p:sp>
+      <p:pic>
+        <p:nvPicPr>
+          <p:cNvPr id="5" name="Picture 4"/>
+          <p:cNvPicPr>
+            <a:picLocks noChangeAspect="1"/>
+          </p:cNvPicPr>
+          <p:nvPr/>
+        </p:nvPicPr>
+        <p:blipFill>
+          <a:blip r:embed="rId2"/>
+          <a:stretch>
+            <a:fillRect/>
+          </a:stretch>
+        </p:blipFill>
+        <p:spPr>
+          <a:xfrm>
+            <a:off x="2973752" y="1908200"/>
+            <a:ext cx="6855120" cy="3859605"/>
+          </a:xfrm>
+          <a:prstGeom prst="rect">
+            <a:avLst/>
+          </a:prstGeom>
+        </p:spPr>
+      </p:pic>
+    </p:spTree>
+    <p:extLst>
+      <p:ext uri="{BB962C8B-B14F-4D97-AF65-F5344CB8AC3E}">
+        <p14:creationId xmlns:p14="http://schemas.microsoft.com/office/powerpoint/2010/main" val="1292502476"/>
+      </p:ext>
+    </p:extLst>
+  </p:cSld>
+  <p:clrMapOvr>
+    <a:masterClrMapping/>
+  </p:clrMapOvr>
+</p:sld>
+</file>
+
+<file path=ppt/slides/slide18.xml><?xml version="1.0" encoding="utf-8"?>
+<p:sld xmlns:a="http://schemas.openxmlformats.org/drawingml/2006/main" xmlns:r="http://schemas.openxmlformats.org/officeDocument/2006/relationships" xmlns:p="http://schemas.openxmlformats.org/presentationml/2006/main">
+  <p:cSld>
+    <p:spTree>
+      <p:nvGrpSpPr>
+        <p:cNvPr id="1" name=""/>
+        <p:cNvGrpSpPr/>
+        <p:nvPr/>
+      </p:nvGrpSpPr>
+      <p:grpSpPr>
+        <a:xfrm>
+          <a:off x="0" y="0"/>
+          <a:ext cx="0" cy="0"/>
+          <a:chOff x="0" y="0"/>
+          <a:chExt cx="0" cy="0"/>
+        </a:xfrm>
+      </p:grpSpPr>
+      <p:sp>
+        <p:nvSpPr>
+          <p:cNvPr id="2" name="Title 1"/>
+          <p:cNvSpPr>
+            <a:spLocks noGrp="1"/>
+          </p:cNvSpPr>
+          <p:nvPr>
+            <p:ph type="title"/>
+          </p:nvPr>
+        </p:nvSpPr>
+        <p:spPr/>
+        <p:txBody>
+          <a:bodyPr>
+            <a:normAutofit/>
+          </a:bodyPr>
+          <a:lstStyle/>
+          <a:p>
+            <a:r>
+              <a:rPr lang="en-US" sz="4355" dirty="0"/>
+              <a:t>Reality</a:t>
+            </a:r>
+          </a:p>
+        </p:txBody>
+      </p:sp>
+      <p:sp>
+        <p:nvSpPr>
+          <p:cNvPr id="5" name="Content Placeholder 5"/>
+          <p:cNvSpPr txBox="1">
+            <a:spLocks noGrp="1"/>
+          </p:cNvSpPr>
+          <p:nvPr>
+            <p:ph idx="1"/>
+          </p:nvPr>
+        </p:nvSpPr>
+        <p:spPr>
+          <a:xfrm>
+            <a:off x="2177349" y="5986709"/>
+            <a:ext cx="8195901" cy="535531"/>
+          </a:xfrm>
+          <a:prstGeom prst="rect">
+            <a:avLst/>
+          </a:prstGeom>
+          <a:noFill/>
+        </p:spPr>
+        <p:txBody>
+          <a:bodyPr wrap="square" rtlCol="0">
+            <a:spAutoFit/>
+          </a:bodyPr>
+          <a:lstStyle/>
+          <a:p>
+            <a:pPr algn="ctr"/>
+            <a:r>
+              <a:rPr lang="en-US" sz="3200" dirty="0">
+                <a:solidFill>
+                  <a:srgbClr val="FF0000"/>
+                </a:solidFill>
+              </a:rPr>
+              <a:t>Its much more difficult than we may first think</a:t>
+            </a:r>
+          </a:p>
+        </p:txBody>
+      </p:sp>
+      <p:pic>
+        <p:nvPicPr>
+          <p:cNvPr id="4" name="Picture 3" descr="AssemblyisHard.png"/>
+          <p:cNvPicPr>
+            <a:picLocks noChangeAspect="1"/>
+          </p:cNvPicPr>
+          <p:nvPr/>
+        </p:nvPicPr>
+        <p:blipFill>
+          <a:blip r:embed="rId2">
+            <a:extLst>
+              <a:ext uri="{28A0092B-C50C-407E-A947-70E740481C1C}">
+                <a14:useLocalDpi xmlns:a14="http://schemas.microsoft.com/office/drawing/2010/main" val="0"/>
+              </a:ext>
+            </a:extLst>
+          </a:blip>
+          <a:stretch>
+            <a:fillRect/>
+          </a:stretch>
+        </p:blipFill>
+        <p:spPr>
+          <a:xfrm>
+            <a:off x="3160715" y="1562564"/>
+            <a:ext cx="6391649" cy="4305485"/>
+          </a:xfrm>
+          <a:prstGeom prst="rect">
+            <a:avLst/>
+          </a:prstGeom>
+        </p:spPr>
+      </p:pic>
+    </p:spTree>
+    <p:extLst>
+      <p:ext uri="{BB962C8B-B14F-4D97-AF65-F5344CB8AC3E}">
+        <p14:creationId xmlns:p14="http://schemas.microsoft.com/office/powerpoint/2010/main" val="1292024727"/>
+      </p:ext>
+    </p:extLst>
+  </p:cSld>
+  <p:clrMapOvr>
+    <a:masterClrMapping/>
+  </p:clrMapOvr>
+</p:sld>
+</file>
+
+<file path=ppt/slides/slide19.xml><?xml version="1.0" encoding="utf-8"?>
 <p:sld xmlns:a="http://schemas.openxmlformats.org/drawingml/2006/main" xmlns:r="http://schemas.openxmlformats.org/officeDocument/2006/relationships" xmlns:p="http://schemas.openxmlformats.org/presentationml/2006/main">
   <p:cSld>
     <p:spTree>
@@ -9738,17 +9401,117 @@
   <p:clrMapOvr>
     <a:masterClrMapping/>
   </p:clrMapOvr>
-  <p:timing>
-    <p:tnLst>
-      <p:par>
-        <p:cTn id="1" dur="indefinite" restart="never" nodeType="tmRoot"/>
-      </p:par>
-    </p:tnLst>
-  </p:timing>
 </p:sld>
 </file>
 
-<file path=ppt/slides/slide22.xml><?xml version="1.0" encoding="utf-8"?>
+<file path=ppt/slides/slide2.xml><?xml version="1.0" encoding="utf-8"?>
+<p:sld xmlns:a="http://schemas.openxmlformats.org/drawingml/2006/main" xmlns:r="http://schemas.openxmlformats.org/officeDocument/2006/relationships" xmlns:p="http://schemas.openxmlformats.org/presentationml/2006/main">
+  <p:cSld>
+    <p:spTree>
+      <p:nvGrpSpPr>
+        <p:cNvPr id="1" name=""/>
+        <p:cNvGrpSpPr/>
+        <p:nvPr/>
+      </p:nvGrpSpPr>
+      <p:grpSpPr>
+        <a:xfrm>
+          <a:off x="0" y="0"/>
+          <a:ext cx="0" cy="0"/>
+          <a:chOff x="0" y="0"/>
+          <a:chExt cx="0" cy="0"/>
+        </a:xfrm>
+      </p:grpSpPr>
+      <p:sp>
+        <p:nvSpPr>
+          <p:cNvPr id="3" name="Title 2"/>
+          <p:cNvSpPr>
+            <a:spLocks noGrp="1"/>
+          </p:cNvSpPr>
+          <p:nvPr>
+            <p:ph type="title"/>
+          </p:nvPr>
+        </p:nvSpPr>
+        <p:spPr/>
+        <p:txBody>
+          <a:bodyPr>
+            <a:normAutofit/>
+          </a:bodyPr>
+          <a:lstStyle/>
+          <a:p>
+            <a:r>
+              <a:rPr lang="en-US" sz="4355" dirty="0"/>
+              <a:t>Outline</a:t>
+            </a:r>
+          </a:p>
+        </p:txBody>
+      </p:sp>
+      <p:sp>
+        <p:nvSpPr>
+          <p:cNvPr id="4" name="Content Placeholder 3"/>
+          <p:cNvSpPr>
+            <a:spLocks noGrp="1"/>
+          </p:cNvSpPr>
+          <p:nvPr>
+            <p:ph idx="1"/>
+          </p:nvPr>
+        </p:nvSpPr>
+        <p:spPr/>
+        <p:txBody>
+          <a:bodyPr>
+            <a:normAutofit/>
+          </a:bodyPr>
+          <a:lstStyle/>
+          <a:p>
+            <a:pPr marL="414772" indent="-414772"/>
+            <a:r>
+              <a:rPr lang="en-US" sz="2903" dirty="0"/>
+              <a:t>Advances in DNA Sequencing</a:t>
+            </a:r>
+          </a:p>
+          <a:p>
+            <a:pPr marL="414772" indent="-414772"/>
+            <a:r>
+              <a:rPr lang="en-US" sz="2903" dirty="0"/>
+              <a:t>The World we are presented with</a:t>
+            </a:r>
+          </a:p>
+          <a:p>
+            <a:pPr marL="414772" indent="-414772"/>
+            <a:r>
+              <a:rPr lang="en-US" sz="2903" dirty="0"/>
+              <a:t>Bioinformatics as Data Science</a:t>
+            </a:r>
+          </a:p>
+          <a:p>
+            <a:pPr marL="414772" indent="-414772"/>
+            <a:r>
+              <a:rPr lang="en-US" sz="2903" dirty="0"/>
+              <a:t>Training</a:t>
+            </a:r>
+          </a:p>
+          <a:p>
+            <a:pPr marL="414772" indent="-414772"/>
+            <a:r>
+              <a:rPr lang="en-US" sz="2903" dirty="0"/>
+              <a:t>The Bottom Line</a:t>
+            </a:r>
+          </a:p>
+        </p:txBody>
+      </p:sp>
+    </p:spTree>
+    <p:extLst>
+      <p:ext uri="{BB962C8B-B14F-4D97-AF65-F5344CB8AC3E}">
+        <p14:creationId xmlns:p14="http://schemas.microsoft.com/office/powerpoint/2010/main" val="190373781"/>
+      </p:ext>
+    </p:extLst>
+  </p:cSld>
+  <p:clrMapOvr>
+    <a:masterClrMapping/>
+  </p:clrMapOvr>
+</p:sld>
+</file>
+
+<file path=ppt/slides/slide20.xml><?xml version="1.0" encoding="utf-8"?>
 <p:sld xmlns:a="http://schemas.openxmlformats.org/drawingml/2006/main" xmlns:r="http://schemas.openxmlformats.org/officeDocument/2006/relationships" xmlns:p="http://schemas.openxmlformats.org/presentationml/2006/main">
   <p:cSld>
     <p:spTree>
@@ -9897,13 +9660,418 @@
   <p:clrMapOvr>
     <a:masterClrMapping/>
   </p:clrMapOvr>
-  <p:timing>
-    <p:tnLst>
-      <p:par>
-        <p:cTn id="1" dur="indefinite" restart="never" nodeType="tmRoot"/>
-      </p:par>
-    </p:tnLst>
-  </p:timing>
+</p:sld>
+</file>
+
+<file path=ppt/slides/slide21.xml><?xml version="1.0" encoding="utf-8"?>
+<p:sld xmlns:a="http://schemas.openxmlformats.org/drawingml/2006/main" xmlns:r="http://schemas.openxmlformats.org/officeDocument/2006/relationships" xmlns:p="http://schemas.openxmlformats.org/presentationml/2006/main">
+  <p:cSld>
+    <p:spTree>
+      <p:nvGrpSpPr>
+        <p:cNvPr id="1" name=""/>
+        <p:cNvGrpSpPr/>
+        <p:nvPr/>
+      </p:nvGrpSpPr>
+      <p:grpSpPr>
+        <a:xfrm>
+          <a:off x="0" y="0"/>
+          <a:ext cx="0" cy="0"/>
+          <a:chOff x="0" y="0"/>
+          <a:chExt cx="0" cy="0"/>
+        </a:xfrm>
+      </p:grpSpPr>
+      <p:sp>
+        <p:nvSpPr>
+          <p:cNvPr id="2" name="Title 1"/>
+          <p:cNvSpPr>
+            <a:spLocks noGrp="1"/>
+          </p:cNvSpPr>
+          <p:nvPr>
+            <p:ph type="title"/>
+          </p:nvPr>
+        </p:nvSpPr>
+        <p:spPr>
+          <a:xfrm>
+            <a:off x="2294001" y="273630"/>
+            <a:ext cx="7881949" cy="1143480"/>
+          </a:xfrm>
+        </p:spPr>
+        <p:txBody>
+          <a:bodyPr>
+            <a:normAutofit/>
+          </a:bodyPr>
+          <a:lstStyle/>
+          <a:p>
+            <a:r>
+              <a:rPr lang="en-US" sz="4355" dirty="0"/>
+              <a:t>7 Stages to Data Science</a:t>
+            </a:r>
+          </a:p>
+        </p:txBody>
+      </p:sp>
+      <p:sp>
+        <p:nvSpPr>
+          <p:cNvPr id="3" name="Rectangle 2"/>
+          <p:cNvSpPr/>
+          <p:nvPr/>
+        </p:nvSpPr>
+        <p:spPr>
+          <a:xfrm>
+            <a:off x="2294001" y="2088735"/>
+            <a:ext cx="6083199" cy="4559582"/>
+          </a:xfrm>
+          <a:prstGeom prst="rect">
+            <a:avLst/>
+          </a:prstGeom>
+        </p:spPr>
+        <p:txBody>
+          <a:bodyPr wrap="square">
+            <a:spAutoFit/>
+          </a:bodyPr>
+          <a:lstStyle/>
+          <a:p>
+            <a:pPr marL="466618" indent="-466618">
+              <a:buFont typeface="+mj-lt"/>
+              <a:buAutoNum type="arabicPeriod"/>
+            </a:pPr>
+            <a:r>
+              <a:rPr lang="en-US" sz="2903" dirty="0">
+                <a:solidFill>
+                  <a:srgbClr val="0000FF"/>
+                </a:solidFill>
+              </a:rPr>
+              <a:t>Define the question of interest</a:t>
+            </a:r>
+          </a:p>
+          <a:p>
+            <a:pPr marL="466618" indent="-466618">
+              <a:buFont typeface="+mj-lt"/>
+              <a:buAutoNum type="arabicPeriod"/>
+            </a:pPr>
+            <a:endParaRPr lang="en-US" sz="2903" dirty="0"/>
+          </a:p>
+          <a:p>
+            <a:pPr marL="466618" indent="-466618">
+              <a:buFont typeface="+mj-lt"/>
+              <a:buAutoNum type="arabicPeriod"/>
+            </a:pPr>
+            <a:r>
+              <a:rPr lang="en-US" sz="2903" dirty="0">
+                <a:solidFill>
+                  <a:srgbClr val="008000"/>
+                </a:solidFill>
+              </a:rPr>
+              <a:t>Get the data</a:t>
+            </a:r>
+          </a:p>
+          <a:p>
+            <a:pPr marL="466618" indent="-466618">
+              <a:buFont typeface="+mj-lt"/>
+              <a:buAutoNum type="arabicPeriod"/>
+            </a:pPr>
+            <a:r>
+              <a:rPr lang="en-US" sz="2903" dirty="0">
+                <a:solidFill>
+                  <a:srgbClr val="008000"/>
+                </a:solidFill>
+              </a:rPr>
+              <a:t>Clean the data</a:t>
+            </a:r>
+          </a:p>
+          <a:p>
+            <a:pPr marL="466618" indent="-466618">
+              <a:buFont typeface="+mj-lt"/>
+              <a:buAutoNum type="arabicPeriod"/>
+            </a:pPr>
+            <a:r>
+              <a:rPr lang="en-US" sz="2903" dirty="0">
+                <a:solidFill>
+                  <a:srgbClr val="008000"/>
+                </a:solidFill>
+              </a:rPr>
+              <a:t>Explore the data</a:t>
+            </a:r>
+          </a:p>
+          <a:p>
+            <a:pPr marL="466618" indent="-466618">
+              <a:buFont typeface="+mj-lt"/>
+              <a:buAutoNum type="arabicPeriod"/>
+            </a:pPr>
+            <a:endParaRPr lang="en-US" sz="2903" dirty="0"/>
+          </a:p>
+          <a:p>
+            <a:pPr marL="466618" indent="-466618">
+              <a:buFont typeface="+mj-lt"/>
+              <a:buAutoNum type="arabicPeriod"/>
+            </a:pPr>
+            <a:r>
+              <a:rPr lang="en-US" sz="2903" dirty="0">
+                <a:solidFill>
+                  <a:srgbClr val="FF0000"/>
+                </a:solidFill>
+              </a:rPr>
+              <a:t>Fit statistical models</a:t>
+            </a:r>
+          </a:p>
+          <a:p>
+            <a:pPr marL="466618" indent="-466618">
+              <a:buFont typeface="+mj-lt"/>
+              <a:buAutoNum type="arabicPeriod"/>
+            </a:pPr>
+            <a:endParaRPr lang="en-US" sz="2903" dirty="0"/>
+          </a:p>
+          <a:p>
+            <a:pPr marL="466618" indent="-466618">
+              <a:buFont typeface="+mj-lt"/>
+              <a:buAutoNum type="arabicPeriod"/>
+            </a:pPr>
+            <a:r>
+              <a:rPr lang="en-US" sz="2903" dirty="0">
+                <a:solidFill>
+                  <a:srgbClr val="660066"/>
+                </a:solidFill>
+              </a:rPr>
+              <a:t>Communicate the results</a:t>
+            </a:r>
+          </a:p>
+          <a:p>
+            <a:pPr marL="466618" indent="-466618">
+              <a:buFont typeface="+mj-lt"/>
+              <a:buAutoNum type="arabicPeriod"/>
+            </a:pPr>
+            <a:r>
+              <a:rPr lang="en-US" sz="2903" dirty="0">
+                <a:solidFill>
+                  <a:srgbClr val="660066"/>
+                </a:solidFill>
+              </a:rPr>
+              <a:t>Make your analysis reproducible</a:t>
+            </a:r>
+          </a:p>
+        </p:txBody>
+      </p:sp>
+    </p:spTree>
+    <p:extLst>
+      <p:ext uri="{BB962C8B-B14F-4D97-AF65-F5344CB8AC3E}">
+        <p14:creationId xmlns:p14="http://schemas.microsoft.com/office/powerpoint/2010/main" val="904823359"/>
+      </p:ext>
+    </p:extLst>
+  </p:cSld>
+  <p:clrMapOvr>
+    <a:masterClrMapping/>
+  </p:clrMapOvr>
+</p:sld>
+</file>
+
+<file path=ppt/slides/slide22.xml><?xml version="1.0" encoding="utf-8"?>
+<p:sld xmlns:a="http://schemas.openxmlformats.org/drawingml/2006/main" xmlns:r="http://schemas.openxmlformats.org/officeDocument/2006/relationships" xmlns:p="http://schemas.openxmlformats.org/presentationml/2006/main">
+  <p:cSld>
+    <p:spTree>
+      <p:nvGrpSpPr>
+        <p:cNvPr id="1" name=""/>
+        <p:cNvGrpSpPr/>
+        <p:nvPr/>
+      </p:nvGrpSpPr>
+      <p:grpSpPr>
+        <a:xfrm>
+          <a:off x="0" y="0"/>
+          <a:ext cx="0" cy="0"/>
+          <a:chOff x="0" y="0"/>
+          <a:chExt cx="0" cy="0"/>
+        </a:xfrm>
+      </p:grpSpPr>
+      <p:sp>
+        <p:nvSpPr>
+          <p:cNvPr id="2" name="Title 1"/>
+          <p:cNvSpPr>
+            <a:spLocks noGrp="1"/>
+          </p:cNvSpPr>
+          <p:nvPr>
+            <p:ph type="title"/>
+          </p:nvPr>
+        </p:nvSpPr>
+        <p:spPr>
+          <a:xfrm>
+            <a:off x="2570511" y="273630"/>
+            <a:ext cx="7605439" cy="1143480"/>
+          </a:xfrm>
+        </p:spPr>
+        <p:txBody>
+          <a:bodyPr>
+            <a:normAutofit/>
+          </a:bodyPr>
+          <a:lstStyle/>
+          <a:p>
+            <a:endParaRPr lang="en-US" sz="4355"/>
+          </a:p>
+        </p:txBody>
+      </p:sp>
+      <p:sp>
+        <p:nvSpPr>
+          <p:cNvPr id="3" name="Rectangle 2"/>
+          <p:cNvSpPr/>
+          <p:nvPr/>
+        </p:nvSpPr>
+        <p:spPr>
+          <a:xfrm>
+            <a:off x="2777892" y="1977327"/>
+            <a:ext cx="5286447" cy="539058"/>
+          </a:xfrm>
+          <a:prstGeom prst="rect">
+            <a:avLst/>
+          </a:prstGeom>
+        </p:spPr>
+        <p:txBody>
+          <a:bodyPr wrap="none">
+            <a:spAutoFit/>
+          </a:bodyPr>
+          <a:lstStyle/>
+          <a:p>
+            <a:pPr marL="466618" indent="-466618">
+              <a:buFont typeface="+mj-lt"/>
+              <a:buAutoNum type="arabicPeriod"/>
+            </a:pPr>
+            <a:r>
+              <a:rPr lang="en-US" sz="2903" dirty="0">
+                <a:solidFill>
+                  <a:srgbClr val="0000FF"/>
+                </a:solidFill>
+              </a:rPr>
+              <a:t>Define the question of interest</a:t>
+            </a:r>
+          </a:p>
+        </p:txBody>
+      </p:sp>
+      <p:sp>
+        <p:nvSpPr>
+          <p:cNvPr id="4" name="TextBox 3"/>
+          <p:cNvSpPr txBox="1"/>
+          <p:nvPr/>
+        </p:nvSpPr>
+        <p:spPr>
+          <a:xfrm>
+            <a:off x="2847019" y="2806855"/>
+            <a:ext cx="5530181" cy="3610155"/>
+          </a:xfrm>
+          <a:prstGeom prst="rect">
+            <a:avLst/>
+          </a:prstGeom>
+          <a:noFill/>
+        </p:spPr>
+        <p:txBody>
+          <a:bodyPr wrap="square" rtlCol="0">
+            <a:spAutoFit/>
+          </a:bodyPr>
+          <a:lstStyle/>
+          <a:p>
+            <a:r>
+              <a:rPr lang="en-US" sz="2177" b="1" dirty="0">
+                <a:solidFill>
+                  <a:srgbClr val="000090"/>
+                </a:solidFill>
+              </a:rPr>
+              <a:t>Begin with the end in mind!</a:t>
+            </a:r>
+          </a:p>
+          <a:p>
+            <a:r>
+              <a:rPr lang="en-US" sz="2177" dirty="0">
+                <a:solidFill>
+                  <a:srgbClr val="000000"/>
+                </a:solidFill>
+              </a:rPr>
+              <a:t>	what is the question</a:t>
+            </a:r>
+          </a:p>
+          <a:p>
+            <a:r>
+              <a:rPr lang="en-US" sz="2177" dirty="0">
+                <a:solidFill>
+                  <a:srgbClr val="000000"/>
+                </a:solidFill>
+              </a:rPr>
+              <a:t>	how are we to know we are successful</a:t>
+            </a:r>
+          </a:p>
+          <a:p>
+            <a:r>
+              <a:rPr lang="en-US" sz="2177" dirty="0">
+                <a:solidFill>
+                  <a:srgbClr val="000000"/>
+                </a:solidFill>
+              </a:rPr>
+              <a:t>	what are our expectations</a:t>
+            </a:r>
+          </a:p>
+          <a:p>
+            <a:endParaRPr lang="en-US" sz="2177" dirty="0">
+              <a:solidFill>
+                <a:srgbClr val="000000"/>
+              </a:solidFill>
+            </a:endParaRPr>
+          </a:p>
+          <a:p>
+            <a:r>
+              <a:rPr lang="en-US" sz="2177" b="1" dirty="0">
+                <a:solidFill>
+                  <a:srgbClr val="000000"/>
+                </a:solidFill>
+              </a:rPr>
+              <a:t>	dictates </a:t>
+            </a:r>
+          </a:p>
+          <a:p>
+            <a:r>
+              <a:rPr lang="en-US" sz="2177" dirty="0">
+                <a:solidFill>
+                  <a:srgbClr val="000000"/>
+                </a:solidFill>
+              </a:rPr>
+              <a:t>	the data that should be collected</a:t>
+            </a:r>
+          </a:p>
+          <a:p>
+            <a:r>
+              <a:rPr lang="en-US" sz="2177" dirty="0">
+                <a:solidFill>
+                  <a:srgbClr val="000000"/>
+                </a:solidFill>
+              </a:rPr>
+              <a:t>	the features being analyzed</a:t>
+            </a:r>
+          </a:p>
+          <a:p>
+            <a:r>
+              <a:rPr lang="en-US" sz="2177" dirty="0">
+                <a:solidFill>
+                  <a:srgbClr val="000000"/>
+                </a:solidFill>
+              </a:rPr>
+              <a:t>	which algorithms should be use</a:t>
+            </a:r>
+            <a:r>
+              <a:rPr lang="en-US" sz="1633" dirty="0"/>
+              <a:t>		</a:t>
+            </a:r>
+          </a:p>
+          <a:p>
+            <a:r>
+              <a:rPr lang="en-US" sz="1633" dirty="0"/>
+              <a:t>	</a:t>
+            </a:r>
+          </a:p>
+        </p:txBody>
+      </p:sp>
+    </p:spTree>
+    <p:extLst>
+      <p:ext uri="{BB962C8B-B14F-4D97-AF65-F5344CB8AC3E}">
+        <p14:creationId xmlns:p14="http://schemas.microsoft.com/office/powerpoint/2010/main" val="650966830"/>
+      </p:ext>
+    </p:extLst>
+  </p:cSld>
+  <p:clrMapOvr>
+    <a:masterClrMapping/>
+  </p:clrMapOvr>
 </p:sld>
 </file>
 
@@ -9936,8 +10104,8 @@
         </p:nvSpPr>
         <p:spPr>
           <a:xfrm>
-            <a:off x="2294001" y="273630"/>
-            <a:ext cx="7881949" cy="1143480"/>
+            <a:off x="2708765" y="273630"/>
+            <a:ext cx="7467184" cy="1143480"/>
           </a:xfrm>
         </p:spPr>
         <p:txBody>
@@ -9946,10 +10114,7 @@
           </a:bodyPr>
           <a:lstStyle/>
           <a:p>
-            <a:r>
-              <a:rPr lang="en-US" sz="4355" dirty="0"/>
-              <a:t>7 Stages to Data Science</a:t>
-            </a:r>
+            <a:endParaRPr lang="en-US" sz="4355"/>
           </a:p>
         </p:txBody>
       </p:sp>
@@ -9961,43 +10126,22 @@
         </p:nvSpPr>
         <p:spPr>
           <a:xfrm>
-            <a:off x="2294001" y="2088735"/>
-            <a:ext cx="6083199" cy="4559582"/>
+            <a:off x="2708765" y="1908201"/>
+            <a:ext cx="4571040" cy="1432508"/>
           </a:xfrm>
           <a:prstGeom prst="rect">
             <a:avLst/>
           </a:prstGeom>
         </p:spPr>
         <p:txBody>
-          <a:bodyPr wrap="square">
+          <a:bodyPr>
             <a:spAutoFit/>
           </a:bodyPr>
           <a:lstStyle/>
           <a:p>
             <a:pPr marL="466618" indent="-466618">
               <a:buFont typeface="+mj-lt"/>
-              <a:buAutoNum type="arabicPeriod"/>
-            </a:pPr>
-            <a:r>
-              <a:rPr lang="en-US" sz="2903" dirty="0">
-                <a:solidFill>
-                  <a:srgbClr val="0000FF"/>
-                </a:solidFill>
-              </a:rPr>
-              <a:t>Define the question of interest</a:t>
-            </a:r>
-          </a:p>
-          <a:p>
-            <a:pPr marL="466618" indent="-466618">
-              <a:buFont typeface="+mj-lt"/>
-              <a:buAutoNum type="arabicPeriod"/>
-            </a:pPr>
-            <a:endParaRPr lang="en-US" sz="2903" dirty="0"/>
-          </a:p>
-          <a:p>
-            <a:pPr marL="466618" indent="-466618">
-              <a:buFont typeface="+mj-lt"/>
-              <a:buAutoNum type="arabicPeriod"/>
+              <a:buAutoNum type="arabicPeriod" startAt="2"/>
             </a:pPr>
             <a:r>
               <a:rPr lang="en-US" sz="2903" dirty="0">
@@ -10011,7 +10155,7 @@
           <a:p>
             <a:pPr marL="466618" indent="-466618">
               <a:buFont typeface="+mj-lt"/>
-              <a:buAutoNum type="arabicPeriod"/>
+              <a:buAutoNum type="arabicPeriod" startAt="2"/>
             </a:pPr>
             <a:r>
               <a:rPr lang="en-US" sz="2903" dirty="0">
@@ -10025,7 +10169,7 @@
           <a:p>
             <a:pPr marL="466618" indent="-466618">
               <a:buFont typeface="+mj-lt"/>
-              <a:buAutoNum type="arabicPeriod"/>
+              <a:buAutoNum type="arabicPeriod" startAt="2"/>
             </a:pPr>
             <a:r>
               <a:rPr lang="en-US" sz="2903" dirty="0">
@@ -10036,81 +10180,148 @@
               <a:t>Explore the data</a:t>
             </a:r>
           </a:p>
-          <a:p>
-            <a:pPr marL="466618" indent="-466618">
-              <a:buFont typeface="+mj-lt"/>
-              <a:buAutoNum type="arabicPeriod"/>
-            </a:pPr>
-            <a:endParaRPr lang="en-US" sz="2903" dirty="0"/>
-          </a:p>
-          <a:p>
-            <a:pPr marL="466618" indent="-466618">
-              <a:buFont typeface="+mj-lt"/>
-              <a:buAutoNum type="arabicPeriod"/>
-            </a:pPr>
-            <a:r>
-              <a:rPr lang="en-US" sz="2903" dirty="0">
+        </p:txBody>
+      </p:sp>
+      <p:sp>
+        <p:nvSpPr>
+          <p:cNvPr id="4" name="TextBox 3"/>
+          <p:cNvSpPr txBox="1"/>
+          <p:nvPr/>
+        </p:nvSpPr>
+        <p:spPr>
+          <a:xfrm>
+            <a:off x="2708764" y="3498127"/>
+            <a:ext cx="4700654" cy="2102499"/>
+          </a:xfrm>
+          <a:prstGeom prst="rect">
+            <a:avLst/>
+          </a:prstGeom>
+          <a:noFill/>
+        </p:spPr>
+        <p:txBody>
+          <a:bodyPr wrap="square" rtlCol="0">
+            <a:spAutoFit/>
+          </a:bodyPr>
+          <a:lstStyle/>
+          <a:p>
+            <a:r>
+              <a:rPr lang="en-US" sz="2177" b="1" dirty="0">
                 <a:solidFill>
-                  <a:srgbClr val="FF0000"/>
+                  <a:srgbClr val="000090"/>
                 </a:solidFill>
               </a:rPr>
-              <a:t>Fit statistical models</a:t>
-            </a:r>
-          </a:p>
-          <a:p>
-            <a:pPr marL="466618" indent="-466618">
-              <a:buFont typeface="+mj-lt"/>
-              <a:buAutoNum type="arabicPeriod"/>
-            </a:pPr>
-            <a:endParaRPr lang="en-US" sz="2903" dirty="0"/>
-          </a:p>
-          <a:p>
-            <a:pPr marL="466618" indent="-466618">
-              <a:buFont typeface="+mj-lt"/>
-              <a:buAutoNum type="arabicPeriod"/>
-            </a:pPr>
-            <a:r>
-              <a:rPr lang="en-US" sz="2903" dirty="0">
+              <a:t>Know your data!</a:t>
+            </a:r>
+          </a:p>
+          <a:p>
+            <a:pPr marL="368686" indent="-368686"/>
+            <a:r>
+              <a:rPr lang="en-US" sz="2177" dirty="0"/>
+              <a:t>	know what the source was</a:t>
+            </a:r>
+          </a:p>
+          <a:p>
+            <a:pPr marL="368686" indent="-368686"/>
+            <a:r>
+              <a:rPr lang="en-US" sz="2177" dirty="0"/>
+              <a:t>	technical processing in producing data (bias, artifacts, etc.)</a:t>
+            </a:r>
+          </a:p>
+          <a:p>
+            <a:pPr marL="368686" indent="-368686"/>
+            <a:r>
+              <a:rPr lang="en-US" sz="2177" dirty="0"/>
+              <a:t>	“Data Profiling”</a:t>
+            </a:r>
+          </a:p>
+          <a:p>
+            <a:r>
+              <a:rPr lang="en-US" sz="2177" dirty="0"/>
+              <a:t>	</a:t>
+            </a:r>
+          </a:p>
+        </p:txBody>
+      </p:sp>
+      <p:sp>
+        <p:nvSpPr>
+          <p:cNvPr id="5" name="TextBox 4"/>
+          <p:cNvSpPr txBox="1"/>
+          <p:nvPr/>
+        </p:nvSpPr>
+        <p:spPr>
+          <a:xfrm>
+            <a:off x="2708764" y="5433690"/>
+            <a:ext cx="7949635" cy="1097416"/>
+          </a:xfrm>
+          <a:prstGeom prst="rect">
+            <a:avLst/>
+          </a:prstGeom>
+          <a:noFill/>
+        </p:spPr>
+        <p:txBody>
+          <a:bodyPr wrap="square" rtlCol="0">
+            <a:spAutoFit/>
+          </a:bodyPr>
+          <a:lstStyle/>
+          <a:p>
+            <a:r>
+              <a:rPr lang="en-US" sz="2177" b="1" dirty="0">
                 <a:solidFill>
-                  <a:srgbClr val="660066"/>
+                  <a:srgbClr val="000090"/>
                 </a:solidFill>
               </a:rPr>
-              <a:t>Communicate the results</a:t>
-            </a:r>
-          </a:p>
-          <a:p>
-            <a:pPr marL="466618" indent="-466618">
-              <a:buFont typeface="+mj-lt"/>
-              <a:buAutoNum type="arabicPeriod"/>
-            </a:pPr>
-            <a:r>
-              <a:rPr lang="en-US" sz="2903" dirty="0">
-                <a:solidFill>
-                  <a:srgbClr val="660066"/>
-                </a:solidFill>
-              </a:rPr>
-              <a:t>Make your analysis reproducible</a:t>
-            </a:r>
-          </a:p>
-        </p:txBody>
-      </p:sp>
+              <a:t>Data are never perfect but love your data anyway!</a:t>
+            </a:r>
+          </a:p>
+          <a:p>
+            <a:pPr marL="368686" indent="-368686"/>
+            <a:r>
+              <a:rPr lang="en-US" sz="2177" dirty="0"/>
+              <a:t>	the collection of massive data sets often leads to unusual , surprising, unexpected and even outrageous. </a:t>
+            </a:r>
+          </a:p>
+        </p:txBody>
+      </p:sp>
+      <p:pic>
+        <p:nvPicPr>
+          <p:cNvPr id="6" name="Picture 5" descr="url.jpg"/>
+          <p:cNvPicPr>
+            <a:picLocks noChangeAspect="1"/>
+          </p:cNvPicPr>
+          <p:nvPr/>
+        </p:nvPicPr>
+        <p:blipFill>
+          <a:blip r:embed="rId2">
+            <a:extLst>
+              <a:ext uri="{28A0092B-C50C-407E-A947-70E740481C1C}">
+                <a14:useLocalDpi xmlns:a14="http://schemas.microsoft.com/office/drawing/2010/main" val="0"/>
+              </a:ext>
+            </a:extLst>
+          </a:blip>
+          <a:stretch>
+            <a:fillRect/>
+          </a:stretch>
+        </p:blipFill>
+        <p:spPr>
+          <a:xfrm>
+            <a:off x="7822741" y="2322964"/>
+            <a:ext cx="2396412" cy="1566885"/>
+          </a:xfrm>
+          <a:prstGeom prst="rect">
+            <a:avLst/>
+          </a:prstGeom>
+        </p:spPr>
+      </p:pic>
     </p:spTree>
     <p:extLst>
       <p:ext uri="{BB962C8B-B14F-4D97-AF65-F5344CB8AC3E}">
-        <p14:creationId xmlns:p14="http://schemas.microsoft.com/office/powerpoint/2010/main" val="904823359"/>
+        <p14:creationId xmlns:p14="http://schemas.microsoft.com/office/powerpoint/2010/main" val="1517813992"/>
       </p:ext>
     </p:extLst>
   </p:cSld>
   <p:clrMapOvr>
     <a:masterClrMapping/>
   </p:clrMapOvr>
-  <p:timing>
-    <p:tnLst>
-      <p:par>
-        <p:cTn id="1" dur="indefinite" restart="never" nodeType="tmRoot"/>
-      </p:par>
-    </p:tnLst>
-  </p:timing>
 </p:sld>
 </file>
 
@@ -10143,8 +10354,8 @@
         </p:nvSpPr>
         <p:spPr>
           <a:xfrm>
-            <a:off x="2570511" y="273630"/>
-            <a:ext cx="7605439" cy="1143480"/>
+            <a:off x="2363129" y="273630"/>
+            <a:ext cx="7812821" cy="1143480"/>
           </a:xfrm>
         </p:spPr>
         <p:txBody>
@@ -10153,20 +10364,20 @@
           </a:bodyPr>
           <a:lstStyle/>
           <a:p>
-            <a:endParaRPr lang="en-US" sz="4355"/>
-          </a:p>
-        </p:txBody>
-      </p:sp>
-      <p:sp>
-        <p:nvSpPr>
-          <p:cNvPr id="3" name="Rectangle 2"/>
+            <a:endParaRPr lang="en-US" sz="4355" dirty="0"/>
+          </a:p>
+        </p:txBody>
+      </p:sp>
+      <p:sp>
+        <p:nvSpPr>
+          <p:cNvPr id="7" name="Rectangle 6"/>
           <p:cNvSpPr/>
           <p:nvPr/>
         </p:nvSpPr>
         <p:spPr>
           <a:xfrm>
-            <a:off x="2777892" y="1977327"/>
-            <a:ext cx="5286447" cy="539058"/>
+            <a:off x="2847019" y="2046455"/>
+            <a:ext cx="3729162" cy="539058"/>
           </a:xfrm>
           <a:prstGeom prst="rect">
             <a:avLst/>
@@ -10180,37 +10391,36 @@
           <a:p>
             <a:pPr marL="466618" indent="-466618">
               <a:buFont typeface="+mj-lt"/>
-              <a:buAutoNum type="arabicPeriod"/>
+              <a:buAutoNum type="arabicPeriod" startAt="5"/>
             </a:pPr>
             <a:r>
               <a:rPr lang="en-US" sz="2903" dirty="0">
                 <a:solidFill>
-                  <a:srgbClr val="0000FF"/>
+                  <a:srgbClr val="FF0000"/>
                 </a:solidFill>
               </a:rPr>
-              <a:t>Define the question of interest</a:t>
-            </a:r>
-          </a:p>
-        </p:txBody>
-      </p:sp>
-      <p:sp>
-        <p:nvSpPr>
-          <p:cNvPr id="4" name="TextBox 3"/>
-          <p:cNvSpPr txBox="1"/>
+              <a:t>Fit statistical models</a:t>
+            </a:r>
+          </a:p>
+        </p:txBody>
+      </p:sp>
+      <p:sp>
+        <p:nvSpPr>
+          <p:cNvPr id="8" name="Rectangle 7"/>
+          <p:cNvSpPr/>
           <p:nvPr/>
         </p:nvSpPr>
         <p:spPr>
           <a:xfrm>
-            <a:off x="2847019" y="2806855"/>
-            <a:ext cx="5530181" cy="3610155"/>
+            <a:off x="2847019" y="2684560"/>
+            <a:ext cx="7327489" cy="762388"/>
           </a:xfrm>
           <a:prstGeom prst="rect">
             <a:avLst/>
           </a:prstGeom>
-          <a:noFill/>
-        </p:spPr>
-        <p:txBody>
-          <a:bodyPr wrap="square" rtlCol="0">
+        </p:spPr>
+        <p:txBody>
+          <a:bodyPr wrap="square">
             <a:spAutoFit/>
           </a:bodyPr>
           <a:lstStyle/>
@@ -10221,115 +10431,104 @@
                   <a:srgbClr val="000090"/>
                 </a:solidFill>
               </a:rPr>
-              <a:t>Begin with the end in mind!</a:t>
-            </a:r>
-          </a:p>
-          <a:p>
-            <a:r>
-              <a:rPr lang="en-US" sz="2177" dirty="0">
-                <a:solidFill>
-                  <a:srgbClr val="000000"/>
-                </a:solidFill>
-              </a:rPr>
-              <a:t>	what is the question</a:t>
-            </a:r>
-          </a:p>
-          <a:p>
-            <a:r>
-              <a:rPr lang="en-US" sz="2177" dirty="0">
-                <a:solidFill>
-                  <a:srgbClr val="000000"/>
-                </a:solidFill>
-              </a:rPr>
-              <a:t>	how are we to know we are successful</a:t>
-            </a:r>
-          </a:p>
-          <a:p>
-            <a:r>
-              <a:rPr lang="en-US" sz="2177" dirty="0">
-                <a:solidFill>
-                  <a:srgbClr val="000000"/>
-                </a:solidFill>
-              </a:rPr>
-              <a:t>	what are our expectations</a:t>
-            </a:r>
-          </a:p>
-          <a:p>
-            <a:endParaRPr lang="en-US" sz="2177" dirty="0">
-              <a:solidFill>
-                <a:srgbClr val="000000"/>
-              </a:solidFill>
-            </a:endParaRPr>
-          </a:p>
-          <a:p>
-            <a:r>
-              <a:rPr lang="en-US" sz="2177" b="1" dirty="0">
-                <a:solidFill>
-                  <a:srgbClr val="000000"/>
-                </a:solidFill>
-              </a:rPr>
-              <a:t>	dictates </a:t>
-            </a:r>
-          </a:p>
-          <a:p>
-            <a:r>
-              <a:rPr lang="en-US" sz="2177" dirty="0">
-                <a:solidFill>
-                  <a:srgbClr val="000000"/>
-                </a:solidFill>
-              </a:rPr>
-              <a:t>	the data that should be collected</a:t>
-            </a:r>
-          </a:p>
-          <a:p>
-            <a:r>
-              <a:rPr lang="en-US" sz="2177" dirty="0">
-                <a:solidFill>
-                  <a:srgbClr val="000000"/>
-                </a:solidFill>
-              </a:rPr>
-              <a:t>	the features being analyzed</a:t>
-            </a:r>
-          </a:p>
-          <a:p>
-            <a:r>
-              <a:rPr lang="en-US" sz="2177" dirty="0">
-                <a:solidFill>
-                  <a:srgbClr val="000000"/>
-                </a:solidFill>
-              </a:rPr>
-              <a:t>	which algorithms should be use</a:t>
-            </a:r>
-            <a:r>
-              <a:rPr lang="en-US" sz="1633" dirty="0"/>
-              <a:t>		</a:t>
-            </a:r>
-          </a:p>
-          <a:p>
-            <a:r>
-              <a:rPr lang="en-US" sz="1633" dirty="0"/>
+              <a:t>Over fitting is a sin against data science!</a:t>
+            </a:r>
+          </a:p>
+          <a:p>
+            <a:r>
+              <a:rPr lang="en-US" sz="2177" b="1" dirty="0"/>
               <a:t>	</a:t>
             </a:r>
-          </a:p>
-        </p:txBody>
-      </p:sp>
+            <a:r>
+              <a:rPr lang="en-US" sz="2177" dirty="0"/>
+              <a:t>Model’s should not be over-complicated</a:t>
+            </a:r>
+            <a:endParaRPr lang="en-US" sz="2177" b="1" dirty="0"/>
+          </a:p>
+        </p:txBody>
+      </p:sp>
+      <p:sp>
+        <p:nvSpPr>
+          <p:cNvPr id="9" name="Rectangle 8"/>
+          <p:cNvSpPr/>
+          <p:nvPr/>
+        </p:nvSpPr>
+        <p:spPr>
+          <a:xfrm>
+            <a:off x="2224874" y="3567254"/>
+            <a:ext cx="4908035" cy="3107582"/>
+          </a:xfrm>
+          <a:prstGeom prst="rect">
+            <a:avLst/>
+          </a:prstGeom>
+        </p:spPr>
+        <p:txBody>
+          <a:bodyPr wrap="square">
+            <a:spAutoFit/>
+          </a:bodyPr>
+          <a:lstStyle/>
+          <a:p>
+            <a:pPr marL="259232" indent="-259232">
+              <a:buFont typeface="Arial"/>
+              <a:buChar char="•"/>
+            </a:pPr>
+            <a:r>
+              <a:rPr lang="en-US" sz="2177" dirty="0"/>
+              <a:t>If the data scientist has done their job correctly the statistical models don't need to be incredibly complicated to identify important relationships</a:t>
+            </a:r>
+          </a:p>
+          <a:p>
+            <a:pPr marL="259232" indent="-259232">
+              <a:buFont typeface="Arial"/>
+              <a:buChar char="•"/>
+            </a:pPr>
+            <a:r>
+              <a:rPr lang="en-US" sz="2177" dirty="0"/>
+              <a:t>In fact, if a complicated statistical model seems necessary, it often means that you don't have the right data to answer the question you really want to answer.</a:t>
+            </a:r>
+          </a:p>
+        </p:txBody>
+      </p:sp>
+      <p:pic>
+        <p:nvPicPr>
+          <p:cNvPr id="10" name="Picture 9" descr="images.jpg"/>
+          <p:cNvPicPr>
+            <a:picLocks noChangeAspect="1"/>
+          </p:cNvPicPr>
+          <p:nvPr/>
+        </p:nvPicPr>
+        <p:blipFill>
+          <a:blip r:embed="rId3">
+            <a:extLst>
+              <a:ext uri="{28A0092B-C50C-407E-A947-70E740481C1C}">
+                <a14:useLocalDpi xmlns:a14="http://schemas.microsoft.com/office/drawing/2010/main" val="0"/>
+              </a:ext>
+            </a:extLst>
+          </a:blip>
+          <a:stretch>
+            <a:fillRect/>
+          </a:stretch>
+        </p:blipFill>
+        <p:spPr>
+          <a:xfrm>
+            <a:off x="6925527" y="3705509"/>
+            <a:ext cx="3594617" cy="1854915"/>
+          </a:xfrm>
+          <a:prstGeom prst="rect">
+            <a:avLst/>
+          </a:prstGeom>
+        </p:spPr>
+      </p:pic>
     </p:spTree>
     <p:extLst>
       <p:ext uri="{BB962C8B-B14F-4D97-AF65-F5344CB8AC3E}">
-        <p14:creationId xmlns:p14="http://schemas.microsoft.com/office/powerpoint/2010/main" val="650966830"/>
+        <p14:creationId xmlns:p14="http://schemas.microsoft.com/office/powerpoint/2010/main" val="2089004478"/>
       </p:ext>
     </p:extLst>
   </p:cSld>
   <p:clrMapOvr>
     <a:masterClrMapping/>
   </p:clrMapOvr>
-  <p:timing>
-    <p:tnLst>
-      <p:par>
-        <p:cTn id="1" dur="indefinite" restart="never" nodeType="tmRoot"/>
-      </p:par>
-    </p:tnLst>
-  </p:timing>
 </p:sld>
 </file>
 
@@ -10362,477 +10561,6 @@
         </p:nvSpPr>
         <p:spPr>
           <a:xfrm>
-            <a:off x="2708765" y="273630"/>
-            <a:ext cx="7467184" cy="1143480"/>
-          </a:xfrm>
-        </p:spPr>
-        <p:txBody>
-          <a:bodyPr>
-            <a:normAutofit/>
-          </a:bodyPr>
-          <a:lstStyle/>
-          <a:p>
-            <a:endParaRPr lang="en-US" sz="4355"/>
-          </a:p>
-        </p:txBody>
-      </p:sp>
-      <p:sp>
-        <p:nvSpPr>
-          <p:cNvPr id="3" name="Rectangle 2"/>
-          <p:cNvSpPr/>
-          <p:nvPr/>
-        </p:nvSpPr>
-        <p:spPr>
-          <a:xfrm>
-            <a:off x="2708765" y="1908201"/>
-            <a:ext cx="4571040" cy="1432508"/>
-          </a:xfrm>
-          <a:prstGeom prst="rect">
-            <a:avLst/>
-          </a:prstGeom>
-        </p:spPr>
-        <p:txBody>
-          <a:bodyPr>
-            <a:spAutoFit/>
-          </a:bodyPr>
-          <a:lstStyle/>
-          <a:p>
-            <a:pPr marL="466618" indent="-466618">
-              <a:buFont typeface="+mj-lt"/>
-              <a:buAutoNum type="arabicPeriod" startAt="2"/>
-            </a:pPr>
-            <a:r>
-              <a:rPr lang="en-US" sz="2903" dirty="0">
-                <a:solidFill>
-                  <a:srgbClr val="008000"/>
-                </a:solidFill>
-              </a:rPr>
-              <a:t>Get the data</a:t>
-            </a:r>
-          </a:p>
-          <a:p>
-            <a:pPr marL="466618" indent="-466618">
-              <a:buFont typeface="+mj-lt"/>
-              <a:buAutoNum type="arabicPeriod" startAt="2"/>
-            </a:pPr>
-            <a:r>
-              <a:rPr lang="en-US" sz="2903" dirty="0">
-                <a:solidFill>
-                  <a:srgbClr val="008000"/>
-                </a:solidFill>
-              </a:rPr>
-              <a:t>Clean the data</a:t>
-            </a:r>
-          </a:p>
-          <a:p>
-            <a:pPr marL="466618" indent="-466618">
-              <a:buFont typeface="+mj-lt"/>
-              <a:buAutoNum type="arabicPeriod" startAt="2"/>
-            </a:pPr>
-            <a:r>
-              <a:rPr lang="en-US" sz="2903" dirty="0">
-                <a:solidFill>
-                  <a:srgbClr val="008000"/>
-                </a:solidFill>
-              </a:rPr>
-              <a:t>Explore the data</a:t>
-            </a:r>
-          </a:p>
-        </p:txBody>
-      </p:sp>
-      <p:sp>
-        <p:nvSpPr>
-          <p:cNvPr id="4" name="TextBox 3"/>
-          <p:cNvSpPr txBox="1"/>
-          <p:nvPr/>
-        </p:nvSpPr>
-        <p:spPr>
-          <a:xfrm>
-            <a:off x="2708764" y="3498127"/>
-            <a:ext cx="4700654" cy="2102499"/>
-          </a:xfrm>
-          <a:prstGeom prst="rect">
-            <a:avLst/>
-          </a:prstGeom>
-          <a:noFill/>
-        </p:spPr>
-        <p:txBody>
-          <a:bodyPr wrap="square" rtlCol="0">
-            <a:spAutoFit/>
-          </a:bodyPr>
-          <a:lstStyle/>
-          <a:p>
-            <a:r>
-              <a:rPr lang="en-US" sz="2177" b="1" dirty="0">
-                <a:solidFill>
-                  <a:srgbClr val="000090"/>
-                </a:solidFill>
-              </a:rPr>
-              <a:t>Know your data!</a:t>
-            </a:r>
-          </a:p>
-          <a:p>
-            <a:pPr marL="368686" indent="-368686"/>
-            <a:r>
-              <a:rPr lang="en-US" sz="2177" dirty="0"/>
-              <a:t>	know what the source was</a:t>
-            </a:r>
-          </a:p>
-          <a:p>
-            <a:pPr marL="368686" indent="-368686"/>
-            <a:r>
-              <a:rPr lang="en-US" sz="2177" dirty="0"/>
-              <a:t>	technical processing in producing data (bias, artifacts, etc.)</a:t>
-            </a:r>
-          </a:p>
-          <a:p>
-            <a:pPr marL="368686" indent="-368686"/>
-            <a:r>
-              <a:rPr lang="en-US" sz="2177" dirty="0"/>
-              <a:t>	“Data Profiling”</a:t>
-            </a:r>
-          </a:p>
-          <a:p>
-            <a:r>
-              <a:rPr lang="en-US" sz="2177" dirty="0"/>
-              <a:t>	</a:t>
-            </a:r>
-          </a:p>
-        </p:txBody>
-      </p:sp>
-      <p:sp>
-        <p:nvSpPr>
-          <p:cNvPr id="5" name="TextBox 4"/>
-          <p:cNvSpPr txBox="1"/>
-          <p:nvPr/>
-        </p:nvSpPr>
-        <p:spPr>
-          <a:xfrm>
-            <a:off x="2708764" y="5433690"/>
-            <a:ext cx="7949635" cy="1097416"/>
-          </a:xfrm>
-          <a:prstGeom prst="rect">
-            <a:avLst/>
-          </a:prstGeom>
-          <a:noFill/>
-        </p:spPr>
-        <p:txBody>
-          <a:bodyPr wrap="square" rtlCol="0">
-            <a:spAutoFit/>
-          </a:bodyPr>
-          <a:lstStyle/>
-          <a:p>
-            <a:r>
-              <a:rPr lang="en-US" sz="2177" b="1" dirty="0">
-                <a:solidFill>
-                  <a:srgbClr val="000090"/>
-                </a:solidFill>
-              </a:rPr>
-              <a:t>Data are never perfect but love your data anyway!</a:t>
-            </a:r>
-          </a:p>
-          <a:p>
-            <a:pPr marL="368686" indent="-368686"/>
-            <a:r>
-              <a:rPr lang="en-US" sz="2177" dirty="0"/>
-              <a:t>	the collection of massive data sets often leads to unusual , surprising, unexpected and even outrageous. </a:t>
-            </a:r>
-          </a:p>
-        </p:txBody>
-      </p:sp>
-      <p:pic>
-        <p:nvPicPr>
-          <p:cNvPr id="6" name="Picture 5" descr="url.jpg"/>
-          <p:cNvPicPr>
-            <a:picLocks noChangeAspect="1"/>
-          </p:cNvPicPr>
-          <p:nvPr/>
-        </p:nvPicPr>
-        <p:blipFill>
-          <a:blip r:embed="rId2">
-            <a:extLst>
-              <a:ext uri="{28A0092B-C50C-407E-A947-70E740481C1C}">
-                <a14:useLocalDpi xmlns:a14="http://schemas.microsoft.com/office/drawing/2010/main" val="0"/>
-              </a:ext>
-            </a:extLst>
-          </a:blip>
-          <a:stretch>
-            <a:fillRect/>
-          </a:stretch>
-        </p:blipFill>
-        <p:spPr>
-          <a:xfrm>
-            <a:off x="7822741" y="2322964"/>
-            <a:ext cx="2396412" cy="1566885"/>
-          </a:xfrm>
-          <a:prstGeom prst="rect">
-            <a:avLst/>
-          </a:prstGeom>
-        </p:spPr>
-      </p:pic>
-    </p:spTree>
-    <p:extLst>
-      <p:ext uri="{BB962C8B-B14F-4D97-AF65-F5344CB8AC3E}">
-        <p14:creationId xmlns:p14="http://schemas.microsoft.com/office/powerpoint/2010/main" val="1517813992"/>
-      </p:ext>
-    </p:extLst>
-  </p:cSld>
-  <p:clrMapOvr>
-    <a:masterClrMapping/>
-  </p:clrMapOvr>
-  <p:timing>
-    <p:tnLst>
-      <p:par>
-        <p:cTn id="1" dur="indefinite" restart="never" nodeType="tmRoot"/>
-      </p:par>
-    </p:tnLst>
-  </p:timing>
-</p:sld>
-</file>
-
-<file path=ppt/slides/slide26.xml><?xml version="1.0" encoding="utf-8"?>
-<p:sld xmlns:a="http://schemas.openxmlformats.org/drawingml/2006/main" xmlns:r="http://schemas.openxmlformats.org/officeDocument/2006/relationships" xmlns:p="http://schemas.openxmlformats.org/presentationml/2006/main">
-  <p:cSld>
-    <p:spTree>
-      <p:nvGrpSpPr>
-        <p:cNvPr id="1" name=""/>
-        <p:cNvGrpSpPr/>
-        <p:nvPr/>
-      </p:nvGrpSpPr>
-      <p:grpSpPr>
-        <a:xfrm>
-          <a:off x="0" y="0"/>
-          <a:ext cx="0" cy="0"/>
-          <a:chOff x="0" y="0"/>
-          <a:chExt cx="0" cy="0"/>
-        </a:xfrm>
-      </p:grpSpPr>
-      <p:sp>
-        <p:nvSpPr>
-          <p:cNvPr id="2" name="Title 1"/>
-          <p:cNvSpPr>
-            <a:spLocks noGrp="1"/>
-          </p:cNvSpPr>
-          <p:nvPr>
-            <p:ph type="title"/>
-          </p:nvPr>
-        </p:nvSpPr>
-        <p:spPr>
-          <a:xfrm>
-            <a:off x="2363129" y="273630"/>
-            <a:ext cx="7812821" cy="1143480"/>
-          </a:xfrm>
-        </p:spPr>
-        <p:txBody>
-          <a:bodyPr>
-            <a:normAutofit/>
-          </a:bodyPr>
-          <a:lstStyle/>
-          <a:p>
-            <a:endParaRPr lang="en-US" sz="4355" dirty="0"/>
-          </a:p>
-        </p:txBody>
-      </p:sp>
-      <p:sp>
-        <p:nvSpPr>
-          <p:cNvPr id="7" name="Rectangle 6"/>
-          <p:cNvSpPr/>
-          <p:nvPr/>
-        </p:nvSpPr>
-        <p:spPr>
-          <a:xfrm>
-            <a:off x="2847019" y="2046455"/>
-            <a:ext cx="3729162" cy="539058"/>
-          </a:xfrm>
-          <a:prstGeom prst="rect">
-            <a:avLst/>
-          </a:prstGeom>
-        </p:spPr>
-        <p:txBody>
-          <a:bodyPr wrap="none">
-            <a:spAutoFit/>
-          </a:bodyPr>
-          <a:lstStyle/>
-          <a:p>
-            <a:pPr marL="466618" indent="-466618">
-              <a:buFont typeface="+mj-lt"/>
-              <a:buAutoNum type="arabicPeriod" startAt="5"/>
-            </a:pPr>
-            <a:r>
-              <a:rPr lang="en-US" sz="2903" dirty="0">
-                <a:solidFill>
-                  <a:srgbClr val="FF0000"/>
-                </a:solidFill>
-              </a:rPr>
-              <a:t>Fit statistical models</a:t>
-            </a:r>
-          </a:p>
-        </p:txBody>
-      </p:sp>
-      <p:sp>
-        <p:nvSpPr>
-          <p:cNvPr id="8" name="Rectangle 7"/>
-          <p:cNvSpPr/>
-          <p:nvPr/>
-        </p:nvSpPr>
-        <p:spPr>
-          <a:xfrm>
-            <a:off x="2847019" y="2684560"/>
-            <a:ext cx="7327489" cy="762388"/>
-          </a:xfrm>
-          <a:prstGeom prst="rect">
-            <a:avLst/>
-          </a:prstGeom>
-        </p:spPr>
-        <p:txBody>
-          <a:bodyPr wrap="square">
-            <a:spAutoFit/>
-          </a:bodyPr>
-          <a:lstStyle/>
-          <a:p>
-            <a:r>
-              <a:rPr lang="en-US" sz="2177" b="1" dirty="0">
-                <a:solidFill>
-                  <a:srgbClr val="000090"/>
-                </a:solidFill>
-              </a:rPr>
-              <a:t>Over fitting is a sin against data science!</a:t>
-            </a:r>
-          </a:p>
-          <a:p>
-            <a:r>
-              <a:rPr lang="en-US" sz="2177" b="1" dirty="0"/>
-              <a:t>	</a:t>
-            </a:r>
-            <a:r>
-              <a:rPr lang="en-US" sz="2177" dirty="0"/>
-              <a:t>Model’s should not be over-complicated</a:t>
-            </a:r>
-            <a:endParaRPr lang="en-US" sz="2177" b="1" dirty="0"/>
-          </a:p>
-        </p:txBody>
-      </p:sp>
-      <p:sp>
-        <p:nvSpPr>
-          <p:cNvPr id="9" name="Rectangle 8"/>
-          <p:cNvSpPr/>
-          <p:nvPr/>
-        </p:nvSpPr>
-        <p:spPr>
-          <a:xfrm>
-            <a:off x="2224874" y="3567254"/>
-            <a:ext cx="4908035" cy="3107582"/>
-          </a:xfrm>
-          <a:prstGeom prst="rect">
-            <a:avLst/>
-          </a:prstGeom>
-        </p:spPr>
-        <p:txBody>
-          <a:bodyPr wrap="square">
-            <a:spAutoFit/>
-          </a:bodyPr>
-          <a:lstStyle/>
-          <a:p>
-            <a:pPr marL="259232" indent="-259232">
-              <a:buFont typeface="Arial"/>
-              <a:buChar char="•"/>
-            </a:pPr>
-            <a:r>
-              <a:rPr lang="en-US" sz="2177" dirty="0"/>
-              <a:t>If the data scientist has done their job correctly the statistical models don't need to be incredibly complicated to identify important relationships</a:t>
-            </a:r>
-          </a:p>
-          <a:p>
-            <a:pPr marL="259232" indent="-259232">
-              <a:buFont typeface="Arial"/>
-              <a:buChar char="•"/>
-            </a:pPr>
-            <a:r>
-              <a:rPr lang="en-US" sz="2177" dirty="0"/>
-              <a:t>In fact, if a complicated statistical model seems necessary, it often means that you don't have the right data to answer the question you really want to answer.</a:t>
-            </a:r>
-          </a:p>
-        </p:txBody>
-      </p:sp>
-      <p:pic>
-        <p:nvPicPr>
-          <p:cNvPr id="10" name="Picture 9" descr="images.jpg"/>
-          <p:cNvPicPr>
-            <a:picLocks noChangeAspect="1"/>
-          </p:cNvPicPr>
-          <p:nvPr/>
-        </p:nvPicPr>
-        <p:blipFill>
-          <a:blip r:embed="rId3">
-            <a:extLst>
-              <a:ext uri="{28A0092B-C50C-407E-A947-70E740481C1C}">
-                <a14:useLocalDpi xmlns:a14="http://schemas.microsoft.com/office/drawing/2010/main" val="0"/>
-              </a:ext>
-            </a:extLst>
-          </a:blip>
-          <a:stretch>
-            <a:fillRect/>
-          </a:stretch>
-        </p:blipFill>
-        <p:spPr>
-          <a:xfrm>
-            <a:off x="6925527" y="3705509"/>
-            <a:ext cx="3594617" cy="1854915"/>
-          </a:xfrm>
-          <a:prstGeom prst="rect">
-            <a:avLst/>
-          </a:prstGeom>
-        </p:spPr>
-      </p:pic>
-    </p:spTree>
-    <p:extLst>
-      <p:ext uri="{BB962C8B-B14F-4D97-AF65-F5344CB8AC3E}">
-        <p14:creationId xmlns:p14="http://schemas.microsoft.com/office/powerpoint/2010/main" val="2089004478"/>
-      </p:ext>
-    </p:extLst>
-  </p:cSld>
-  <p:clrMapOvr>
-    <a:masterClrMapping/>
-  </p:clrMapOvr>
-  <p:timing>
-    <p:tnLst>
-      <p:par>
-        <p:cTn id="1" dur="indefinite" restart="never" nodeType="tmRoot"/>
-      </p:par>
-    </p:tnLst>
-  </p:timing>
-</p:sld>
-</file>
-
-<file path=ppt/slides/slide27.xml><?xml version="1.0" encoding="utf-8"?>
-<p:sld xmlns:a="http://schemas.openxmlformats.org/drawingml/2006/main" xmlns:r="http://schemas.openxmlformats.org/officeDocument/2006/relationships" xmlns:p="http://schemas.openxmlformats.org/presentationml/2006/main">
-  <p:cSld>
-    <p:spTree>
-      <p:nvGrpSpPr>
-        <p:cNvPr id="1" name=""/>
-        <p:cNvGrpSpPr/>
-        <p:nvPr/>
-      </p:nvGrpSpPr>
-      <p:grpSpPr>
-        <a:xfrm>
-          <a:off x="0" y="0"/>
-          <a:ext cx="0" cy="0"/>
-          <a:chOff x="0" y="0"/>
-          <a:chExt cx="0" cy="0"/>
-        </a:xfrm>
-      </p:grpSpPr>
-      <p:sp>
-        <p:nvSpPr>
-          <p:cNvPr id="2" name="Title 1"/>
-          <p:cNvSpPr>
-            <a:spLocks noGrp="1"/>
-          </p:cNvSpPr>
-          <p:nvPr>
-            <p:ph type="title"/>
-          </p:nvPr>
-        </p:nvSpPr>
-        <p:spPr>
-          <a:xfrm>
             <a:off x="2570511" y="273630"/>
             <a:ext cx="7605439" cy="1143480"/>
           </a:xfrm>
@@ -10984,17 +10712,10 @@
   <p:clrMapOvr>
     <a:masterClrMapping/>
   </p:clrMapOvr>
-  <p:timing>
-    <p:tnLst>
-      <p:par>
-        <p:cTn id="1" dur="indefinite" restart="never" nodeType="tmRoot"/>
-      </p:par>
-    </p:tnLst>
-  </p:timing>
 </p:sld>
 </file>
 
-<file path=ppt/slides/slide28.xml><?xml version="1.0" encoding="utf-8"?>
+<file path=ppt/slides/slide26.xml><?xml version="1.0" encoding="utf-8"?>
 <p:sld xmlns:a="http://schemas.openxmlformats.org/drawingml/2006/main" xmlns:r="http://schemas.openxmlformats.org/officeDocument/2006/relationships" xmlns:p="http://schemas.openxmlformats.org/presentationml/2006/main">
   <p:cSld>
     <p:spTree>
@@ -11123,17 +10844,10 @@
   <p:clrMapOvr>
     <a:masterClrMapping/>
   </p:clrMapOvr>
-  <p:timing>
-    <p:tnLst>
-      <p:par>
-        <p:cTn id="1" dur="indefinite" restart="never" nodeType="tmRoot"/>
-      </p:par>
-    </p:tnLst>
-  </p:timing>
 </p:sld>
 </file>
 
-<file path=ppt/slides/slide29.xml><?xml version="1.0" encoding="utf-8"?>
+<file path=ppt/slides/slide27.xml><?xml version="1.0" encoding="utf-8"?>
 <p:sld xmlns:a="http://schemas.openxmlformats.org/drawingml/2006/main" xmlns:r="http://schemas.openxmlformats.org/officeDocument/2006/relationships" xmlns:p="http://schemas.openxmlformats.org/presentationml/2006/main">
   <p:cSld>
     <p:spTree>
@@ -11277,15 +10991,7 @@
             </a:pPr>
             <a:r>
               <a:rPr lang="en-US" sz="2177" dirty="0"/>
-              <a:t>Statistical models (Bayes </a:t>
-            </a:r>
-            <a:r>
-              <a:rPr lang="en-US" sz="2177" dirty="0" smtClean="0"/>
-              <a:t>vs. </a:t>
-            </a:r>
-            <a:r>
-              <a:rPr lang="en-US" sz="2177" dirty="0"/>
-              <a:t>Frequentist)</a:t>
+              <a:t>Statistical models (Bayes vs. Frequentist)</a:t>
             </a:r>
           </a:p>
           <a:p>
@@ -11362,249 +11068,10 @@
   <p:clrMapOvr>
     <a:masterClrMapping/>
   </p:clrMapOvr>
-  <p:timing>
-    <p:tnLst>
-      <p:par>
-        <p:cTn id="1" dur="indefinite" restart="never" nodeType="tmRoot"/>
-      </p:par>
-    </p:tnLst>
-  </p:timing>
 </p:sld>
 </file>
 
-<file path=ppt/slides/slide3.xml><?xml version="1.0" encoding="utf-8"?>
-<p:sld xmlns:a="http://schemas.openxmlformats.org/drawingml/2006/main" xmlns:r="http://schemas.openxmlformats.org/officeDocument/2006/relationships" xmlns:p="http://schemas.openxmlformats.org/presentationml/2006/main">
-  <p:cSld>
-    <p:spTree>
-      <p:nvGrpSpPr>
-        <p:cNvPr id="1" name=""/>
-        <p:cNvGrpSpPr/>
-        <p:nvPr/>
-      </p:nvGrpSpPr>
-      <p:grpSpPr>
-        <a:xfrm>
-          <a:off x="0" y="0"/>
-          <a:ext cx="0" cy="0"/>
-          <a:chOff x="0" y="0"/>
-          <a:chExt cx="0" cy="0"/>
-        </a:xfrm>
-      </p:grpSpPr>
-      <p:pic>
-        <p:nvPicPr>
-          <p:cNvPr id="4" name="Picture 3"/>
-          <p:cNvPicPr>
-            <a:picLocks noChangeAspect="1"/>
-          </p:cNvPicPr>
-          <p:nvPr/>
-        </p:nvPicPr>
-        <p:blipFill>
-          <a:blip r:embed="rId2">
-            <a:extLst>
-              <a:ext uri="{28A0092B-C50C-407E-A947-70E740481C1C}">
-                <a14:useLocalDpi xmlns:a14="http://schemas.microsoft.com/office/drawing/2010/main" val="0"/>
-              </a:ext>
-            </a:extLst>
-          </a:blip>
-          <a:stretch>
-            <a:fillRect/>
-          </a:stretch>
-        </p:blipFill>
-        <p:spPr>
-          <a:xfrm>
-            <a:off x="2086619" y="1347982"/>
-            <a:ext cx="8295271" cy="4147635"/>
-          </a:xfrm>
-          <a:prstGeom prst="rect">
-            <a:avLst/>
-          </a:prstGeom>
-        </p:spPr>
-      </p:pic>
-      <p:sp>
-        <p:nvSpPr>
-          <p:cNvPr id="2" name="Title 1"/>
-          <p:cNvSpPr>
-            <a:spLocks noGrp="1"/>
-          </p:cNvSpPr>
-          <p:nvPr>
-            <p:ph type="title"/>
-          </p:nvPr>
-        </p:nvSpPr>
-        <p:spPr/>
-        <p:txBody>
-          <a:bodyPr>
-            <a:normAutofit/>
-          </a:bodyPr>
-          <a:lstStyle/>
-          <a:p>
-            <a:r>
-              <a:rPr lang="en-US" sz="4355" dirty="0"/>
-              <a:t>Sequencing Costs</a:t>
-            </a:r>
-          </a:p>
-        </p:txBody>
-      </p:sp>
-      <p:sp>
-        <p:nvSpPr>
-          <p:cNvPr id="3" name="Content Placeholder 2"/>
-          <p:cNvSpPr>
-            <a:spLocks noGrp="1"/>
-          </p:cNvSpPr>
-          <p:nvPr>
-            <p:ph idx="1"/>
-          </p:nvPr>
-        </p:nvSpPr>
-        <p:spPr>
-          <a:xfrm>
-            <a:off x="2177349" y="5295436"/>
-            <a:ext cx="8195901" cy="1244291"/>
-          </a:xfrm>
-        </p:spPr>
-        <p:txBody>
-          <a:bodyPr>
-            <a:normAutofit fontScale="92500" lnSpcReduction="10000"/>
-          </a:bodyPr>
-          <a:lstStyle/>
-          <a:p>
-            <a:r>
-              <a:rPr lang="en-US" sz="2177" dirty="0"/>
-              <a:t>Includes: labor, administration, management, utilities, reagents, consumables, instruments (amortized over 3 years), informatics related to sequence productions, submission, indirect costs.</a:t>
-            </a:r>
-          </a:p>
-          <a:p>
-            <a:r>
-              <a:rPr lang="en-US" sz="2177" dirty="0"/>
-              <a:t>http://</a:t>
-            </a:r>
-            <a:r>
-              <a:rPr lang="en-US" sz="2177" dirty="0" err="1"/>
-              <a:t>www.genome.gov</a:t>
-            </a:r>
-            <a:r>
-              <a:rPr lang="en-US" sz="2177" dirty="0"/>
-              <a:t>/</a:t>
-            </a:r>
-            <a:r>
-              <a:rPr lang="en-US" sz="2177" dirty="0" err="1"/>
-              <a:t>sequencingcosts</a:t>
-            </a:r>
-            <a:r>
-              <a:rPr lang="en-US" sz="2177" dirty="0"/>
-              <a:t>/</a:t>
-            </a:r>
-          </a:p>
-        </p:txBody>
-      </p:sp>
-      <p:sp>
-        <p:nvSpPr>
-          <p:cNvPr id="8" name="TextBox 7"/>
-          <p:cNvSpPr txBox="1"/>
-          <p:nvPr/>
-        </p:nvSpPr>
-        <p:spPr>
-          <a:xfrm>
-            <a:off x="4575200" y="1908200"/>
-            <a:ext cx="1382545" cy="343620"/>
-          </a:xfrm>
-          <a:prstGeom prst="rect">
-            <a:avLst/>
-          </a:prstGeom>
-          <a:noFill/>
-        </p:spPr>
-        <p:txBody>
-          <a:bodyPr wrap="square" rtlCol="0">
-            <a:spAutoFit/>
-          </a:bodyPr>
-          <a:lstStyle/>
-          <a:p>
-            <a:r>
-              <a:rPr lang="en-US" sz="1633"/>
-              <a:t>$0.014/Mb</a:t>
-            </a:r>
-            <a:endParaRPr lang="en-US" sz="1633" dirty="0"/>
-          </a:p>
-        </p:txBody>
-      </p:sp>
-      <p:sp>
-        <p:nvSpPr>
-          <p:cNvPr id="9" name="TextBox 8"/>
-          <p:cNvSpPr txBox="1"/>
-          <p:nvPr/>
-        </p:nvSpPr>
-        <p:spPr>
-          <a:xfrm>
-            <a:off x="8515454" y="1908201"/>
-            <a:ext cx="1520800" cy="846194"/>
-          </a:xfrm>
-          <a:prstGeom prst="rect">
-            <a:avLst/>
-          </a:prstGeom>
-          <a:noFill/>
-        </p:spPr>
-        <p:txBody>
-          <a:bodyPr wrap="square" rtlCol="0">
-            <a:spAutoFit/>
-          </a:bodyPr>
-          <a:lstStyle/>
-          <a:p>
-            <a:pPr algn="r"/>
-            <a:r>
-              <a:rPr lang="en-US" sz="1633" dirty="0"/>
-              <a:t>$1245 per Human sized (30x) genome</a:t>
-            </a:r>
-          </a:p>
-        </p:txBody>
-      </p:sp>
-      <p:sp>
-        <p:nvSpPr>
-          <p:cNvPr id="5" name="TextBox 4"/>
-          <p:cNvSpPr txBox="1"/>
-          <p:nvPr/>
-        </p:nvSpPr>
-        <p:spPr>
-          <a:xfrm>
-            <a:off x="8515454" y="668804"/>
-            <a:ext cx="2908853" cy="461665"/>
-          </a:xfrm>
-          <a:prstGeom prst="rect">
-            <a:avLst/>
-          </a:prstGeom>
-          <a:noFill/>
-        </p:spPr>
-        <p:txBody>
-          <a:bodyPr wrap="square" rtlCol="0">
-            <a:spAutoFit/>
-          </a:bodyPr>
-          <a:lstStyle/>
-          <a:p>
-            <a:r>
-              <a:rPr lang="en-US" sz="2400" dirty="0" smtClean="0"/>
-              <a:t>October 2016</a:t>
-            </a:r>
-            <a:endParaRPr lang="en-US" sz="2400" dirty="0"/>
-          </a:p>
-        </p:txBody>
-      </p:sp>
-    </p:spTree>
-    <p:extLst>
-      <p:ext uri="{BB962C8B-B14F-4D97-AF65-F5344CB8AC3E}">
-        <p14:creationId xmlns:p14="http://schemas.microsoft.com/office/powerpoint/2010/main" val="2008986884"/>
-      </p:ext>
-    </p:extLst>
-  </p:cSld>
-  <p:clrMapOvr>
-    <a:masterClrMapping/>
-  </p:clrMapOvr>
-  <p:timing>
-    <p:tnLst>
-      <p:par>
-        <p:cTn id="1" dur="indefinite" restart="never" nodeType="tmRoot"/>
-      </p:par>
-    </p:tnLst>
-  </p:timing>
-</p:sld>
-</file>
-
-<file path=ppt/slides/slide30.xml><?xml version="1.0" encoding="utf-8"?>
+<file path=ppt/slides/slide28.xml><?xml version="1.0" encoding="utf-8"?>
 <p:sld xmlns:a="http://schemas.openxmlformats.org/drawingml/2006/main" xmlns:r="http://schemas.openxmlformats.org/officeDocument/2006/relationships" xmlns:p="http://schemas.openxmlformats.org/presentationml/2006/main">
   <p:cSld>
     <p:spTree>
@@ -11797,13 +11264,379 @@
   <p:clrMapOvr>
     <a:masterClrMapping/>
   </p:clrMapOvr>
-  <p:timing>
-    <p:tnLst>
-      <p:par>
-        <p:cTn id="1" dur="indefinite" restart="never" nodeType="tmRoot"/>
-      </p:par>
-    </p:tnLst>
-  </p:timing>
+</p:sld>
+</file>
+
+<file path=ppt/slides/slide29.xml><?xml version="1.0" encoding="utf-8"?>
+<p:sld xmlns:a="http://schemas.openxmlformats.org/drawingml/2006/main" xmlns:r="http://schemas.openxmlformats.org/officeDocument/2006/relationships" xmlns:p="http://schemas.openxmlformats.org/presentationml/2006/main">
+  <p:cSld>
+    <p:spTree>
+      <p:nvGrpSpPr>
+        <p:cNvPr id="1" name=""/>
+        <p:cNvGrpSpPr/>
+        <p:nvPr/>
+      </p:nvGrpSpPr>
+      <p:grpSpPr>
+        <a:xfrm>
+          <a:off x="0" y="0"/>
+          <a:ext cx="0" cy="0"/>
+          <a:chOff x="0" y="0"/>
+          <a:chExt cx="0" cy="0"/>
+        </a:xfrm>
+      </p:grpSpPr>
+      <p:sp>
+        <p:nvSpPr>
+          <p:cNvPr id="3" name="Title 2"/>
+          <p:cNvSpPr>
+            <a:spLocks noGrp="1"/>
+          </p:cNvSpPr>
+          <p:nvPr>
+            <p:ph type="title"/>
+          </p:nvPr>
+        </p:nvSpPr>
+        <p:spPr/>
+        <p:txBody>
+          <a:bodyPr>
+            <a:normAutofit/>
+          </a:bodyPr>
+          <a:lstStyle/>
+          <a:p>
+            <a:r>
+              <a:rPr lang="en-US" sz="4355"/>
+              <a:t>Training - Models</a:t>
+            </a:r>
+            <a:endParaRPr lang="en-US" sz="4355" dirty="0"/>
+          </a:p>
+        </p:txBody>
+      </p:sp>
+      <p:sp>
+        <p:nvSpPr>
+          <p:cNvPr id="4" name="Content Placeholder 3"/>
+          <p:cNvSpPr>
+            <a:spLocks noGrp="1"/>
+          </p:cNvSpPr>
+          <p:nvPr>
+            <p:ph idx="1"/>
+          </p:nvPr>
+        </p:nvSpPr>
+        <p:spPr/>
+        <p:txBody>
+          <a:bodyPr>
+            <a:normAutofit/>
+          </a:bodyPr>
+          <a:lstStyle/>
+          <a:p>
+            <a:pPr marL="414772" indent="-414772"/>
+            <a:r>
+              <a:rPr lang="en-US" sz="2903" dirty="0"/>
+              <a:t>Workshops</a:t>
+            </a:r>
+          </a:p>
+          <a:p>
+            <a:pPr marL="933237" lvl="1"/>
+            <a:r>
+              <a:rPr lang="en-US" sz="2540" dirty="0"/>
+              <a:t>Often enrolled too late</a:t>
+            </a:r>
+          </a:p>
+          <a:p>
+            <a:pPr marL="414772" indent="-414772"/>
+            <a:r>
+              <a:rPr lang="en-US" sz="2903" dirty="0"/>
+              <a:t>Collaborations</a:t>
+            </a:r>
+          </a:p>
+          <a:p>
+            <a:pPr marL="933237" lvl="1"/>
+            <a:r>
+              <a:rPr lang="en-US" sz="2540" dirty="0"/>
+              <a:t>More experience persons</a:t>
+            </a:r>
+          </a:p>
+          <a:p>
+            <a:pPr marL="414772" indent="-414772"/>
+            <a:r>
+              <a:rPr lang="en-US" sz="2903" dirty="0"/>
+              <a:t>Apprenticeships</a:t>
+            </a:r>
+          </a:p>
+          <a:p>
+            <a:pPr marL="933237" lvl="1"/>
+            <a:r>
+              <a:rPr lang="en-US" sz="2540" dirty="0"/>
+              <a:t>Previous lab personnel to young personnel</a:t>
+            </a:r>
+          </a:p>
+          <a:p>
+            <a:pPr marL="414772" indent="-414772"/>
+            <a:r>
+              <a:rPr lang="en-US" sz="2903" dirty="0"/>
+              <a:t>Formal Education</a:t>
+            </a:r>
+          </a:p>
+          <a:p>
+            <a:pPr marL="933237" lvl="1"/>
+            <a:r>
+              <a:rPr lang="en-US" sz="2540" dirty="0"/>
+              <a:t>Most programs are </a:t>
+            </a:r>
+            <a:r>
+              <a:rPr lang="en-US" sz="2540"/>
+              <a:t>graduate level</a:t>
+            </a:r>
+          </a:p>
+          <a:p>
+            <a:pPr marL="933237" lvl="1"/>
+            <a:r>
+              <a:rPr lang="en-US" sz="2540"/>
+              <a:t>Few </a:t>
+            </a:r>
+            <a:r>
+              <a:rPr lang="en-US" sz="2540" dirty="0"/>
+              <a:t>Undergraduate</a:t>
+            </a:r>
+          </a:p>
+        </p:txBody>
+      </p:sp>
+      <p:pic>
+        <p:nvPicPr>
+          <p:cNvPr id="6" name="Picture 5" descr="imgres.png"/>
+          <p:cNvPicPr>
+            <a:picLocks noChangeAspect="1"/>
+          </p:cNvPicPr>
+          <p:nvPr/>
+        </p:nvPicPr>
+        <p:blipFill>
+          <a:blip r:embed="rId2">
+            <a:extLst>
+              <a:ext uri="{28A0092B-C50C-407E-A947-70E740481C1C}">
+                <a14:useLocalDpi xmlns:a14="http://schemas.microsoft.com/office/drawing/2010/main" val="0"/>
+              </a:ext>
+            </a:extLst>
+          </a:blip>
+          <a:stretch>
+            <a:fillRect/>
+          </a:stretch>
+        </p:blipFill>
+        <p:spPr>
+          <a:xfrm>
+            <a:off x="6372510" y="1908201"/>
+            <a:ext cx="3950335" cy="1187997"/>
+          </a:xfrm>
+          <a:prstGeom prst="rect">
+            <a:avLst/>
+          </a:prstGeom>
+        </p:spPr>
+      </p:pic>
+    </p:spTree>
+    <p:extLst>
+      <p:ext uri="{BB962C8B-B14F-4D97-AF65-F5344CB8AC3E}">
+        <p14:creationId xmlns:p14="http://schemas.microsoft.com/office/powerpoint/2010/main" val="2014023821"/>
+      </p:ext>
+    </p:extLst>
+  </p:cSld>
+  <p:clrMapOvr>
+    <a:masterClrMapping/>
+  </p:clrMapOvr>
+</p:sld>
+</file>
+
+<file path=ppt/slides/slide3.xml><?xml version="1.0" encoding="utf-8"?>
+<p:sld xmlns:a="http://schemas.openxmlformats.org/drawingml/2006/main" xmlns:r="http://schemas.openxmlformats.org/officeDocument/2006/relationships" xmlns:p="http://schemas.openxmlformats.org/presentationml/2006/main">
+  <p:cSld>
+    <p:spTree>
+      <p:nvGrpSpPr>
+        <p:cNvPr id="1" name=""/>
+        <p:cNvGrpSpPr/>
+        <p:nvPr/>
+      </p:nvGrpSpPr>
+      <p:grpSpPr>
+        <a:xfrm>
+          <a:off x="0" y="0"/>
+          <a:ext cx="0" cy="0"/>
+          <a:chOff x="0" y="0"/>
+          <a:chExt cx="0" cy="0"/>
+        </a:xfrm>
+      </p:grpSpPr>
+      <p:sp>
+        <p:nvSpPr>
+          <p:cNvPr id="2" name="Title 1"/>
+          <p:cNvSpPr>
+            <a:spLocks noGrp="1"/>
+          </p:cNvSpPr>
+          <p:nvPr>
+            <p:ph type="title"/>
+          </p:nvPr>
+        </p:nvSpPr>
+        <p:spPr/>
+        <p:txBody>
+          <a:bodyPr/>
+          <a:lstStyle/>
+          <a:p>
+            <a:r>
+              <a:rPr lang="en-US" dirty="0"/>
+              <a:t>Brief History</a:t>
+            </a:r>
+          </a:p>
+        </p:txBody>
+      </p:sp>
+      <p:sp>
+        <p:nvSpPr>
+          <p:cNvPr id="3" name="Text Placeholder 2"/>
+          <p:cNvSpPr>
+            <a:spLocks noGrp="1"/>
+          </p:cNvSpPr>
+          <p:nvPr>
+            <p:ph type="body" idx="1"/>
+          </p:nvPr>
+        </p:nvSpPr>
+        <p:spPr/>
+        <p:txBody>
+          <a:bodyPr/>
+          <a:lstStyle/>
+          <a:p>
+            <a:endParaRPr lang="en-US"/>
+          </a:p>
+        </p:txBody>
+      </p:sp>
+    </p:spTree>
+    <p:extLst>
+      <p:ext uri="{BB962C8B-B14F-4D97-AF65-F5344CB8AC3E}">
+        <p14:creationId xmlns:p14="http://schemas.microsoft.com/office/powerpoint/2010/main" val="585374715"/>
+      </p:ext>
+    </p:extLst>
+  </p:cSld>
+  <p:clrMapOvr>
+    <a:masterClrMapping/>
+  </p:clrMapOvr>
+</p:sld>
+</file>
+
+<file path=ppt/slides/slide30.xml><?xml version="1.0" encoding="utf-8"?>
+<p:sld xmlns:a="http://schemas.openxmlformats.org/drawingml/2006/main" xmlns:r="http://schemas.openxmlformats.org/officeDocument/2006/relationships" xmlns:p="http://schemas.openxmlformats.org/presentationml/2006/main">
+  <p:cSld>
+    <p:spTree>
+      <p:nvGrpSpPr>
+        <p:cNvPr id="1" name=""/>
+        <p:cNvGrpSpPr/>
+        <p:nvPr/>
+      </p:nvGrpSpPr>
+      <p:grpSpPr>
+        <a:xfrm>
+          <a:off x="0" y="0"/>
+          <a:ext cx="0" cy="0"/>
+          <a:chOff x="0" y="0"/>
+          <a:chExt cx="0" cy="0"/>
+        </a:xfrm>
+      </p:grpSpPr>
+      <p:sp>
+        <p:nvSpPr>
+          <p:cNvPr id="2" name="Title 1"/>
+          <p:cNvSpPr>
+            <a:spLocks noGrp="1"/>
+          </p:cNvSpPr>
+          <p:nvPr>
+            <p:ph type="title"/>
+          </p:nvPr>
+        </p:nvSpPr>
+        <p:spPr/>
+        <p:txBody>
+          <a:bodyPr>
+            <a:normAutofit/>
+          </a:bodyPr>
+          <a:lstStyle/>
+          <a:p>
+            <a:r>
+              <a:rPr lang="en-US" sz="4355" dirty="0"/>
+              <a:t>Bioinformatics</a:t>
+            </a:r>
+          </a:p>
+        </p:txBody>
+      </p:sp>
+      <p:sp>
+        <p:nvSpPr>
+          <p:cNvPr id="3" name="Content Placeholder 2"/>
+          <p:cNvSpPr>
+            <a:spLocks noGrp="1"/>
+          </p:cNvSpPr>
+          <p:nvPr>
+            <p:ph idx="1"/>
+          </p:nvPr>
+        </p:nvSpPr>
+        <p:spPr/>
+        <p:txBody>
+          <a:bodyPr>
+            <a:normAutofit/>
+          </a:bodyPr>
+          <a:lstStyle/>
+          <a:p>
+            <a:pPr marL="414772" indent="-414772"/>
+            <a:r>
+              <a:rPr lang="en-US" sz="2903" dirty="0"/>
+              <a:t>Know and Understand the experiment</a:t>
+            </a:r>
+          </a:p>
+          <a:p>
+            <a:pPr marL="933237" lvl="1"/>
+            <a:r>
+              <a:rPr lang="en-US" sz="2540" dirty="0"/>
+              <a:t>“The Question of Interest”</a:t>
+            </a:r>
+          </a:p>
+          <a:p>
+            <a:pPr marL="414772"/>
+            <a:r>
+              <a:rPr lang="en-US" sz="2903" dirty="0"/>
+              <a:t>Build a set of assumptions/expectations</a:t>
+            </a:r>
+          </a:p>
+          <a:p>
+            <a:pPr marL="933237" lvl="1"/>
+            <a:r>
+              <a:rPr lang="en-US" sz="2540" dirty="0"/>
+              <a:t>Mix of technical and biological</a:t>
+            </a:r>
+          </a:p>
+          <a:p>
+            <a:pPr marL="933237" lvl="1"/>
+            <a:r>
+              <a:rPr lang="en-US" sz="2540" dirty="0"/>
+              <a:t>Spend your time testing your assumptions/expectations</a:t>
+            </a:r>
+          </a:p>
+          <a:p>
+            <a:pPr marL="933237" lvl="1"/>
+            <a:r>
+              <a:rPr lang="en-US" sz="2540" dirty="0"/>
+              <a:t>Don’t spend your time finding the “best” software</a:t>
+            </a:r>
+          </a:p>
+          <a:p>
+            <a:pPr marL="414772"/>
+            <a:r>
+              <a:rPr lang="en-US" sz="2903" dirty="0"/>
+              <a:t>Don’t under-estimate the time Bioinformatics may take</a:t>
+            </a:r>
+          </a:p>
+          <a:p>
+            <a:pPr marL="414772"/>
+            <a:r>
+              <a:rPr lang="en-US" sz="2903" dirty="0"/>
+              <a:t>Be prepared to accept ‘failed’ experiments</a:t>
+            </a:r>
+          </a:p>
+        </p:txBody>
+      </p:sp>
+    </p:spTree>
+    <p:extLst>
+      <p:ext uri="{BB962C8B-B14F-4D97-AF65-F5344CB8AC3E}">
+        <p14:creationId xmlns:p14="http://schemas.microsoft.com/office/powerpoint/2010/main" val="376189587"/>
+      </p:ext>
+    </p:extLst>
+  </p:cSld>
+  <p:clrMapOvr>
+    <a:masterClrMapping/>
+  </p:clrMapOvr>
 </p:sld>
 </file>
 
@@ -11826,7 +11659,7 @@
       </p:grpSpPr>
       <p:sp>
         <p:nvSpPr>
-          <p:cNvPr id="3" name="Title 2"/>
+          <p:cNvPr id="2" name="Title 1"/>
           <p:cNvSpPr>
             <a:spLocks noGrp="1"/>
           </p:cNvSpPr>
@@ -11834,7 +11667,12 @@
             <p:ph type="title"/>
           </p:nvPr>
         </p:nvSpPr>
-        <p:spPr/>
+        <p:spPr>
+          <a:xfrm>
+            <a:off x="2501384" y="273630"/>
+            <a:ext cx="7674566" cy="1143480"/>
+          </a:xfrm>
+        </p:spPr>
         <p:txBody>
           <a:bodyPr>
             <a:normAutofit/>
@@ -11842,327 +11680,6 @@
           <a:lstStyle/>
           <a:p>
             <a:r>
-              <a:rPr lang="en-US" sz="4355" smtClean="0"/>
-              <a:t>Training - Models</a:t>
-            </a:r>
-            <a:endParaRPr lang="en-US" sz="4355" dirty="0"/>
-          </a:p>
-        </p:txBody>
-      </p:sp>
-      <p:sp>
-        <p:nvSpPr>
-          <p:cNvPr id="4" name="Content Placeholder 3"/>
-          <p:cNvSpPr>
-            <a:spLocks noGrp="1"/>
-          </p:cNvSpPr>
-          <p:nvPr>
-            <p:ph idx="1"/>
-          </p:nvPr>
-        </p:nvSpPr>
-        <p:spPr/>
-        <p:txBody>
-          <a:bodyPr>
-            <a:normAutofit/>
-          </a:bodyPr>
-          <a:lstStyle/>
-          <a:p>
-            <a:pPr marL="414772" indent="-414772"/>
-            <a:r>
-              <a:rPr lang="en-US" sz="2903" dirty="0"/>
-              <a:t>Workshops</a:t>
-            </a:r>
-          </a:p>
-          <a:p>
-            <a:pPr marL="933237" lvl="1"/>
-            <a:r>
-              <a:rPr lang="en-US" sz="2540" dirty="0"/>
-              <a:t>Often enrolled too late</a:t>
-            </a:r>
-          </a:p>
-          <a:p>
-            <a:pPr marL="414772" indent="-414772"/>
-            <a:r>
-              <a:rPr lang="en-US" sz="2903" dirty="0"/>
-              <a:t>Collaborations</a:t>
-            </a:r>
-          </a:p>
-          <a:p>
-            <a:pPr marL="933237" lvl="1"/>
-            <a:r>
-              <a:rPr lang="en-US" sz="2540" dirty="0"/>
-              <a:t>More experience persons</a:t>
-            </a:r>
-          </a:p>
-          <a:p>
-            <a:pPr marL="414772" indent="-414772"/>
-            <a:r>
-              <a:rPr lang="en-US" sz="2903" dirty="0"/>
-              <a:t>Apprenticeships</a:t>
-            </a:r>
-          </a:p>
-          <a:p>
-            <a:pPr marL="933237" lvl="1"/>
-            <a:r>
-              <a:rPr lang="en-US" sz="2540" dirty="0"/>
-              <a:t>Previous lab personnel to young personnel</a:t>
-            </a:r>
-          </a:p>
-          <a:p>
-            <a:pPr marL="414772" indent="-414772"/>
-            <a:r>
-              <a:rPr lang="en-US" sz="2903" dirty="0"/>
-              <a:t>Formal Education</a:t>
-            </a:r>
-          </a:p>
-          <a:p>
-            <a:pPr marL="933237" lvl="1"/>
-            <a:r>
-              <a:rPr lang="en-US" sz="2540" dirty="0"/>
-              <a:t>Most programs are </a:t>
-            </a:r>
-            <a:r>
-              <a:rPr lang="en-US" sz="2540" smtClean="0"/>
-              <a:t>graduate level</a:t>
-            </a:r>
-          </a:p>
-          <a:p>
-            <a:pPr marL="933237" lvl="1"/>
-            <a:r>
-              <a:rPr lang="en-US" sz="2540" smtClean="0"/>
-              <a:t>Few </a:t>
-            </a:r>
-            <a:r>
-              <a:rPr lang="en-US" sz="2540" dirty="0"/>
-              <a:t>Undergraduate</a:t>
-            </a:r>
-          </a:p>
-        </p:txBody>
-      </p:sp>
-      <p:pic>
-        <p:nvPicPr>
-          <p:cNvPr id="6" name="Picture 5" descr="imgres.png"/>
-          <p:cNvPicPr>
-            <a:picLocks noChangeAspect="1"/>
-          </p:cNvPicPr>
-          <p:nvPr/>
-        </p:nvPicPr>
-        <p:blipFill>
-          <a:blip r:embed="rId2">
-            <a:extLst>
-              <a:ext uri="{28A0092B-C50C-407E-A947-70E740481C1C}">
-                <a14:useLocalDpi xmlns:a14="http://schemas.microsoft.com/office/drawing/2010/main" val="0"/>
-              </a:ext>
-            </a:extLst>
-          </a:blip>
-          <a:stretch>
-            <a:fillRect/>
-          </a:stretch>
-        </p:blipFill>
-        <p:spPr>
-          <a:xfrm>
-            <a:off x="6372510" y="1908201"/>
-            <a:ext cx="3950335" cy="1187997"/>
-          </a:xfrm>
-          <a:prstGeom prst="rect">
-            <a:avLst/>
-          </a:prstGeom>
-        </p:spPr>
-      </p:pic>
-    </p:spTree>
-    <p:extLst>
-      <p:ext uri="{BB962C8B-B14F-4D97-AF65-F5344CB8AC3E}">
-        <p14:creationId xmlns:p14="http://schemas.microsoft.com/office/powerpoint/2010/main" val="2014023821"/>
-      </p:ext>
-    </p:extLst>
-  </p:cSld>
-  <p:clrMapOvr>
-    <a:masterClrMapping/>
-  </p:clrMapOvr>
-  <p:timing>
-    <p:tnLst>
-      <p:par>
-        <p:cTn id="1" dur="indefinite" restart="never" nodeType="tmRoot"/>
-      </p:par>
-    </p:tnLst>
-  </p:timing>
-</p:sld>
-</file>
-
-<file path=ppt/slides/slide32.xml><?xml version="1.0" encoding="utf-8"?>
-<p:sld xmlns:a="http://schemas.openxmlformats.org/drawingml/2006/main" xmlns:r="http://schemas.openxmlformats.org/officeDocument/2006/relationships" xmlns:p="http://schemas.openxmlformats.org/presentationml/2006/main">
-  <p:cSld>
-    <p:spTree>
-      <p:nvGrpSpPr>
-        <p:cNvPr id="1" name=""/>
-        <p:cNvGrpSpPr/>
-        <p:nvPr/>
-      </p:nvGrpSpPr>
-      <p:grpSpPr>
-        <a:xfrm>
-          <a:off x="0" y="0"/>
-          <a:ext cx="0" cy="0"/>
-          <a:chOff x="0" y="0"/>
-          <a:chExt cx="0" cy="0"/>
-        </a:xfrm>
-      </p:grpSpPr>
-      <p:sp>
-        <p:nvSpPr>
-          <p:cNvPr id="2" name="Title 1"/>
-          <p:cNvSpPr>
-            <a:spLocks noGrp="1"/>
-          </p:cNvSpPr>
-          <p:nvPr>
-            <p:ph type="title"/>
-          </p:nvPr>
-        </p:nvSpPr>
-        <p:spPr/>
-        <p:txBody>
-          <a:bodyPr>
-            <a:normAutofit/>
-          </a:bodyPr>
-          <a:lstStyle/>
-          <a:p>
-            <a:r>
-              <a:rPr lang="en-US" sz="4355" dirty="0"/>
-              <a:t>Bioinformatics</a:t>
-            </a:r>
-          </a:p>
-        </p:txBody>
-      </p:sp>
-      <p:sp>
-        <p:nvSpPr>
-          <p:cNvPr id="3" name="Content Placeholder 2"/>
-          <p:cNvSpPr>
-            <a:spLocks noGrp="1"/>
-          </p:cNvSpPr>
-          <p:nvPr>
-            <p:ph idx="1"/>
-          </p:nvPr>
-        </p:nvSpPr>
-        <p:spPr/>
-        <p:txBody>
-          <a:bodyPr>
-            <a:normAutofit/>
-          </a:bodyPr>
-          <a:lstStyle/>
-          <a:p>
-            <a:pPr marL="414772" indent="-414772"/>
-            <a:r>
-              <a:rPr lang="en-US" sz="2903" dirty="0"/>
-              <a:t>Know and Understand the experiment</a:t>
-            </a:r>
-          </a:p>
-          <a:p>
-            <a:pPr marL="933237" lvl="1"/>
-            <a:r>
-              <a:rPr lang="en-US" sz="2540" dirty="0"/>
-              <a:t>“The Question of Interest”</a:t>
-            </a:r>
-          </a:p>
-          <a:p>
-            <a:pPr marL="414772"/>
-            <a:r>
-              <a:rPr lang="en-US" sz="2903" dirty="0"/>
-              <a:t>Build a set of assumptions/expectations</a:t>
-            </a:r>
-          </a:p>
-          <a:p>
-            <a:pPr marL="933237" lvl="1"/>
-            <a:r>
-              <a:rPr lang="en-US" sz="2540" dirty="0"/>
-              <a:t>Mix of technical and biological</a:t>
-            </a:r>
-          </a:p>
-          <a:p>
-            <a:pPr marL="933237" lvl="1"/>
-            <a:r>
-              <a:rPr lang="en-US" sz="2540" dirty="0"/>
-              <a:t>Spend your time testing your assumptions/expectations</a:t>
-            </a:r>
-          </a:p>
-          <a:p>
-            <a:pPr marL="933237" lvl="1"/>
-            <a:r>
-              <a:rPr lang="en-US" sz="2540" dirty="0"/>
-              <a:t>Don’t spend your time finding the “best” software</a:t>
-            </a:r>
-          </a:p>
-          <a:p>
-            <a:pPr marL="414772"/>
-            <a:r>
-              <a:rPr lang="en-US" sz="2903" dirty="0"/>
-              <a:t>Don’t under-estimate the time Bioinformatics may take</a:t>
-            </a:r>
-          </a:p>
-          <a:p>
-            <a:pPr marL="414772"/>
-            <a:r>
-              <a:rPr lang="en-US" sz="2903" dirty="0"/>
-              <a:t>Be prepared to accept ‘failed’ experiments</a:t>
-            </a:r>
-          </a:p>
-        </p:txBody>
-      </p:sp>
-    </p:spTree>
-    <p:extLst>
-      <p:ext uri="{BB962C8B-B14F-4D97-AF65-F5344CB8AC3E}">
-        <p14:creationId xmlns:p14="http://schemas.microsoft.com/office/powerpoint/2010/main" val="376189587"/>
-      </p:ext>
-    </p:extLst>
-  </p:cSld>
-  <p:clrMapOvr>
-    <a:masterClrMapping/>
-  </p:clrMapOvr>
-  <p:timing>
-    <p:tnLst>
-      <p:par>
-        <p:cTn id="1" dur="indefinite" restart="never" nodeType="tmRoot"/>
-      </p:par>
-    </p:tnLst>
-  </p:timing>
-</p:sld>
-</file>
-
-<file path=ppt/slides/slide33.xml><?xml version="1.0" encoding="utf-8"?>
-<p:sld xmlns:a="http://schemas.openxmlformats.org/drawingml/2006/main" xmlns:r="http://schemas.openxmlformats.org/officeDocument/2006/relationships" xmlns:p="http://schemas.openxmlformats.org/presentationml/2006/main">
-  <p:cSld>
-    <p:spTree>
-      <p:nvGrpSpPr>
-        <p:cNvPr id="1" name=""/>
-        <p:cNvGrpSpPr/>
-        <p:nvPr/>
-      </p:nvGrpSpPr>
-      <p:grpSpPr>
-        <a:xfrm>
-          <a:off x="0" y="0"/>
-          <a:ext cx="0" cy="0"/>
-          <a:chOff x="0" y="0"/>
-          <a:chExt cx="0" cy="0"/>
-        </a:xfrm>
-      </p:grpSpPr>
-      <p:sp>
-        <p:nvSpPr>
-          <p:cNvPr id="2" name="Title 1"/>
-          <p:cNvSpPr>
-            <a:spLocks noGrp="1"/>
-          </p:cNvSpPr>
-          <p:nvPr>
-            <p:ph type="title"/>
-          </p:nvPr>
-        </p:nvSpPr>
-        <p:spPr>
-          <a:xfrm>
-            <a:off x="2501384" y="273630"/>
-            <a:ext cx="7674566" cy="1143480"/>
-          </a:xfrm>
-        </p:spPr>
-        <p:txBody>
-          <a:bodyPr>
-            <a:normAutofit/>
-          </a:bodyPr>
-          <a:lstStyle/>
-          <a:p>
-            <a:r>
               <a:rPr lang="en-US" sz="4355" dirty="0"/>
               <a:t>Bottom Line</a:t>
             </a:r>
@@ -12177,7 +11694,7 @@
         </p:nvSpPr>
         <p:spPr>
           <a:xfrm>
-            <a:off x="2501382" y="1839073"/>
+            <a:off x="2501382" y="1459068"/>
             <a:ext cx="7673126" cy="4969741"/>
           </a:xfrm>
           <a:prstGeom prst="rect">
@@ -12278,17 +11795,10 @@
   <p:clrMapOvr>
     <a:masterClrMapping/>
   </p:clrMapOvr>
-  <p:timing>
-    <p:tnLst>
-      <p:par>
-        <p:cTn id="1" dur="indefinite" restart="never" nodeType="tmRoot"/>
-      </p:par>
-    </p:tnLst>
-  </p:timing>
 </p:sld>
 </file>
 
-<file path=ppt/slides/slide34.xml><?xml version="1.0" encoding="utf-8"?>
+<file path=ppt/slides/slide32.xml><?xml version="1.0" encoding="utf-8"?>
 <p:sld xmlns:a="http://schemas.openxmlformats.org/drawingml/2006/main" xmlns:r="http://schemas.openxmlformats.org/officeDocument/2006/relationships" xmlns:p="http://schemas.openxmlformats.org/presentationml/2006/main">
   <p:cSld>
     <p:spTree>
@@ -12689,17 +12199,10 @@
   <p:clrMapOvr>
     <a:masterClrMapping/>
   </p:clrMapOvr>
-  <p:timing>
-    <p:tnLst>
-      <p:par>
-        <p:cTn id="1" dur="indefinite" restart="never" nodeType="tmRoot"/>
-      </p:par>
-    </p:tnLst>
-  </p:timing>
 </p:sld>
 </file>
 
-<file path=ppt/slides/slide35.xml><?xml version="1.0" encoding="utf-8"?>
+<file path=ppt/slides/slide33.xml><?xml version="1.0" encoding="utf-8"?>
 <p:sld xmlns:a="http://schemas.openxmlformats.org/drawingml/2006/main" xmlns:r="http://schemas.openxmlformats.org/officeDocument/2006/relationships" xmlns:p="http://schemas.openxmlformats.org/presentationml/2006/main">
   <p:cSld>
     <p:spTree>
@@ -13096,17 +12599,10 @@
   <p:clrMapOvr>
     <a:masterClrMapping/>
   </p:clrMapOvr>
-  <p:timing>
-    <p:tnLst>
-      <p:par>
-        <p:cTn id="1" dur="indefinite" restart="never" nodeType="tmRoot"/>
-      </p:par>
-    </p:tnLst>
-  </p:timing>
 </p:sld>
 </file>
 
-<file path=ppt/slides/slide36.xml><?xml version="1.0" encoding="utf-8"?>
+<file path=ppt/slides/slide34.xml><?xml version="1.0" encoding="utf-8"?>
 <p:sld xmlns:a="http://schemas.openxmlformats.org/drawingml/2006/main" xmlns:r="http://schemas.openxmlformats.org/officeDocument/2006/relationships" xmlns:p="http://schemas.openxmlformats.org/presentationml/2006/main">
   <p:cSld>
     <p:spTree>
@@ -13225,13 +12721,6 @@
   <p:clrMapOvr>
     <a:masterClrMapping/>
   </p:clrMapOvr>
-  <p:timing>
-    <p:tnLst>
-      <p:par>
-        <p:cTn id="1" dur="indefinite" restart="never" nodeType="tmRoot"/>
-      </p:par>
-    </p:tnLst>
-  </p:timing>
 </p:sld>
 </file>
 
@@ -13271,7 +12760,7 @@
           <a:p>
             <a:r>
               <a:rPr lang="en-US" sz="4355" dirty="0"/>
-              <a:t>Growth in Public Sequence Database</a:t>
+              <a:t>Sequencing Platforms</a:t>
             </a:r>
           </a:p>
         </p:txBody>
@@ -13286,63 +12775,21 @@
             <p:ph idx="1"/>
           </p:nvPr>
         </p:nvSpPr>
-        <p:spPr>
-          <a:xfrm>
-            <a:off x="2224874" y="5744763"/>
-            <a:ext cx="8195901" cy="933219"/>
-          </a:xfrm>
-        </p:spPr>
+        <p:spPr/>
         <p:txBody>
           <a:bodyPr/>
           <a:lstStyle/>
           <a:p>
             <a:r>
-              <a:rPr lang="en-US" sz="2177" dirty="0"/>
-              <a:t>http://www.ncbi.nlm.nih.gov/genbank/statistics</a:t>
-            </a:r>
-          </a:p>
-          <a:p>
-            <a:endParaRPr lang="en-US" dirty="0"/>
-          </a:p>
-        </p:txBody>
-      </p:sp>
-      <p:sp>
-        <p:nvSpPr>
-          <p:cNvPr id="9" name="TextBox 8"/>
-          <p:cNvSpPr txBox="1"/>
-          <p:nvPr/>
-        </p:nvSpPr>
-        <p:spPr>
-          <a:xfrm>
-            <a:off x="2916146" y="2184710"/>
-            <a:ext cx="1866436" cy="287771"/>
-          </a:xfrm>
-          <a:prstGeom prst="rect">
-            <a:avLst/>
-          </a:prstGeom>
-          <a:noFill/>
-        </p:spPr>
-        <p:txBody>
-          <a:bodyPr wrap="square" rtlCol="0">
-            <a:spAutoFit/>
-          </a:bodyPr>
-          <a:lstStyle/>
-          <a:p>
-            <a:r>
-              <a:rPr lang="en-US" sz="1270" dirty="0"/>
-              <a:t>WGS &gt; 1 trillion </a:t>
-            </a:r>
-            <a:r>
-              <a:rPr lang="en-US" sz="1270" dirty="0" err="1"/>
-              <a:t>bp</a:t>
-            </a:r>
-            <a:endParaRPr lang="en-US" sz="1270" dirty="0"/>
+              <a:rPr lang="en-US" sz="2540" dirty="0"/>
+              <a:t>1986 - Dye terminator Sanger sequencing, technology dominated until 2005 until “next generation sequencers”, peaking at about 900kb/day</a:t>
+            </a:r>
           </a:p>
         </p:txBody>
       </p:sp>
       <p:pic>
         <p:nvPicPr>
-          <p:cNvPr id="4" name="Picture 3"/>
+          <p:cNvPr id="4" name="Picture 3" descr="imgres.jpg"/>
           <p:cNvPicPr>
             <a:picLocks noChangeAspect="1"/>
           </p:cNvPicPr>
@@ -13362,8 +12809,8 @@
         </p:blipFill>
         <p:spPr>
           <a:xfrm>
-            <a:off x="1938284" y="1347982"/>
-            <a:ext cx="8793560" cy="4396780"/>
+            <a:off x="5128219" y="3498127"/>
+            <a:ext cx="4307680" cy="2903345"/>
           </a:xfrm>
           <a:prstGeom prst="rect">
             <a:avLst/>
@@ -13373,20 +12820,13 @@
     </p:spTree>
     <p:extLst>
       <p:ext uri="{BB962C8B-B14F-4D97-AF65-F5344CB8AC3E}">
-        <p14:creationId xmlns:p14="http://schemas.microsoft.com/office/powerpoint/2010/main" val="157177607"/>
+        <p14:creationId xmlns:p14="http://schemas.microsoft.com/office/powerpoint/2010/main" val="814066619"/>
       </p:ext>
     </p:extLst>
   </p:cSld>
   <p:clrMapOvr>
     <a:masterClrMapping/>
   </p:clrMapOvr>
-  <p:timing>
-    <p:tnLst>
-      <p:par>
-        <p:cTn id="1" dur="indefinite" restart="never" nodeType="tmRoot"/>
-      </p:par>
-    </p:tnLst>
-  </p:timing>
 </p:sld>
 </file>
 
@@ -13425,22 +12865,52 @@
           <a:lstStyle/>
           <a:p>
             <a:r>
-              <a:rPr lang="en-US" sz="4355"/>
-              <a:t>Short Read Archive (SRA)</a:t>
-            </a:r>
-            <a:endParaRPr lang="en-US" sz="4355" dirty="0"/>
-          </a:p>
-        </p:txBody>
-      </p:sp>
-      <p:pic>
-        <p:nvPicPr>
-          <p:cNvPr id="4" name="Content Placeholder 3"/>
-          <p:cNvPicPr>
-            <a:picLocks noGrp="1" noChangeAspect="1"/>
-          </p:cNvPicPr>
+              <a:rPr lang="en-US" sz="4355" dirty="0"/>
+              <a:t>‘Next’ Generation</a:t>
+            </a:r>
+          </a:p>
+        </p:txBody>
+      </p:sp>
+      <p:sp>
+        <p:nvSpPr>
+          <p:cNvPr id="3" name="Content Placeholder 2"/>
+          <p:cNvSpPr>
+            <a:spLocks noGrp="1"/>
+          </p:cNvSpPr>
           <p:nvPr>
             <p:ph idx="1"/>
           </p:nvPr>
+        </p:nvSpPr>
+        <p:spPr/>
+        <p:txBody>
+          <a:bodyPr/>
+          <a:lstStyle/>
+          <a:p>
+            <a:r>
+              <a:rPr lang="en-US" sz="2540" dirty="0"/>
+              <a:t>2005 – ‘Next Generation Sequencing’ as Massively parallel sequencing, both throughput and speed advances. The first was the Genome Sequencer (GS) instrument developed by 454 life Sciences (later acquired by Roche), </a:t>
+            </a:r>
+            <a:r>
+              <a:rPr lang="en-US" sz="2540" dirty="0" err="1"/>
+              <a:t>Pyrosequencing</a:t>
+            </a:r>
+            <a:r>
+              <a:rPr lang="en-US" sz="2540" dirty="0"/>
+              <a:t> 1.5Gb/day</a:t>
+            </a:r>
+          </a:p>
+          <a:p>
+            <a:endParaRPr lang="en-US" dirty="0"/>
+          </a:p>
+        </p:txBody>
+      </p:sp>
+      <p:pic>
+        <p:nvPicPr>
+          <p:cNvPr id="4" name="Picture 3" descr="imgres.jpg"/>
+          <p:cNvPicPr>
+            <a:picLocks noChangeAspect="1"/>
+          </p:cNvPicPr>
+          <p:nvPr/>
         </p:nvPicPr>
         <p:blipFill>
           <a:blip r:embed="rId2">
@@ -13456,84 +12926,43 @@
         </p:blipFill>
         <p:spPr>
           <a:xfrm>
-            <a:off x="3054401" y="1417110"/>
-            <a:ext cx="6290580" cy="5032464"/>
-          </a:xfrm>
-        </p:spPr>
-      </p:pic>
-      <p:sp>
-        <p:nvSpPr>
-          <p:cNvPr id="5" name="Rectangle 4"/>
-          <p:cNvSpPr/>
-          <p:nvPr/>
-        </p:nvSpPr>
-        <p:spPr>
-          <a:xfrm>
-            <a:off x="4022182" y="2322964"/>
-            <a:ext cx="1680268" cy="343620"/>
+            <a:off x="7340290" y="3912891"/>
+            <a:ext cx="2511624" cy="2661399"/>
           </a:xfrm>
           <a:prstGeom prst="rect">
             <a:avLst/>
           </a:prstGeom>
         </p:spPr>
-        <p:txBody>
-          <a:bodyPr wrap="none">
-            <a:spAutoFit/>
-          </a:bodyPr>
-          <a:lstStyle/>
-          <a:p>
-            <a:r>
-              <a:rPr lang="en-US" sz="1633" dirty="0"/>
-              <a:t>&gt; 1 quadrillion </a:t>
-            </a:r>
-            <a:r>
-              <a:rPr lang="en-US" sz="1633" dirty="0" err="1"/>
-              <a:t>bp</a:t>
-            </a:r>
-            <a:endParaRPr lang="en-US" sz="1633" dirty="0"/>
-          </a:p>
-        </p:txBody>
-      </p:sp>
-      <p:sp>
-        <p:nvSpPr>
-          <p:cNvPr id="6" name="Rectangle 5"/>
-          <p:cNvSpPr/>
+      </p:pic>
+      <p:sp>
+        <p:nvSpPr>
+          <p:cNvPr id="6" name="TextBox 5"/>
+          <p:cNvSpPr txBox="1"/>
           <p:nvPr/>
         </p:nvSpPr>
         <p:spPr>
           <a:xfrm>
-            <a:off x="2501383" y="6429624"/>
-            <a:ext cx="3683701" cy="343620"/>
+            <a:off x="2570510" y="6194091"/>
+            <a:ext cx="3110727" cy="483209"/>
           </a:xfrm>
           <a:prstGeom prst="rect">
             <a:avLst/>
           </a:prstGeom>
-        </p:spPr>
-        <p:txBody>
-          <a:bodyPr wrap="none">
+          <a:noFill/>
+        </p:spPr>
+        <p:txBody>
+          <a:bodyPr wrap="square" rtlCol="0">
             <a:spAutoFit/>
           </a:bodyPr>
           <a:lstStyle/>
           <a:p>
             <a:r>
-              <a:rPr lang="en-US" sz="1633" dirty="0"/>
-              <a:t>http://</a:t>
-            </a:r>
-            <a:r>
-              <a:rPr lang="en-US" sz="1633" dirty="0" err="1"/>
-              <a:t>www.ncbi.nlm.nih.gov</a:t>
-            </a:r>
-            <a:r>
-              <a:rPr lang="en-US" sz="1633" dirty="0"/>
-              <a:t>/Traces/</a:t>
-            </a:r>
-            <a:r>
-              <a:rPr lang="en-US" sz="1633" dirty="0" err="1"/>
-              <a:t>sra</a:t>
-            </a:r>
-            <a:r>
-              <a:rPr lang="en-US" sz="1633" dirty="0"/>
-              <a:t>/</a:t>
+              <a:rPr lang="en-US" sz="2540" b="1" dirty="0">
+                <a:solidFill>
+                  <a:srgbClr val="FF0000"/>
+                </a:solidFill>
+              </a:rPr>
+              <a:t>Discontinued</a:t>
             </a:r>
           </a:p>
         </p:txBody>
@@ -13541,20 +12970,13 @@
     </p:spTree>
     <p:extLst>
       <p:ext uri="{BB962C8B-B14F-4D97-AF65-F5344CB8AC3E}">
-        <p14:creationId xmlns:p14="http://schemas.microsoft.com/office/powerpoint/2010/main" val="279155039"/>
+        <p14:creationId xmlns:p14="http://schemas.microsoft.com/office/powerpoint/2010/main" val="399350496"/>
       </p:ext>
     </p:extLst>
   </p:cSld>
   <p:clrMapOvr>
     <a:masterClrMapping/>
   </p:clrMapOvr>
-  <p:timing>
-    <p:tnLst>
-      <p:par>
-        <p:cTn id="1" dur="indefinite" restart="never" nodeType="tmRoot"/>
-      </p:par>
-    </p:tnLst>
-  </p:timing>
 </p:sld>
 </file>
 
@@ -13593,9 +13015,10 @@
           <a:lstStyle/>
           <a:p>
             <a:r>
-              <a:rPr lang="en-US" sz="4355" dirty="0"/>
-              <a:t>Increase in Genome Sequencing Projects</a:t>
-            </a:r>
+              <a:rPr lang="en-US" sz="4355" dirty="0" err="1"/>
+              <a:t>Illumina</a:t>
+            </a:r>
+            <a:endParaRPr lang="en-US" sz="4355" dirty="0"/>
           </a:p>
         </p:txBody>
       </p:sp>
@@ -13609,63 +13032,37 @@
             <p:ph idx="1"/>
           </p:nvPr>
         </p:nvSpPr>
-        <p:spPr>
-          <a:xfrm>
-            <a:off x="2177349" y="5986709"/>
-            <a:ext cx="8491131" cy="587583"/>
-          </a:xfrm>
-        </p:spPr>
-        <p:txBody>
-          <a:bodyPr>
-            <a:normAutofit fontScale="77500" lnSpcReduction="20000"/>
-          </a:bodyPr>
-          <a:lstStyle/>
-          <a:p>
-            <a:r>
-              <a:rPr lang="en-US" sz="2177" dirty="0"/>
-              <a:t>JGI – Genomes Online Database (GOLD)</a:t>
-            </a:r>
-          </a:p>
-          <a:p>
-            <a:r>
-              <a:rPr lang="en-US" sz="2177" dirty="0"/>
-              <a:t>67,822 genome sequencing projects</a:t>
-            </a:r>
-          </a:p>
-        </p:txBody>
-      </p:sp>
-      <p:sp>
-        <p:nvSpPr>
-          <p:cNvPr id="8" name="TextBox 7"/>
-          <p:cNvSpPr txBox="1"/>
-          <p:nvPr/>
-        </p:nvSpPr>
-        <p:spPr>
-          <a:xfrm>
-            <a:off x="6994654" y="2184709"/>
-            <a:ext cx="2903345" cy="343620"/>
-          </a:xfrm>
-          <a:prstGeom prst="rect">
-            <a:avLst/>
-          </a:prstGeom>
-          <a:noFill/>
-        </p:spPr>
-        <p:txBody>
-          <a:bodyPr wrap="square" rtlCol="0">
-            <a:spAutoFit/>
-          </a:bodyPr>
-          <a:lstStyle/>
-          <a:p>
-            <a:r>
-              <a:rPr lang="en-US" sz="1633" dirty="0"/>
-              <a:t>Lists &gt; 3700 unique genus</a:t>
+        <p:spPr/>
+        <p:txBody>
+          <a:bodyPr/>
+          <a:lstStyle/>
+          <a:p>
+            <a:r>
+              <a:rPr lang="en-US" sz="2540" dirty="0"/>
+              <a:t>2006 – The second ‘Next Generation Sequencing’ platform was </a:t>
+            </a:r>
+            <a:r>
+              <a:rPr lang="en-US" sz="2540" dirty="0" err="1"/>
+              <a:t>Solexa</a:t>
+            </a:r>
+            <a:r>
+              <a:rPr lang="en-US" sz="2540" dirty="0"/>
+              <a:t> (later acquired by </a:t>
+            </a:r>
+            <a:r>
+              <a:rPr lang="en-US" sz="2540" dirty="0" err="1"/>
+              <a:t>Illumina</a:t>
+            </a:r>
+            <a:r>
+              <a:rPr lang="en-US" sz="2540" dirty="0"/>
+              <a:t>). Now the dominant platform with 75% market share of sequencer and and estimated &gt;90% of all bases sequenced are from an Illumina machine, Sequencing by Synthesis &gt; 1600Gb/day.</a:t>
             </a:r>
           </a:p>
         </p:txBody>
       </p:sp>
       <p:pic>
         <p:nvPicPr>
-          <p:cNvPr id="10" name="Picture 9"/>
+          <p:cNvPr id="4" name="Picture 3" descr="imgres.jpg"/>
           <p:cNvPicPr>
             <a:picLocks noChangeAspect="1"/>
           </p:cNvPicPr>
@@ -13685,8 +13082,8 @@
         </p:blipFill>
         <p:spPr>
           <a:xfrm>
-            <a:off x="2152237" y="1908218"/>
-            <a:ext cx="4074503" cy="2399975"/>
+            <a:off x="5266473" y="3705509"/>
+            <a:ext cx="4493272" cy="3457713"/>
           </a:xfrm>
           <a:prstGeom prst="rect">
             <a:avLst/>
@@ -13695,51 +13092,72 @@
       </p:pic>
       <p:pic>
         <p:nvPicPr>
-          <p:cNvPr id="9" name="Picture 8"/>
+          <p:cNvPr id="5" name="Picture 4"/>
           <p:cNvPicPr>
             <a:picLocks noChangeAspect="1"/>
           </p:cNvPicPr>
           <p:nvPr/>
         </p:nvPicPr>
         <p:blipFill>
-          <a:blip r:embed="rId3">
-            <a:extLst>
-              <a:ext uri="{28A0092B-C50C-407E-A947-70E740481C1C}">
-                <a14:useLocalDpi xmlns:a14="http://schemas.microsoft.com/office/drawing/2010/main" val="0"/>
-              </a:ext>
-            </a:extLst>
-          </a:blip>
+          <a:blip r:embed="rId3"/>
           <a:stretch>
             <a:fillRect/>
           </a:stretch>
         </p:blipFill>
         <p:spPr>
           <a:xfrm>
-            <a:off x="5712055" y="3152491"/>
-            <a:ext cx="4877216" cy="2789933"/>
+            <a:off x="2531957" y="3876488"/>
+            <a:ext cx="2857500" cy="2857500"/>
           </a:xfrm>
           <a:prstGeom prst="rect">
             <a:avLst/>
           </a:prstGeom>
         </p:spPr>
       </p:pic>
+      <p:sp>
+        <p:nvSpPr>
+          <p:cNvPr id="6" name="TextBox 5"/>
+          <p:cNvSpPr txBox="1"/>
+          <p:nvPr/>
+        </p:nvSpPr>
+        <p:spPr>
+          <a:xfrm>
+            <a:off x="1160357" y="5129143"/>
+            <a:ext cx="1371600" cy="646331"/>
+          </a:xfrm>
+          <a:prstGeom prst="rect">
+            <a:avLst/>
+          </a:prstGeom>
+          <a:noFill/>
+        </p:spPr>
+        <p:txBody>
+          <a:bodyPr wrap="square" rtlCol="0">
+            <a:spAutoFit/>
+          </a:bodyPr>
+          <a:lstStyle/>
+          <a:p>
+            <a:r>
+              <a:rPr lang="en-US" dirty="0"/>
+              <a:t>New </a:t>
+            </a:r>
+            <a:r>
+              <a:rPr lang="en-US" dirty="0" err="1"/>
+              <a:t>NovaSeq</a:t>
+            </a:r>
+            <a:endParaRPr lang="en-US" dirty="0"/>
+          </a:p>
+        </p:txBody>
+      </p:sp>
     </p:spTree>
     <p:extLst>
       <p:ext uri="{BB962C8B-B14F-4D97-AF65-F5344CB8AC3E}">
-        <p14:creationId xmlns:p14="http://schemas.microsoft.com/office/powerpoint/2010/main" val="1654455425"/>
+        <p14:creationId xmlns:p14="http://schemas.microsoft.com/office/powerpoint/2010/main" val="997389397"/>
       </p:ext>
     </p:extLst>
   </p:cSld>
   <p:clrMapOvr>
     <a:masterClrMapping/>
   </p:clrMapOvr>
-  <p:timing>
-    <p:tnLst>
-      <p:par>
-        <p:cTn id="1" dur="indefinite" restart="never" nodeType="tmRoot"/>
-      </p:par>
-    </p:tnLst>
-  </p:timing>
 </p:sld>
 </file>
 
@@ -13772,25 +13190,26 @@
         </p:nvSpPr>
         <p:spPr/>
         <p:txBody>
-          <a:bodyPr/>
-          <a:lstStyle/>
-          <a:p>
-            <a:r>
-              <a:rPr lang="en-US" dirty="0" smtClean="0"/>
-              <a:t>Brief History</a:t>
-            </a:r>
-            <a:endParaRPr lang="en-US" dirty="0"/>
-          </a:p>
-        </p:txBody>
-      </p:sp>
-      <p:sp>
-        <p:nvSpPr>
-          <p:cNvPr id="3" name="Text Placeholder 2"/>
+          <a:bodyPr>
+            <a:normAutofit/>
+          </a:bodyPr>
+          <a:lstStyle/>
+          <a:p>
+            <a:r>
+              <a:rPr lang="en-US" sz="4355" dirty="0"/>
+              <a:t>Complete Genomics</a:t>
+            </a:r>
+          </a:p>
+        </p:txBody>
+      </p:sp>
+      <p:sp>
+        <p:nvSpPr>
+          <p:cNvPr id="3" name="Content Placeholder 2"/>
           <p:cNvSpPr>
             <a:spLocks noGrp="1"/>
           </p:cNvSpPr>
           <p:nvPr>
-            <p:ph type="body" idx="1"/>
+            <p:ph idx="1"/>
           </p:nvPr>
         </p:nvSpPr>
         <p:spPr/>
@@ -13798,14 +13217,150 @@
           <a:bodyPr/>
           <a:lstStyle/>
           <a:p>
-            <a:endParaRPr lang="en-US"/>
+            <a:r>
+              <a:rPr lang="en-US" sz="2540" dirty="0"/>
+              <a:t>2006 – Using DNA </a:t>
+            </a:r>
+            <a:r>
+              <a:rPr lang="en-US" sz="2540" dirty="0" err="1"/>
+              <a:t>nanoball</a:t>
+            </a:r>
+            <a:r>
+              <a:rPr lang="en-US" sz="2540" dirty="0"/>
+              <a:t> sequencing, has been a leader in Human genome resequencing, having sequenced over 20,000 genomes to date. In 2013 purchased by BGI and is now set to release their first commercial sequencer, the </a:t>
+            </a:r>
+            <a:r>
+              <a:rPr lang="en-US" sz="2540" dirty="0" err="1"/>
+              <a:t>Revolocity</a:t>
+            </a:r>
+            <a:r>
+              <a:rPr lang="en-US" sz="2540" dirty="0"/>
+              <a:t>. Throughput on par with </a:t>
+            </a:r>
+            <a:r>
+              <a:rPr lang="en-US" sz="2540" dirty="0" err="1"/>
+              <a:t>HiSeq</a:t>
+            </a:r>
+            <a:endParaRPr lang="en-US" sz="2540" dirty="0"/>
+          </a:p>
+        </p:txBody>
+      </p:sp>
+      <p:pic>
+        <p:nvPicPr>
+          <p:cNvPr id="4" name="Picture 3" descr="imgres.jpg"/>
+          <p:cNvPicPr>
+            <a:picLocks noChangeAspect="1"/>
+          </p:cNvPicPr>
+          <p:nvPr/>
+        </p:nvPicPr>
+        <p:blipFill rotWithShape="1">
+          <a:blip r:embed="rId2">
+            <a:extLst>
+              <a:ext uri="{28A0092B-C50C-407E-A947-70E740481C1C}">
+                <a14:useLocalDpi xmlns:a14="http://schemas.microsoft.com/office/drawing/2010/main" val="0"/>
+              </a:ext>
+            </a:extLst>
+          </a:blip>
+          <a:srcRect l="12439" r="17555"/>
+          <a:stretch/>
+        </p:blipFill>
+        <p:spPr>
+          <a:xfrm>
+            <a:off x="5971571" y="3705509"/>
+            <a:ext cx="4064683" cy="2795548"/>
+          </a:xfrm>
+          <a:prstGeom prst="rect">
+            <a:avLst/>
+          </a:prstGeom>
+        </p:spPr>
+      </p:pic>
+      <p:sp>
+        <p:nvSpPr>
+          <p:cNvPr id="5" name="TextBox 4"/>
+          <p:cNvSpPr txBox="1"/>
+          <p:nvPr/>
+        </p:nvSpPr>
+        <p:spPr>
+          <a:xfrm>
+            <a:off x="2164387" y="5809046"/>
+            <a:ext cx="3732872" cy="846194"/>
+          </a:xfrm>
+          <a:prstGeom prst="rect">
+            <a:avLst/>
+          </a:prstGeom>
+          <a:noFill/>
+        </p:spPr>
+        <p:txBody>
+          <a:bodyPr wrap="square" rtlCol="0">
+            <a:spAutoFit/>
+          </a:bodyPr>
+          <a:lstStyle/>
+          <a:p>
+            <a:r>
+              <a:rPr lang="en-US" sz="1633" dirty="0"/>
+              <a:t>Human </a:t>
+            </a:r>
+            <a:r>
+              <a:rPr lang="en-US" sz="1633"/>
+              <a:t>genome/</a:t>
+            </a:r>
+            <a:r>
+              <a:rPr lang="en-US" sz="1633" dirty="0" err="1"/>
+              <a:t>exomes</a:t>
+            </a:r>
+            <a:r>
+              <a:rPr lang="en-US" sz="1633" dirty="0"/>
+              <a:t> only.</a:t>
+            </a:r>
+          </a:p>
+          <a:p>
+            <a:endParaRPr lang="en-US" sz="1633" dirty="0"/>
+          </a:p>
+          <a:p>
+            <a:r>
+              <a:rPr lang="en-US" sz="1633" dirty="0"/>
+              <a:t>10,000 Human Genomes per year</a:t>
+            </a:r>
+          </a:p>
+        </p:txBody>
+      </p:sp>
+      <p:sp>
+        <p:nvSpPr>
+          <p:cNvPr id="6" name="TextBox 5"/>
+          <p:cNvSpPr txBox="1"/>
+          <p:nvPr/>
+        </p:nvSpPr>
+        <p:spPr>
+          <a:xfrm rot="2112267">
+            <a:off x="2812455" y="4985032"/>
+            <a:ext cx="4493272" cy="539058"/>
+          </a:xfrm>
+          <a:prstGeom prst="rect">
+            <a:avLst/>
+          </a:prstGeom>
+          <a:noFill/>
+        </p:spPr>
+        <p:txBody>
+          <a:bodyPr wrap="square" rtlCol="0">
+            <a:spAutoFit/>
+          </a:bodyPr>
+          <a:lstStyle/>
+          <a:p>
+            <a:r>
+              <a:rPr lang="en-US" sz="2903" dirty="0">
+                <a:solidFill>
+                  <a:srgbClr val="FF0000"/>
+                </a:solidFill>
+              </a:rPr>
+              <a:t>NOW DEFUNCT</a:t>
+            </a:r>
           </a:p>
         </p:txBody>
       </p:sp>
     </p:spTree>
     <p:extLst>
       <p:ext uri="{BB962C8B-B14F-4D97-AF65-F5344CB8AC3E}">
-        <p14:creationId xmlns:p14="http://schemas.microsoft.com/office/powerpoint/2010/main" val="585374715"/>
+        <p14:creationId xmlns:p14="http://schemas.microsoft.com/office/powerpoint/2010/main" val="2013730544"/>
       </p:ext>
     </p:extLst>
   </p:cSld>
@@ -13851,7 +13406,7 @@
           <a:p>
             <a:r>
               <a:rPr lang="en-US" sz="4355" dirty="0"/>
-              <a:t>Sequencing Platforms</a:t>
+              <a:t>Bench top Sequencers</a:t>
             </a:r>
           </a:p>
         </p:txBody>
@@ -13866,15 +13421,62 @@
             <p:ph idx="1"/>
           </p:nvPr>
         </p:nvSpPr>
-        <p:spPr/>
+        <p:spPr>
+          <a:xfrm>
+            <a:off x="2177350" y="1633133"/>
+            <a:ext cx="4056905" cy="4733777"/>
+          </a:xfrm>
+        </p:spPr>
         <p:txBody>
           <a:bodyPr/>
           <a:lstStyle/>
           <a:p>
-            <a:r>
-              <a:rPr lang="en-US" sz="2540" dirty="0"/>
-              <a:t>1986 - Dye terminator Sanger sequencing, technology dominated until 2005 until “next generation sequencers”, peaking at about 900kb/day</a:t>
-            </a:r>
+            <a:endParaRPr lang="en-US" dirty="0"/>
+          </a:p>
+          <a:p>
+            <a:r>
+              <a:rPr lang="en-US" dirty="0"/>
+              <a:t>Roche 454 Junior</a:t>
+            </a:r>
+          </a:p>
+          <a:p>
+            <a:endParaRPr lang="en-US" dirty="0"/>
+          </a:p>
+          <a:p>
+            <a:r>
+              <a:rPr lang="en-US" dirty="0"/>
+              <a:t>Life Technologies</a:t>
+            </a:r>
+          </a:p>
+          <a:p>
+            <a:r>
+              <a:rPr lang="en-US" dirty="0"/>
+              <a:t>	Ion Torrent</a:t>
+            </a:r>
+          </a:p>
+          <a:p>
+            <a:r>
+              <a:rPr lang="en-US" dirty="0"/>
+              <a:t>	Ion Proton</a:t>
+            </a:r>
+          </a:p>
+          <a:p>
+            <a:endParaRPr lang="en-US" dirty="0"/>
+          </a:p>
+          <a:p>
+            <a:r>
+              <a:rPr lang="en-US" dirty="0" err="1"/>
+              <a:t>Illumina</a:t>
+            </a:r>
+            <a:r>
+              <a:rPr lang="en-US" dirty="0"/>
+              <a:t> </a:t>
+            </a:r>
+            <a:r>
+              <a:rPr lang="en-US" dirty="0" err="1"/>
+              <a:t>MiSeq</a:t>
+            </a:r>
+            <a:endParaRPr lang="en-US" dirty="0"/>
           </a:p>
         </p:txBody>
       </p:sp>
@@ -13900,8 +13502,98 @@
         </p:blipFill>
         <p:spPr>
           <a:xfrm>
-            <a:off x="5128219" y="3498127"/>
-            <a:ext cx="4307680" cy="2903345"/>
+            <a:off x="7478545" y="1493437"/>
+            <a:ext cx="2928584" cy="1948840"/>
+          </a:xfrm>
+          <a:prstGeom prst="rect">
+            <a:avLst/>
+          </a:prstGeom>
+        </p:spPr>
+      </p:pic>
+      <p:pic>
+        <p:nvPicPr>
+          <p:cNvPr id="5" name="Picture 4" descr="imgres.jpg"/>
+          <p:cNvPicPr>
+            <a:picLocks noChangeAspect="1"/>
+          </p:cNvPicPr>
+          <p:nvPr/>
+        </p:nvPicPr>
+        <p:blipFill>
+          <a:blip r:embed="rId3">
+            <a:extLst>
+              <a:ext uri="{28A0092B-C50C-407E-A947-70E740481C1C}">
+                <a14:useLocalDpi xmlns:a14="http://schemas.microsoft.com/office/drawing/2010/main" val="0"/>
+              </a:ext>
+            </a:extLst>
+          </a:blip>
+          <a:stretch>
+            <a:fillRect/>
+          </a:stretch>
+        </p:blipFill>
+        <p:spPr>
+          <a:xfrm>
+            <a:off x="6510764" y="3287828"/>
+            <a:ext cx="2295830" cy="1855030"/>
+          </a:xfrm>
+          <a:prstGeom prst="rect">
+            <a:avLst/>
+          </a:prstGeom>
+        </p:spPr>
+      </p:pic>
+      <p:pic>
+        <p:nvPicPr>
+          <p:cNvPr id="6" name="Picture 5" descr="imgres.jpg"/>
+          <p:cNvPicPr>
+            <a:picLocks noChangeAspect="1"/>
+          </p:cNvPicPr>
+          <p:nvPr/>
+        </p:nvPicPr>
+        <p:blipFill>
+          <a:blip r:embed="rId4">
+            <a:extLst>
+              <a:ext uri="{28A0092B-C50C-407E-A947-70E740481C1C}">
+                <a14:useLocalDpi xmlns:a14="http://schemas.microsoft.com/office/drawing/2010/main" val="0"/>
+              </a:ext>
+            </a:extLst>
+          </a:blip>
+          <a:stretch>
+            <a:fillRect/>
+          </a:stretch>
+        </p:blipFill>
+        <p:spPr>
+          <a:xfrm>
+            <a:off x="8743816" y="3356955"/>
+            <a:ext cx="1924665" cy="1800226"/>
+          </a:xfrm>
+          <a:prstGeom prst="rect">
+            <a:avLst/>
+          </a:prstGeom>
+        </p:spPr>
+      </p:pic>
+      <p:pic>
+        <p:nvPicPr>
+          <p:cNvPr id="7" name="Picture 6" descr="imgres.jpg"/>
+          <p:cNvPicPr>
+            <a:picLocks noChangeAspect="1"/>
+          </p:cNvPicPr>
+          <p:nvPr/>
+        </p:nvPicPr>
+        <p:blipFill>
+          <a:blip r:embed="rId5">
+            <a:extLst>
+              <a:ext uri="{28A0092B-C50C-407E-A947-70E740481C1C}">
+                <a14:useLocalDpi xmlns:a14="http://schemas.microsoft.com/office/drawing/2010/main" val="0"/>
+              </a:ext>
+            </a:extLst>
+          </a:blip>
+          <a:stretch>
+            <a:fillRect/>
+          </a:stretch>
+        </p:blipFill>
+        <p:spPr>
+          <a:xfrm>
+            <a:off x="7132908" y="5212275"/>
+            <a:ext cx="3030798" cy="1603961"/>
           </a:xfrm>
           <a:prstGeom prst="rect">
             <a:avLst/>
@@ -13911,20 +13603,13 @@
     </p:spTree>
     <p:extLst>
       <p:ext uri="{BB962C8B-B14F-4D97-AF65-F5344CB8AC3E}">
-        <p14:creationId xmlns:p14="http://schemas.microsoft.com/office/powerpoint/2010/main" val="814066619"/>
+        <p14:creationId xmlns:p14="http://schemas.microsoft.com/office/powerpoint/2010/main" val="426976288"/>
       </p:ext>
     </p:extLst>
   </p:cSld>
   <p:clrMapOvr>
     <a:masterClrMapping/>
   </p:clrMapOvr>
-  <p:timing>
-    <p:tnLst>
-      <p:par>
-        <p:cTn id="1" dur="indefinite" restart="never" nodeType="tmRoot"/>
-      </p:par>
-    </p:tnLst>
-  </p:timing>
 </p:sld>
 </file>
 
@@ -13963,8 +13648,23 @@
           <a:lstStyle/>
           <a:p>
             <a:r>
-              <a:rPr lang="en-US" sz="4355" dirty="0"/>
-              <a:t>‘Next’ Generation</a:t>
+              <a:rPr lang="en-US" sz="3992" dirty="0"/>
+              <a:t>The ‘Next, Next’ Generation Sequencers</a:t>
+            </a:r>
+            <a:br>
+              <a:rPr lang="en-US" sz="3992" dirty="0"/>
+            </a:br>
+            <a:r>
+              <a:rPr lang="en-US" sz="3992" dirty="0"/>
+              <a:t>	(3</a:t>
+            </a:r>
+            <a:r>
+              <a:rPr lang="en-US" sz="3992" baseline="30000" dirty="0"/>
+              <a:t>rd</a:t>
+            </a:r>
+            <a:r>
+              <a:rPr lang="en-US" sz="3992" dirty="0"/>
+              <a:t> Generation)</a:t>
             </a:r>
           </a:p>
         </p:txBody>
@@ -13986,19 +13686,8 @@
           <a:p>
             <a:r>
               <a:rPr lang="en-US" sz="2540" dirty="0"/>
-              <a:t>2005 – ‘Next Generation Sequencing’ as Massively parallel sequencing, both throughput and speed advances. The first was the Genome Sequencer (GS) instrument developed by 454 life Sciences (later acquired by Roche), </a:t>
-            </a:r>
-            <a:r>
-              <a:rPr lang="en-US" sz="2540" dirty="0" err="1"/>
-              <a:t>Pyrosequencing</a:t>
-            </a:r>
-            <a:r>
-              <a:rPr lang="en-US" sz="2540" dirty="0"/>
-              <a:t> 1.5Gb/day</a:t>
-            </a:r>
-          </a:p>
-          <a:p>
-            <a:endParaRPr lang="en-US" dirty="0"/>
+              <a:t>2009 – Single Molecule Read Time sequencing by Pacific Biosystems, most successful third generation sequencing platforms, RSII ~2Gb/day, newer Pac Bio Sequel ~14Gb/day, near 100Kb reads.</a:t>
+            </a:r>
           </a:p>
         </p:txBody>
       </p:sp>
@@ -14024,8 +13713,8 @@
         </p:blipFill>
         <p:spPr>
           <a:xfrm>
-            <a:off x="7340290" y="3912891"/>
-            <a:ext cx="2511624" cy="2661399"/>
+            <a:off x="4367818" y="3221618"/>
+            <a:ext cx="4734497" cy="3456363"/>
           </a:xfrm>
           <a:prstGeom prst="rect">
             <a:avLst/>
@@ -14034,14 +13723,81 @@
       </p:pic>
       <p:sp>
         <p:nvSpPr>
+          <p:cNvPr id="5" name="Rectangle 4"/>
+          <p:cNvSpPr/>
+          <p:nvPr/>
+        </p:nvSpPr>
+        <p:spPr>
+          <a:xfrm>
+            <a:off x="2561632" y="6029158"/>
+            <a:ext cx="7067997" cy="551329"/>
+          </a:xfrm>
+          <a:prstGeom prst="rect">
+            <a:avLst/>
+          </a:prstGeom>
+          <a:solidFill>
+            <a:schemeClr val="accent6">
+              <a:lumMod val="40000"/>
+              <a:lumOff val="60000"/>
+            </a:schemeClr>
+          </a:solidFill>
+          <a:ln>
+            <a:solidFill>
+              <a:schemeClr val="accent6">
+                <a:lumMod val="60000"/>
+                <a:lumOff val="40000"/>
+              </a:schemeClr>
+            </a:solidFill>
+          </a:ln>
+        </p:spPr>
+        <p:style>
+          <a:lnRef idx="1">
+            <a:schemeClr val="accent1"/>
+          </a:lnRef>
+          <a:fillRef idx="3">
+            <a:schemeClr val="accent1"/>
+          </a:fillRef>
+          <a:effectRef idx="2">
+            <a:schemeClr val="accent1"/>
+          </a:effectRef>
+          <a:fontRef idx="minor">
+            <a:schemeClr val="lt1"/>
+          </a:fontRef>
+        </p:style>
+        <p:txBody>
+          <a:bodyPr rtlCol="0" anchor="ctr"/>
+          <a:lstStyle/>
+          <a:p>
+            <a:pPr algn="ctr"/>
+            <a:r>
+              <a:rPr lang="en-US" sz="2000" dirty="0" err="1">
+                <a:solidFill>
+                  <a:srgbClr val="FF0000"/>
+                </a:solidFill>
+              </a:rPr>
+              <a:t>Iso-seq</a:t>
+            </a:r>
+            <a:r>
+              <a:rPr lang="en-US" sz="2000" dirty="0">
+                <a:solidFill>
+                  <a:srgbClr val="FF0000"/>
+                </a:solidFill>
+              </a:rPr>
+              <a:t> on Pac Bio possible, transcriptome without ‘assembly’</a:t>
+            </a:r>
+          </a:p>
+        </p:txBody>
+      </p:sp>
+      <p:sp>
+        <p:nvSpPr>
           <p:cNvPr id="6" name="TextBox 5"/>
           <p:cNvSpPr txBox="1"/>
           <p:nvPr/>
         </p:nvSpPr>
         <p:spPr>
           <a:xfrm>
-            <a:off x="2570510" y="6194091"/>
-            <a:ext cx="3110727" cy="483209"/>
+            <a:off x="1290918" y="3657600"/>
+            <a:ext cx="1922929" cy="369332"/>
           </a:xfrm>
           <a:prstGeom prst="rect">
             <a:avLst/>
@@ -14055,33 +13811,25 @@
           <a:lstStyle/>
           <a:p>
             <a:r>
-              <a:rPr lang="en-US" sz="2540" b="1" dirty="0">
-                <a:solidFill>
-                  <a:srgbClr val="FF0000"/>
-                </a:solidFill>
+              <a:rPr lang="en-US" dirty="0">
+                <a:hlinkClick r:id="rId3"/>
               </a:rPr>
-              <a:t>Discontinued</a:t>
-            </a:r>
+              <a:t>SMRT Sequencing</a:t>
+            </a:r>
+            <a:endParaRPr lang="en-US" dirty="0"/>
           </a:p>
         </p:txBody>
       </p:sp>
     </p:spTree>
     <p:extLst>
       <p:ext uri="{BB962C8B-B14F-4D97-AF65-F5344CB8AC3E}">
-        <p14:creationId xmlns:p14="http://schemas.microsoft.com/office/powerpoint/2010/main" val="399350496"/>
+        <p14:creationId xmlns:p14="http://schemas.microsoft.com/office/powerpoint/2010/main" val="234729026"/>
       </p:ext>
     </p:extLst>
   </p:cSld>
   <p:clrMapOvr>
     <a:masterClrMapping/>
   </p:clrMapOvr>
-  <p:timing>
-    <p:tnLst>
-      <p:par>
-        <p:cTn id="1" dur="indefinite" restart="never" nodeType="tmRoot"/>
-      </p:par>
-    </p:tnLst>
-  </p:timing>
 </p:sld>
 </file>
 
